--- a/QS_Training_SQL_Overview.pptx
+++ b/QS_Training_SQL_Overview.pptx
@@ -5,25 +5,26 @@
     <p:sldMasterId id="2147485495" r:id="rId1"/>
   </p:sldMasterIdLst>
   <p:notesMasterIdLst>
-    <p:notesMasterId r:id="rId15"/>
+    <p:notesMasterId r:id="rId16"/>
   </p:notesMasterIdLst>
   <p:handoutMasterIdLst>
-    <p:handoutMasterId r:id="rId16"/>
+    <p:handoutMasterId r:id="rId17"/>
   </p:handoutMasterIdLst>
   <p:sldIdLst>
     <p:sldId id="256" r:id="rId2"/>
-    <p:sldId id="369" r:id="rId3"/>
-    <p:sldId id="390" r:id="rId4"/>
-    <p:sldId id="380" r:id="rId5"/>
-    <p:sldId id="383" r:id="rId6"/>
-    <p:sldId id="389" r:id="rId7"/>
-    <p:sldId id="391" r:id="rId8"/>
-    <p:sldId id="392" r:id="rId9"/>
-    <p:sldId id="395" r:id="rId10"/>
-    <p:sldId id="396" r:id="rId11"/>
-    <p:sldId id="393" r:id="rId12"/>
-    <p:sldId id="367" r:id="rId13"/>
-    <p:sldId id="333" r:id="rId14"/>
+    <p:sldId id="397" r:id="rId3"/>
+    <p:sldId id="369" r:id="rId4"/>
+    <p:sldId id="390" r:id="rId5"/>
+    <p:sldId id="380" r:id="rId6"/>
+    <p:sldId id="383" r:id="rId7"/>
+    <p:sldId id="389" r:id="rId8"/>
+    <p:sldId id="391" r:id="rId9"/>
+    <p:sldId id="392" r:id="rId10"/>
+    <p:sldId id="395" r:id="rId11"/>
+    <p:sldId id="396" r:id="rId12"/>
+    <p:sldId id="393" r:id="rId13"/>
+    <p:sldId id="367" r:id="rId14"/>
+    <p:sldId id="333" r:id="rId15"/>
   </p:sldIdLst>
   <p:sldSz cx="9144000" cy="6858000" type="screen4x3"/>
   <p:notesSz cx="6858000" cy="9144000"/>
@@ -224,7 +225,7 @@
             <a:fld id="{AEC239D8-9946-CA43-8D24-8F75F9EC746F}" type="datetimeFigureOut">
               <a:rPr lang="en-US" smtClean="0"/>
               <a:pPr/>
-              <a:t>30/10/2015</a:t>
+              <a:t>02/11/2015</a:t>
             </a:fld>
             <a:endParaRPr lang="en-US"/>
           </a:p>
@@ -392,7 +393,7 @@
             <a:fld id="{30D3C4F2-547F-4EAC-A4FB-1991884D518B}" type="datetimeFigureOut">
               <a:rPr lang="en-US" smtClean="0"/>
               <a:pPr/>
-              <a:t>30/10/2015</a:t>
+              <a:t>02/11/2015</a:t>
             </a:fld>
             <a:endParaRPr lang="en-US"/>
           </a:p>
@@ -793,6 +794,542 @@
           <a:bodyPr/>
           <a:lstStyle/>
           <a:p>
+            <a:pPr marL="0" marR="0" indent="0" algn="l" defTabSz="914400" rtl="0" eaLnBrk="1" fontAlgn="auto" latinLnBrk="0" hangingPunct="1">
+              <a:lnSpc>
+                <a:spcPct val="100000"/>
+              </a:lnSpc>
+              <a:spcBef>
+                <a:spcPts val="0"/>
+              </a:spcBef>
+              <a:spcAft>
+                <a:spcPts val="0"/>
+              </a:spcAft>
+              <a:buClrTx/>
+              <a:buSzTx/>
+              <a:buFontTx/>
+              <a:buNone/>
+              <a:tabLst/>
+              <a:defRPr/>
+            </a:pPr>
+            <a:r>
+              <a:rPr lang="vi-VN" sz="1200" b="0" i="0" kern="1200" dirty="0" smtClean="0">
+                <a:solidFill>
+                  <a:schemeClr val="tx1"/>
+                </a:solidFill>
+                <a:effectLst/>
+                <a:latin typeface="+mn-lt"/>
+                <a:ea typeface="+mn-ea"/>
+                <a:cs typeface="+mn-cs"/>
+              </a:rPr>
+              <a:t>hệ (thống) quản lý cơ sở dữ liệu quan hệ</a:t>
+            </a:r>
+            <a:endParaRPr lang="en-US" sz="1200" b="0" i="0" kern="1200" dirty="0" smtClean="0">
+              <a:solidFill>
+                <a:schemeClr val="tx1"/>
+              </a:solidFill>
+              <a:effectLst/>
+              <a:latin typeface="+mn-lt"/>
+              <a:ea typeface="+mn-ea"/>
+              <a:cs typeface="+mn-cs"/>
+            </a:endParaRPr>
+          </a:p>
+          <a:p>
+            <a:pPr marL="0" marR="0" indent="0" algn="l" defTabSz="914400" rtl="0" eaLnBrk="1" fontAlgn="auto" latinLnBrk="0" hangingPunct="1">
+              <a:lnSpc>
+                <a:spcPct val="100000"/>
+              </a:lnSpc>
+              <a:spcBef>
+                <a:spcPts val="0"/>
+              </a:spcBef>
+              <a:spcAft>
+                <a:spcPts val="0"/>
+              </a:spcAft>
+              <a:buClrTx/>
+              <a:buSzTx/>
+              <a:buFontTx/>
+              <a:buNone/>
+              <a:tabLst/>
+              <a:defRPr/>
+            </a:pPr>
+            <a:endParaRPr lang="en-US" sz="1200" b="0" i="0" kern="1200" dirty="0" smtClean="0">
+              <a:solidFill>
+                <a:schemeClr val="tx1"/>
+              </a:solidFill>
+              <a:effectLst/>
+              <a:latin typeface="+mn-lt"/>
+              <a:ea typeface="+mn-ea"/>
+              <a:cs typeface="+mn-cs"/>
+            </a:endParaRPr>
+          </a:p>
+          <a:p>
+            <a:pPr marL="0" marR="0" indent="0" algn="l" defTabSz="914400" rtl="0" eaLnBrk="1" fontAlgn="auto" latinLnBrk="0" hangingPunct="1">
+              <a:lnSpc>
+                <a:spcPct val="100000"/>
+              </a:lnSpc>
+              <a:spcBef>
+                <a:spcPts val="0"/>
+              </a:spcBef>
+              <a:spcAft>
+                <a:spcPts val="0"/>
+              </a:spcAft>
+              <a:buClrTx/>
+              <a:buSzTx/>
+              <a:buFontTx/>
+              <a:buNone/>
+              <a:tabLst/>
+              <a:defRPr/>
+            </a:pPr>
+            <a:r>
+              <a:rPr lang="en-US" sz="1200" b="0" i="0" kern="1200" dirty="0" smtClean="0">
+                <a:solidFill>
+                  <a:schemeClr val="tx1"/>
+                </a:solidFill>
+                <a:effectLst/>
+                <a:latin typeface="+mn-lt"/>
+                <a:ea typeface="+mn-ea"/>
+                <a:cs typeface="+mn-cs"/>
+              </a:rPr>
+              <a:t>SQL was initially developed at </a:t>
+            </a:r>
+            <a:r>
+              <a:rPr lang="en-US" sz="1200" b="0" i="0" u="none" strike="noStrike" kern="1200" dirty="0" smtClean="0">
+                <a:solidFill>
+                  <a:schemeClr val="tx1"/>
+                </a:solidFill>
+                <a:effectLst/>
+                <a:latin typeface="+mn-lt"/>
+                <a:ea typeface="+mn-ea"/>
+                <a:cs typeface="+mn-cs"/>
+                <a:hlinkClick r:id="rId3" tooltip="IBM"/>
+              </a:rPr>
+              <a:t>IBM</a:t>
+            </a:r>
+            <a:r>
+              <a:rPr lang="en-US" sz="1200" b="0" i="0" kern="1200" dirty="0" smtClean="0">
+                <a:solidFill>
+                  <a:schemeClr val="tx1"/>
+                </a:solidFill>
+                <a:effectLst/>
+                <a:latin typeface="+mn-lt"/>
+                <a:ea typeface="+mn-ea"/>
+                <a:cs typeface="+mn-cs"/>
+              </a:rPr>
+              <a:t> by </a:t>
+            </a:r>
+            <a:r>
+              <a:rPr lang="en-US" sz="1200" b="0" i="0" u="none" strike="noStrike" kern="1200" dirty="0" smtClean="0">
+                <a:solidFill>
+                  <a:schemeClr val="tx1"/>
+                </a:solidFill>
+                <a:effectLst/>
+                <a:latin typeface="+mn-lt"/>
+                <a:ea typeface="+mn-ea"/>
+                <a:cs typeface="+mn-cs"/>
+                <a:hlinkClick r:id="rId4" tooltip="Donald D. Chamberlin"/>
+              </a:rPr>
+              <a:t>Donald D. Chamberlin</a:t>
+            </a:r>
+            <a:r>
+              <a:rPr lang="en-US" sz="1200" b="0" i="0" kern="1200" dirty="0" smtClean="0">
+                <a:solidFill>
+                  <a:schemeClr val="tx1"/>
+                </a:solidFill>
+                <a:effectLst/>
+                <a:latin typeface="+mn-lt"/>
+                <a:ea typeface="+mn-ea"/>
+                <a:cs typeface="+mn-cs"/>
+              </a:rPr>
+              <a:t> and </a:t>
+            </a:r>
+            <a:r>
+              <a:rPr lang="en-US" sz="1200" b="0" i="0" u="none" strike="noStrike" kern="1200" dirty="0" smtClean="0">
+                <a:solidFill>
+                  <a:schemeClr val="tx1"/>
+                </a:solidFill>
+                <a:effectLst/>
+                <a:latin typeface="+mn-lt"/>
+                <a:ea typeface="+mn-ea"/>
+                <a:cs typeface="+mn-cs"/>
+                <a:hlinkClick r:id="rId5" tooltip="Raymond F. Boyce"/>
+              </a:rPr>
+              <a:t>Raymond F. Boyce</a:t>
+            </a:r>
+            <a:r>
+              <a:rPr lang="en-US" sz="1200" b="0" i="0" kern="1200" dirty="0" smtClean="0">
+                <a:solidFill>
+                  <a:schemeClr val="tx1"/>
+                </a:solidFill>
+                <a:effectLst/>
+                <a:latin typeface="+mn-lt"/>
+                <a:ea typeface="+mn-ea"/>
+                <a:cs typeface="+mn-cs"/>
+              </a:rPr>
+              <a:t> in the early 1970s</a:t>
+            </a:r>
+            <a:endParaRPr lang="vi-VN" sz="1200" b="0" i="0" kern="1200" dirty="0" smtClean="0">
+              <a:solidFill>
+                <a:schemeClr val="tx1"/>
+              </a:solidFill>
+              <a:effectLst/>
+              <a:latin typeface="+mn-lt"/>
+              <a:ea typeface="+mn-ea"/>
+              <a:cs typeface="+mn-cs"/>
+            </a:endParaRPr>
+          </a:p>
+          <a:p>
+            <a:endParaRPr lang="en-US" dirty="0"/>
+          </a:p>
+        </p:txBody>
+      </p:sp>
+      <p:sp>
+        <p:nvSpPr>
+          <p:cNvPr id="4" name="Slide Number Placeholder 3"/>
+          <p:cNvSpPr>
+            <a:spLocks noGrp="1"/>
+          </p:cNvSpPr>
+          <p:nvPr>
+            <p:ph type="sldNum" sz="quarter" idx="10"/>
+          </p:nvPr>
+        </p:nvSpPr>
+        <p:spPr/>
+        <p:txBody>
+          <a:bodyPr/>
+          <a:lstStyle/>
+          <a:p>
+            <a:fld id="{35845946-0CF3-4C0F-AF5C-F563F65A0652}" type="slidenum">
+              <a:rPr lang="en-US" smtClean="0"/>
+              <a:pPr/>
+              <a:t>2</a:t>
+            </a:fld>
+            <a:endParaRPr lang="en-US"/>
+          </a:p>
+        </p:txBody>
+      </p:sp>
+    </p:spTree>
+    <p:extLst>
+      <p:ext uri="{BB962C8B-B14F-4D97-AF65-F5344CB8AC3E}">
+        <p14:creationId xmlns:p14="http://schemas.microsoft.com/office/powerpoint/2010/main" val="3097372011"/>
+      </p:ext>
+    </p:extLst>
+  </p:cSld>
+  <p:clrMapOvr>
+    <a:masterClrMapping/>
+  </p:clrMapOvr>
+</p:notes>
+</file>
+
+<file path=ppt/notesSlides/notesSlide3.xml><?xml version="1.0" encoding="utf-8"?>
+<p:notes xmlns:a="http://schemas.openxmlformats.org/drawingml/2006/main" xmlns:r="http://schemas.openxmlformats.org/officeDocument/2006/relationships" xmlns:p="http://schemas.openxmlformats.org/presentationml/2006/main">
+  <p:cSld>
+    <p:spTree>
+      <p:nvGrpSpPr>
+        <p:cNvPr id="1" name=""/>
+        <p:cNvGrpSpPr/>
+        <p:nvPr/>
+      </p:nvGrpSpPr>
+      <p:grpSpPr>
+        <a:xfrm>
+          <a:off x="0" y="0"/>
+          <a:ext cx="0" cy="0"/>
+          <a:chOff x="0" y="0"/>
+          <a:chExt cx="0" cy="0"/>
+        </a:xfrm>
+      </p:grpSpPr>
+      <p:sp>
+        <p:nvSpPr>
+          <p:cNvPr id="2" name="Slide Image Placeholder 1"/>
+          <p:cNvSpPr>
+            <a:spLocks noGrp="1" noRot="1" noChangeAspect="1"/>
+          </p:cNvSpPr>
+          <p:nvPr>
+            <p:ph type="sldImg"/>
+          </p:nvPr>
+        </p:nvSpPr>
+        <p:spPr/>
+      </p:sp>
+      <p:sp>
+        <p:nvSpPr>
+          <p:cNvPr id="3" name="Notes Placeholder 2"/>
+          <p:cNvSpPr>
+            <a:spLocks noGrp="1"/>
+          </p:cNvSpPr>
+          <p:nvPr>
+            <p:ph type="body" idx="1"/>
+          </p:nvPr>
+        </p:nvSpPr>
+        <p:spPr/>
+        <p:txBody>
+          <a:bodyPr/>
+          <a:lstStyle/>
+          <a:p>
+            <a:pPr marL="0" marR="0" indent="0" algn="l" defTabSz="914400" rtl="0" eaLnBrk="1" fontAlgn="auto" latinLnBrk="0" hangingPunct="1">
+              <a:lnSpc>
+                <a:spcPct val="100000"/>
+              </a:lnSpc>
+              <a:spcBef>
+                <a:spcPts val="0"/>
+              </a:spcBef>
+              <a:spcAft>
+                <a:spcPts val="0"/>
+              </a:spcAft>
+              <a:buClrTx/>
+              <a:buSzTx/>
+              <a:buFontTx/>
+              <a:buNone/>
+              <a:tabLst/>
+              <a:defRPr/>
+            </a:pPr>
+            <a:r>
+              <a:rPr lang="vi-VN" sz="1200" b="0" i="0" kern="1200" dirty="0" smtClean="0">
+                <a:solidFill>
+                  <a:schemeClr val="tx1"/>
+                </a:solidFill>
+                <a:effectLst/>
+                <a:latin typeface="+mn-lt"/>
+                <a:ea typeface="+mn-ea"/>
+                <a:cs typeface="+mn-cs"/>
+              </a:rPr>
+              <a:t>hệ (thống) quản lý cơ sở dữ liệu quan hệ</a:t>
+            </a:r>
+            <a:endParaRPr lang="en-US" sz="1200" b="0" i="0" kern="1200" dirty="0" smtClean="0">
+              <a:solidFill>
+                <a:schemeClr val="tx1"/>
+              </a:solidFill>
+              <a:effectLst/>
+              <a:latin typeface="+mn-lt"/>
+              <a:ea typeface="+mn-ea"/>
+              <a:cs typeface="+mn-cs"/>
+            </a:endParaRPr>
+          </a:p>
+          <a:p>
+            <a:pPr marL="0" marR="0" indent="0" algn="l" defTabSz="914400" rtl="0" eaLnBrk="1" fontAlgn="auto" latinLnBrk="0" hangingPunct="1">
+              <a:lnSpc>
+                <a:spcPct val="100000"/>
+              </a:lnSpc>
+              <a:spcBef>
+                <a:spcPts val="0"/>
+              </a:spcBef>
+              <a:spcAft>
+                <a:spcPts val="0"/>
+              </a:spcAft>
+              <a:buClrTx/>
+              <a:buSzTx/>
+              <a:buFontTx/>
+              <a:buNone/>
+              <a:tabLst/>
+              <a:defRPr/>
+            </a:pPr>
+            <a:endParaRPr lang="en-US" sz="1200" b="0" i="0" kern="1200" dirty="0" smtClean="0">
+              <a:solidFill>
+                <a:schemeClr val="tx1"/>
+              </a:solidFill>
+              <a:effectLst/>
+              <a:latin typeface="+mn-lt"/>
+              <a:ea typeface="+mn-ea"/>
+              <a:cs typeface="+mn-cs"/>
+            </a:endParaRPr>
+          </a:p>
+          <a:p>
+            <a:pPr marL="0" marR="0" indent="0" algn="l" defTabSz="914400" rtl="0" eaLnBrk="1" fontAlgn="auto" latinLnBrk="0" hangingPunct="1">
+              <a:lnSpc>
+                <a:spcPct val="100000"/>
+              </a:lnSpc>
+              <a:spcBef>
+                <a:spcPts val="0"/>
+              </a:spcBef>
+              <a:spcAft>
+                <a:spcPts val="0"/>
+              </a:spcAft>
+              <a:buClrTx/>
+              <a:buSzTx/>
+              <a:buFontTx/>
+              <a:buNone/>
+              <a:tabLst/>
+              <a:defRPr/>
+            </a:pPr>
+            <a:r>
+              <a:rPr lang="en-US" sz="1200" b="0" i="0" kern="1200" dirty="0" smtClean="0">
+                <a:solidFill>
+                  <a:schemeClr val="tx1"/>
+                </a:solidFill>
+                <a:effectLst/>
+                <a:latin typeface="+mn-lt"/>
+                <a:ea typeface="+mn-ea"/>
+                <a:cs typeface="+mn-cs"/>
+              </a:rPr>
+              <a:t>SQL was initially developed at </a:t>
+            </a:r>
+            <a:r>
+              <a:rPr lang="en-US" sz="1200" b="0" i="0" u="none" strike="noStrike" kern="1200" dirty="0" smtClean="0">
+                <a:solidFill>
+                  <a:schemeClr val="tx1"/>
+                </a:solidFill>
+                <a:effectLst/>
+                <a:latin typeface="+mn-lt"/>
+                <a:ea typeface="+mn-ea"/>
+                <a:cs typeface="+mn-cs"/>
+                <a:hlinkClick r:id="rId3" tooltip="IBM"/>
+              </a:rPr>
+              <a:t>IBM</a:t>
+            </a:r>
+            <a:r>
+              <a:rPr lang="en-US" sz="1200" b="0" i="0" kern="1200" dirty="0" smtClean="0">
+                <a:solidFill>
+                  <a:schemeClr val="tx1"/>
+                </a:solidFill>
+                <a:effectLst/>
+                <a:latin typeface="+mn-lt"/>
+                <a:ea typeface="+mn-ea"/>
+                <a:cs typeface="+mn-cs"/>
+              </a:rPr>
+              <a:t> by </a:t>
+            </a:r>
+            <a:r>
+              <a:rPr lang="en-US" sz="1200" b="0" i="0" u="none" strike="noStrike" kern="1200" dirty="0" smtClean="0">
+                <a:solidFill>
+                  <a:schemeClr val="tx1"/>
+                </a:solidFill>
+                <a:effectLst/>
+                <a:latin typeface="+mn-lt"/>
+                <a:ea typeface="+mn-ea"/>
+                <a:cs typeface="+mn-cs"/>
+                <a:hlinkClick r:id="rId4" tooltip="Donald D. Chamberlin"/>
+              </a:rPr>
+              <a:t>Donald D. Chamberlin</a:t>
+            </a:r>
+            <a:r>
+              <a:rPr lang="en-US" sz="1200" b="0" i="0" kern="1200" dirty="0" smtClean="0">
+                <a:solidFill>
+                  <a:schemeClr val="tx1"/>
+                </a:solidFill>
+                <a:effectLst/>
+                <a:latin typeface="+mn-lt"/>
+                <a:ea typeface="+mn-ea"/>
+                <a:cs typeface="+mn-cs"/>
+              </a:rPr>
+              <a:t> and </a:t>
+            </a:r>
+            <a:r>
+              <a:rPr lang="en-US" sz="1200" b="0" i="0" u="none" strike="noStrike" kern="1200" dirty="0" smtClean="0">
+                <a:solidFill>
+                  <a:schemeClr val="tx1"/>
+                </a:solidFill>
+                <a:effectLst/>
+                <a:latin typeface="+mn-lt"/>
+                <a:ea typeface="+mn-ea"/>
+                <a:cs typeface="+mn-cs"/>
+                <a:hlinkClick r:id="rId5" tooltip="Raymond F. Boyce"/>
+              </a:rPr>
+              <a:t>Raymond F. Boyce</a:t>
+            </a:r>
+            <a:r>
+              <a:rPr lang="en-US" sz="1200" b="0" i="0" kern="1200" dirty="0" smtClean="0">
+                <a:solidFill>
+                  <a:schemeClr val="tx1"/>
+                </a:solidFill>
+                <a:effectLst/>
+                <a:latin typeface="+mn-lt"/>
+                <a:ea typeface="+mn-ea"/>
+                <a:cs typeface="+mn-cs"/>
+              </a:rPr>
+              <a:t> in the early 1970s</a:t>
+            </a:r>
+            <a:endParaRPr lang="vi-VN" sz="1200" b="0" i="0" kern="1200" dirty="0" smtClean="0">
+              <a:solidFill>
+                <a:schemeClr val="tx1"/>
+              </a:solidFill>
+              <a:effectLst/>
+              <a:latin typeface="+mn-lt"/>
+              <a:ea typeface="+mn-ea"/>
+              <a:cs typeface="+mn-cs"/>
+            </a:endParaRPr>
+          </a:p>
+          <a:p>
+            <a:endParaRPr lang="en-US" dirty="0"/>
+          </a:p>
+        </p:txBody>
+      </p:sp>
+      <p:sp>
+        <p:nvSpPr>
+          <p:cNvPr id="4" name="Slide Number Placeholder 3"/>
+          <p:cNvSpPr>
+            <a:spLocks noGrp="1"/>
+          </p:cNvSpPr>
+          <p:nvPr>
+            <p:ph type="sldNum" sz="quarter" idx="10"/>
+          </p:nvPr>
+        </p:nvSpPr>
+        <p:spPr/>
+        <p:txBody>
+          <a:bodyPr/>
+          <a:lstStyle/>
+          <a:p>
+            <a:fld id="{35845946-0CF3-4C0F-AF5C-F563F65A0652}" type="slidenum">
+              <a:rPr lang="en-US" smtClean="0"/>
+              <a:pPr/>
+              <a:t>3</a:t>
+            </a:fld>
+            <a:endParaRPr lang="en-US"/>
+          </a:p>
+        </p:txBody>
+      </p:sp>
+    </p:spTree>
+    <p:extLst>
+      <p:ext uri="{BB962C8B-B14F-4D97-AF65-F5344CB8AC3E}">
+        <p14:creationId xmlns:p14="http://schemas.microsoft.com/office/powerpoint/2010/main" val="225062546"/>
+      </p:ext>
+    </p:extLst>
+  </p:cSld>
+  <p:clrMapOvr>
+    <a:masterClrMapping/>
+  </p:clrMapOvr>
+</p:notes>
+</file>
+
+<file path=ppt/notesSlides/notesSlide4.xml><?xml version="1.0" encoding="utf-8"?>
+<p:notes xmlns:a="http://schemas.openxmlformats.org/drawingml/2006/main" xmlns:r="http://schemas.openxmlformats.org/officeDocument/2006/relationships" xmlns:p="http://schemas.openxmlformats.org/presentationml/2006/main">
+  <p:cSld>
+    <p:spTree>
+      <p:nvGrpSpPr>
+        <p:cNvPr id="1" name=""/>
+        <p:cNvGrpSpPr/>
+        <p:nvPr/>
+      </p:nvGrpSpPr>
+      <p:grpSpPr>
+        <a:xfrm>
+          <a:off x="0" y="0"/>
+          <a:ext cx="0" cy="0"/>
+          <a:chOff x="0" y="0"/>
+          <a:chExt cx="0" cy="0"/>
+        </a:xfrm>
+      </p:grpSpPr>
+      <p:sp>
+        <p:nvSpPr>
+          <p:cNvPr id="2" name="Slide Image Placeholder 1"/>
+          <p:cNvSpPr>
+            <a:spLocks noGrp="1" noRot="1" noChangeAspect="1"/>
+          </p:cNvSpPr>
+          <p:nvPr>
+            <p:ph type="sldImg"/>
+          </p:nvPr>
+        </p:nvSpPr>
+        <p:spPr/>
+      </p:sp>
+      <p:sp>
+        <p:nvSpPr>
+          <p:cNvPr id="3" name="Notes Placeholder 2"/>
+          <p:cNvSpPr>
+            <a:spLocks noGrp="1"/>
+          </p:cNvSpPr>
+          <p:nvPr>
+            <p:ph type="body" idx="1"/>
+          </p:nvPr>
+        </p:nvSpPr>
+        <p:spPr/>
+        <p:txBody>
+          <a:bodyPr/>
+          <a:lstStyle/>
+          <a:p>
             <a:r>
               <a:rPr lang="en-US" sz="1200" b="1" i="0" kern="1200" dirty="0" smtClean="0">
                 <a:solidFill>
@@ -929,7 +1466,7 @@
             <a:fld id="{35845946-0CF3-4C0F-AF5C-F563F65A0652}" type="slidenum">
               <a:rPr lang="en-US" smtClean="0"/>
               <a:pPr/>
-              <a:t>4</a:t>
+              <a:t>5</a:t>
             </a:fld>
             <a:endParaRPr lang="en-US"/>
           </a:p>
@@ -1134,7 +1671,7 @@
             <a:fld id="{8695E4D3-92F1-F74E-BDA8-3EA24612ADAC}" type="datetime2">
               <a:rPr lang="en-US" smtClean="0"/>
               <a:pPr/>
-              <a:t>Friday, October 30, 2015</a:t>
+              <a:t>Monday, November 02, 2015</a:t>
             </a:fld>
             <a:endParaRPr lang="en-US"/>
           </a:p>
@@ -1329,7 +1866,7 @@
             <a:fld id="{9358C7B7-FC72-9D41-BEE1-BB86D4F232B4}" type="datetime2">
               <a:rPr lang="en-US" smtClean="0"/>
               <a:pPr/>
-              <a:t>Friday, October 30, 2015</a:t>
+              <a:t>Monday, November 02, 2015</a:t>
             </a:fld>
             <a:endParaRPr lang="en-US"/>
           </a:p>
@@ -1534,7 +2071,7 @@
             <a:fld id="{556E821B-96E8-764D-BF74-9827494534E4}" type="datetime2">
               <a:rPr lang="en-US" smtClean="0"/>
               <a:pPr/>
-              <a:t>Friday, October 30, 2015</a:t>
+              <a:t>Monday, November 02, 2015</a:t>
             </a:fld>
             <a:endParaRPr lang="en-US"/>
           </a:p>
@@ -1739,7 +2276,7 @@
             <a:fld id="{D8D89BD2-8F64-7D49-B0EC-A10964D418B9}" type="datetime2">
               <a:rPr lang="en-US" smtClean="0"/>
               <a:pPr/>
-              <a:t>Friday, October 30, 2015</a:t>
+              <a:t>Monday, November 02, 2015</a:t>
             </a:fld>
             <a:endParaRPr lang="en-US"/>
           </a:p>
@@ -2010,7 +2547,7 @@
             <a:fld id="{5166F277-A6C8-D74E-AD9A-DEDC5E2BD837}" type="datetime2">
               <a:rPr lang="en-US" smtClean="0"/>
               <a:pPr/>
-              <a:t>Friday, October 30, 2015</a:t>
+              <a:t>Monday, November 02, 2015</a:t>
             </a:fld>
             <a:endParaRPr lang="en-US"/>
           </a:p>
@@ -2328,7 +2865,7 @@
             <a:fld id="{68B6B04E-5C92-7445-BA45-A4E3769C0C5A}" type="datetime2">
               <a:rPr lang="en-US" smtClean="0"/>
               <a:pPr/>
-              <a:t>Friday, October 30, 2015</a:t>
+              <a:t>Monday, November 02, 2015</a:t>
             </a:fld>
             <a:endParaRPr lang="en-US"/>
           </a:p>
@@ -2780,7 +3317,7 @@
             <a:fld id="{A48670BD-E6C9-264B-B690-760DD144ACC6}" type="datetime2">
               <a:rPr lang="en-US" smtClean="0"/>
               <a:pPr/>
-              <a:t>Friday, October 30, 2015</a:t>
+              <a:t>Monday, November 02, 2015</a:t>
             </a:fld>
             <a:endParaRPr lang="en-US"/>
           </a:p>
@@ -2928,7 +3465,7 @@
             <a:fld id="{30675A36-41C1-3640-8C6B-1BC6AFC60484}" type="datetime2">
               <a:rPr lang="en-US" smtClean="0"/>
               <a:pPr/>
-              <a:t>Friday, October 30, 2015</a:t>
+              <a:t>Monday, November 02, 2015</a:t>
             </a:fld>
             <a:endParaRPr lang="en-US"/>
           </a:p>
@@ -3048,7 +3585,7 @@
             <a:fld id="{937F365B-D897-1947-952A-6C45D93ACDC1}" type="datetime2">
               <a:rPr lang="en-US" smtClean="0"/>
               <a:pPr/>
-              <a:t>Friday, October 30, 2015</a:t>
+              <a:t>Monday, November 02, 2015</a:t>
             </a:fld>
             <a:endParaRPr lang="en-US"/>
           </a:p>
@@ -3350,7 +3887,7 @@
             <a:fld id="{2BEF7792-C4C4-FC44-A7F5-725EC2CD30B1}" type="datetime2">
               <a:rPr lang="en-US" smtClean="0"/>
               <a:pPr/>
-              <a:t>Friday, October 30, 2015</a:t>
+              <a:t>Monday, November 02, 2015</a:t>
             </a:fld>
             <a:endParaRPr lang="en-US"/>
           </a:p>
@@ -3635,7 +4172,7 @@
             <a:fld id="{EC13829E-7EE3-3944-BE84-808F00A9FAF3}" type="datetime2">
               <a:rPr lang="en-US" smtClean="0"/>
               <a:pPr/>
-              <a:t>Friday, October 30, 2015</a:t>
+              <a:t>Monday, November 02, 2015</a:t>
             </a:fld>
             <a:endParaRPr lang="en-US"/>
           </a:p>
@@ -3901,7 +4438,7 @@
             <a:fld id="{92714F1E-B45D-F141-BCEC-0A4A490D9DB7}" type="datetime2">
               <a:rPr lang="en-US" smtClean="0"/>
               <a:pPr/>
-              <a:t>Friday, October 30, 2015</a:t>
+              <a:t>Monday, November 02, 2015</a:t>
             </a:fld>
             <a:endParaRPr lang="en-US" dirty="0"/>
           </a:p>
@@ -4471,18 +5008,7 @@
                 </a:solidFill>
                 <a:latin typeface="Constantia" pitchFamily="18" charset="0"/>
               </a:rPr>
-              <a:t>SQL </a:t>
-            </a:r>
-            <a:r>
-              <a:rPr lang="en-US" sz="5400" b="1" dirty="0" smtClean="0">
-                <a:solidFill>
-                  <a:schemeClr val="accent6">
-                    <a:lumMod val="75000"/>
-                  </a:schemeClr>
-                </a:solidFill>
-                <a:latin typeface="Constantia" pitchFamily="18" charset="0"/>
-              </a:rPr>
-              <a:t>Overview</a:t>
+              <a:t>SQL Overview</a:t>
             </a:r>
             <a:endParaRPr lang="en-US" sz="5400" b="1" dirty="0">
               <a:solidFill>
@@ -4601,27 +5127,7 @@
                   </a:schemeClr>
                 </a:solidFill>
               </a:rPr>
-              <a:t>HANOI – </a:t>
-            </a:r>
-            <a:r>
-              <a:rPr lang="en-US" sz="2000" b="1" dirty="0" smtClean="0">
-                <a:solidFill>
-                  <a:schemeClr val="bg1">
-                    <a:lumMod val="65000"/>
-                  </a:schemeClr>
-                </a:solidFill>
-              </a:rPr>
-              <a:t>NOV, </a:t>
-            </a:r>
-            <a:r>
-              <a:rPr lang="en-US" sz="2000" b="1" dirty="0" smtClean="0">
-                <a:solidFill>
-                  <a:schemeClr val="bg1">
-                    <a:lumMod val="65000"/>
-                  </a:schemeClr>
-                </a:solidFill>
-              </a:rPr>
-              <a:t>2015 </a:t>
+              <a:t>HANOI – NOV, 2015 </a:t>
             </a:r>
             <a:endParaRPr lang="en-US" sz="2000" b="1" dirty="0">
               <a:solidFill>
@@ -4908,7 +5414,7 @@
               <a:rPr lang="en-US" dirty="0" smtClean="0">
                 <a:latin typeface="Avenir Medium"/>
               </a:rPr>
-              <a:t>V. MySQL Database</a:t>
+              <a:t>IV. SQL Extra</a:t>
             </a:r>
             <a:endParaRPr lang="en-US" dirty="0">
               <a:latin typeface="Avenir Medium"/>
@@ -4965,76 +5471,70 @@
               </a:rPr>
               <a:t>Join</a:t>
             </a:r>
+          </a:p>
+          <a:p>
+            <a:r>
+              <a:rPr lang="en-US" sz="3000" dirty="0">
+                <a:latin typeface="Avenir Medium"/>
+              </a:rPr>
+              <a:t>SQL </a:t>
+            </a:r>
+            <a:r>
+              <a:rPr lang="en-US" sz="3000" dirty="0" smtClean="0">
+                <a:latin typeface="Avenir Medium"/>
+              </a:rPr>
+              <a:t>Union</a:t>
+            </a:r>
+          </a:p>
+          <a:p>
+            <a:r>
+              <a:rPr lang="en-US" sz="3000" dirty="0">
+                <a:latin typeface="Avenir Medium"/>
+              </a:rPr>
+              <a:t>SQL </a:t>
+            </a:r>
+            <a:r>
+              <a:rPr lang="en-US" sz="3000" dirty="0" smtClean="0">
+                <a:latin typeface="Avenir Medium"/>
+              </a:rPr>
+              <a:t>Procedures</a:t>
+            </a:r>
+          </a:p>
+          <a:p>
+            <a:r>
+              <a:rPr lang="en-US" sz="3000" dirty="0">
+                <a:latin typeface="Avenir Medium"/>
+              </a:rPr>
+              <a:t>SQL </a:t>
+            </a:r>
+            <a:r>
+              <a:rPr lang="en-US" sz="3000" dirty="0" smtClean="0">
+                <a:latin typeface="Avenir Medium"/>
+              </a:rPr>
+              <a:t>View</a:t>
+            </a:r>
+          </a:p>
+          <a:p>
+            <a:r>
+              <a:rPr lang="en-US" sz="3000" dirty="0" smtClean="0">
+                <a:latin typeface="Avenir Medium"/>
+              </a:rPr>
+              <a:t>SQL Transactions</a:t>
+            </a:r>
+            <a:endParaRPr lang="en-US" sz="3000" dirty="0">
+              <a:latin typeface="Avenir Medium"/>
+            </a:endParaRPr>
+          </a:p>
+          <a:p>
             <a:endParaRPr lang="en-US" sz="3000" dirty="0" smtClean="0">
               <a:latin typeface="Avenir Medium"/>
             </a:endParaRPr>
           </a:p>
-          <a:p>
-            <a:r>
-              <a:rPr lang="en-US" sz="3000" dirty="0">
-                <a:latin typeface="Avenir Medium"/>
-              </a:rPr>
-              <a:t>SQL </a:t>
-            </a:r>
-            <a:r>
-              <a:rPr lang="en-US" sz="3000" dirty="0" smtClean="0">
-                <a:latin typeface="Avenir Medium"/>
-              </a:rPr>
-              <a:t>Union</a:t>
-            </a:r>
-            <a:endParaRPr lang="en-US" sz="3000" dirty="0" smtClean="0">
-              <a:latin typeface="Avenir Medium"/>
-            </a:endParaRPr>
-          </a:p>
-          <a:p>
-            <a:r>
-              <a:rPr lang="en-US" sz="3000" dirty="0">
-                <a:latin typeface="Avenir Medium"/>
-              </a:rPr>
-              <a:t>SQL </a:t>
-            </a:r>
-            <a:r>
-              <a:rPr lang="en-US" sz="3000" dirty="0" smtClean="0">
-                <a:latin typeface="Avenir Medium"/>
-              </a:rPr>
-              <a:t>Procedures</a:t>
-            </a:r>
-          </a:p>
-          <a:p>
-            <a:r>
-              <a:rPr lang="en-US" sz="3000" dirty="0">
-                <a:latin typeface="Avenir Medium"/>
-              </a:rPr>
-              <a:t>SQL </a:t>
-            </a:r>
-            <a:r>
-              <a:rPr lang="en-US" sz="3000" dirty="0" smtClean="0">
-                <a:latin typeface="Avenir Medium"/>
-              </a:rPr>
-              <a:t>View</a:t>
-            </a:r>
-          </a:p>
-          <a:p>
-            <a:r>
-              <a:rPr lang="en-US" sz="3000" dirty="0" smtClean="0">
-                <a:latin typeface="Avenir Medium"/>
-              </a:rPr>
-              <a:t>SQL Transactions</a:t>
-            </a:r>
-            <a:endParaRPr lang="en-US" sz="3000" dirty="0">
-              <a:latin typeface="Avenir Medium"/>
-            </a:endParaRPr>
-          </a:p>
-          <a:p>
-            <a:endParaRPr lang="en-US" sz="3000" dirty="0" smtClean="0">
-              <a:latin typeface="Avenir Medium"/>
-            </a:endParaRPr>
-          </a:p>
         </p:txBody>
       </p:sp>
       <p:pic>
         <p:nvPicPr>
-          <p:cNvPr id="5" name="Picture 52" descr="E:\PFiles\MSOffice\Clipart\standard\stddir4\pe01970_.wmf"/>
+          <p:cNvPr id="5" name="Picture 14" descr="C:\Program Files\Microsoft Office\Clipart\standard\stddir3\pe01628_.wmf"/>
           <p:cNvPicPr>
             <a:picLocks noChangeAspect="1" noChangeArrowheads="1"/>
           </p:cNvPicPr>
@@ -5055,8 +5555,8 @@
         </p:blipFill>
         <p:spPr bwMode="auto">
           <a:xfrm>
-            <a:off x="6226629" y="3905006"/>
-            <a:ext cx="2634343" cy="2725834"/>
+            <a:off x="6052458" y="3923042"/>
+            <a:ext cx="2804432" cy="2514318"/>
           </a:xfrm>
           <a:prstGeom prst="rect">
             <a:avLst/>
@@ -5082,9 +5582,9 @@
           <p:nvPr/>
         </p:nvSpPr>
         <p:spPr bwMode="auto">
-          <a:xfrm rot="19430330">
-            <a:off x="6800690" y="4188599"/>
-            <a:ext cx="1506358" cy="400110"/>
+          <a:xfrm>
+            <a:off x="6425961" y="4116188"/>
+            <a:ext cx="1506358" cy="338554"/>
           </a:xfrm>
           <a:prstGeom prst="rect">
             <a:avLst/>
@@ -5137,21 +5637,18 @@
               <a:buNone/>
             </a:pPr>
             <a:r>
-              <a:rPr kumimoji="0" lang="en-US" sz="2000" b="1" dirty="0" smtClean="0">
+              <a:rPr kumimoji="0" lang="en-US" sz="1600" b="1" dirty="0">
                 <a:latin typeface="Comic Sans MS" panose="030F0702030302020204" pitchFamily="66" charset="0"/>
               </a:rPr>
-              <a:t>MySQL</a:t>
-            </a:r>
-            <a:endParaRPr kumimoji="0" lang="en-US" sz="2000" b="1" dirty="0">
-              <a:latin typeface="Comic Sans MS" panose="030F0702030302020204" pitchFamily="66" charset="0"/>
-            </a:endParaRPr>
+              <a:t>SQL</a:t>
+            </a:r>
           </a:p>
         </p:txBody>
       </p:sp>
     </p:spTree>
     <p:extLst>
       <p:ext uri="{BB962C8B-B14F-4D97-AF65-F5344CB8AC3E}">
-        <p14:creationId xmlns:p14="http://schemas.microsoft.com/office/powerpoint/2010/main" val="1016242517"/>
+        <p14:creationId xmlns:p14="http://schemas.microsoft.com/office/powerpoint/2010/main" val="3407408495"/>
       </p:ext>
     </p:extLst>
   </p:cSld>
@@ -5221,7 +5718,7 @@
               <a:rPr lang="en-US" dirty="0" smtClean="0">
                 <a:latin typeface="Avenir Medium"/>
               </a:rPr>
-              <a:t>VI. SQL Performance, Security</a:t>
+              <a:t>V. MySQL Database</a:t>
             </a:r>
             <a:endParaRPr lang="en-US" dirty="0">
               <a:latin typeface="Avenir Medium"/>
@@ -5253,7 +5750,13 @@
               <a:rPr lang="en-US" sz="3000" dirty="0" smtClean="0">
                 <a:latin typeface="Avenir Medium"/>
               </a:rPr>
-              <a:t>SQL performance tuning</a:t>
+              <a:t>SQL </a:t>
+            </a:r>
+            <a:r>
+              <a:rPr lang="en-US" sz="3000" dirty="0" err="1" smtClean="0">
+                <a:latin typeface="Avenir Medium"/>
+              </a:rPr>
+              <a:t>Subqueries</a:t>
             </a:r>
             <a:endParaRPr lang="en-US" sz="3000" dirty="0" smtClean="0">
               <a:latin typeface="Avenir Medium"/>
@@ -5270,11 +5773,306 @@
               <a:rPr lang="en-US" sz="3000" dirty="0" smtClean="0">
                 <a:latin typeface="Avenir Medium"/>
               </a:rPr>
-              <a:t>security</a:t>
-            </a:r>
+              <a:t>Join</a:t>
+            </a:r>
+          </a:p>
+          <a:p>
+            <a:r>
+              <a:rPr lang="en-US" sz="3000" dirty="0">
+                <a:latin typeface="Avenir Medium"/>
+              </a:rPr>
+              <a:t>SQL </a:t>
+            </a:r>
+            <a:r>
+              <a:rPr lang="en-US" sz="3000" dirty="0" smtClean="0">
+                <a:latin typeface="Avenir Medium"/>
+              </a:rPr>
+              <a:t>Union</a:t>
+            </a:r>
+          </a:p>
+          <a:p>
+            <a:r>
+              <a:rPr lang="en-US" sz="3000" dirty="0">
+                <a:latin typeface="Avenir Medium"/>
+              </a:rPr>
+              <a:t>SQL </a:t>
+            </a:r>
+            <a:r>
+              <a:rPr lang="en-US" sz="3000" dirty="0" smtClean="0">
+                <a:latin typeface="Avenir Medium"/>
+              </a:rPr>
+              <a:t>Procedures</a:t>
+            </a:r>
+          </a:p>
+          <a:p>
+            <a:r>
+              <a:rPr lang="en-US" sz="3000" dirty="0">
+                <a:latin typeface="Avenir Medium"/>
+              </a:rPr>
+              <a:t>SQL </a:t>
+            </a:r>
+            <a:r>
+              <a:rPr lang="en-US" sz="3000" dirty="0" smtClean="0">
+                <a:latin typeface="Avenir Medium"/>
+              </a:rPr>
+              <a:t>View</a:t>
+            </a:r>
+          </a:p>
+          <a:p>
+            <a:r>
+              <a:rPr lang="en-US" sz="3000" dirty="0" smtClean="0">
+                <a:latin typeface="Avenir Medium"/>
+              </a:rPr>
+              <a:t>SQL Transactions</a:t>
+            </a:r>
+            <a:endParaRPr lang="en-US" sz="3000" dirty="0">
+              <a:latin typeface="Avenir Medium"/>
+            </a:endParaRPr>
+          </a:p>
+          <a:p>
             <a:endParaRPr lang="en-US" sz="3000" dirty="0" smtClean="0">
               <a:latin typeface="Avenir Medium"/>
             </a:endParaRPr>
+          </a:p>
+        </p:txBody>
+      </p:sp>
+      <p:pic>
+        <p:nvPicPr>
+          <p:cNvPr id="5" name="Picture 52" descr="E:\PFiles\MSOffice\Clipart\standard\stddir4\pe01970_.wmf"/>
+          <p:cNvPicPr>
+            <a:picLocks noChangeAspect="1" noChangeArrowheads="1"/>
+          </p:cNvPicPr>
+          <p:nvPr/>
+        </p:nvPicPr>
+        <p:blipFill>
+          <a:blip r:embed="rId2" cstate="email">
+            <a:extLst>
+              <a:ext uri="{28A0092B-C50C-407E-A947-70E740481C1C}">
+                <a14:useLocalDpi xmlns:a14="http://schemas.microsoft.com/office/drawing/2010/main" val="0"/>
+              </a:ext>
+            </a:extLst>
+          </a:blip>
+          <a:srcRect/>
+          <a:stretch>
+            <a:fillRect/>
+          </a:stretch>
+        </p:blipFill>
+        <p:spPr bwMode="auto">
+          <a:xfrm>
+            <a:off x="6226629" y="3905006"/>
+            <a:ext cx="2634343" cy="2725834"/>
+          </a:xfrm>
+          <a:prstGeom prst="rect">
+            <a:avLst/>
+          </a:prstGeom>
+          <a:noFill/>
+          <a:extLst>
+            <a:ext uri="{909E8E84-426E-40DD-AFC4-6F175D3DCCD1}">
+              <a14:hiddenFill xmlns:a14="http://schemas.microsoft.com/office/drawing/2010/main">
+                <a:solidFill>
+                  <a:srgbClr val="FFFFFF"/>
+                </a:solidFill>
+              </a14:hiddenFill>
+            </a:ext>
+          </a:extLst>
+        </p:spPr>
+      </p:pic>
+      <p:sp>
+        <p:nvSpPr>
+          <p:cNvPr id="6" name="Text Box 5"/>
+          <p:cNvSpPr txBox="1">
+            <a:spLocks noChangeArrowheads="1"/>
+          </p:cNvSpPr>
+          <p:nvPr/>
+        </p:nvSpPr>
+        <p:spPr bwMode="auto">
+          <a:xfrm rot="19430330">
+            <a:off x="6800690" y="4188599"/>
+            <a:ext cx="1506358" cy="400110"/>
+          </a:xfrm>
+          <a:prstGeom prst="rect">
+            <a:avLst/>
+          </a:prstGeom>
+          <a:noFill/>
+          <a:ln>
+            <a:noFill/>
+          </a:ln>
+          <a:effectLst/>
+          <a:extLst>
+            <a:ext uri="{909E8E84-426E-40DD-AFC4-6F175D3DCCD1}">
+              <a14:hiddenFill xmlns:a14="http://schemas.microsoft.com/office/drawing/2010/main">
+                <a:solidFill>
+                  <a:schemeClr val="accent1"/>
+                </a:solidFill>
+              </a14:hiddenFill>
+            </a:ext>
+            <a:ext uri="{91240B29-F687-4F45-9708-019B960494DF}">
+              <a14:hiddenLine xmlns:a14="http://schemas.microsoft.com/office/drawing/2010/main" w="9525">
+                <a:solidFill>
+                  <a:schemeClr val="tx1"/>
+                </a:solidFill>
+                <a:miter lim="800000"/>
+                <a:headEnd/>
+                <a:tailEnd/>
+              </a14:hiddenLine>
+            </a:ext>
+            <a:ext uri="{AF507438-7753-43E0-B8FC-AC1667EBCBE1}">
+              <a14:hiddenEffects xmlns:a14="http://schemas.microsoft.com/office/drawing/2010/main">
+                <a:effectLst>
+                  <a:outerShdw dist="35921" dir="2700000" algn="ctr" rotWithShape="0">
+                    <a:srgbClr val="808080"/>
+                  </a:outerShdw>
+                </a:effectLst>
+              </a14:hiddenEffects>
+            </a:ext>
+          </a:extLst>
+        </p:spPr>
+        <p:txBody>
+          <a:bodyPr wrap="square">
+            <a:spAutoFit/>
+          </a:bodyPr>
+          <a:lstStyle/>
+          <a:p>
+            <a:pPr>
+              <a:spcBef>
+                <a:spcPct val="50000"/>
+              </a:spcBef>
+              <a:buFontTx/>
+              <a:buNone/>
+            </a:pPr>
+            <a:r>
+              <a:rPr kumimoji="0" lang="en-US" sz="2000" b="1" dirty="0" smtClean="0">
+                <a:latin typeface="Comic Sans MS" panose="030F0702030302020204" pitchFamily="66" charset="0"/>
+              </a:rPr>
+              <a:t>MySQL</a:t>
+            </a:r>
+            <a:endParaRPr kumimoji="0" lang="en-US" sz="2000" b="1" dirty="0">
+              <a:latin typeface="Comic Sans MS" panose="030F0702030302020204" pitchFamily="66" charset="0"/>
+            </a:endParaRPr>
+          </a:p>
+        </p:txBody>
+      </p:sp>
+    </p:spTree>
+    <p:extLst>
+      <p:ext uri="{BB962C8B-B14F-4D97-AF65-F5344CB8AC3E}">
+        <p14:creationId xmlns:p14="http://schemas.microsoft.com/office/powerpoint/2010/main" val="1016242517"/>
+      </p:ext>
+    </p:extLst>
+  </p:cSld>
+  <p:clrMapOvr>
+    <a:masterClrMapping/>
+  </p:clrMapOvr>
+  <mc:AlternateContent xmlns:mc="http://schemas.openxmlformats.org/markup-compatibility/2006" xmlns:p14="http://schemas.microsoft.com/office/powerpoint/2010/main">
+    <mc:Choice Requires="p14">
+      <p:transition p14:dur="100">
+        <p:cut/>
+      </p:transition>
+    </mc:Choice>
+    <mc:Fallback xmlns="">
+      <p:transition>
+        <p:cut/>
+      </p:transition>
+    </mc:Fallback>
+  </mc:AlternateContent>
+  <p:timing>
+    <p:tnLst>
+      <p:par>
+        <p:cTn id="1" dur="indefinite" restart="never" nodeType="tmRoot"/>
+      </p:par>
+    </p:tnLst>
+  </p:timing>
+</p:sld>
+</file>
+
+<file path=ppt/slides/slide12.xml><?xml version="1.0" encoding="utf-8"?>
+<p:sld xmlns:a="http://schemas.openxmlformats.org/drawingml/2006/main" xmlns:r="http://schemas.openxmlformats.org/officeDocument/2006/relationships" xmlns:p="http://schemas.openxmlformats.org/presentationml/2006/main">
+  <p:cSld>
+    <p:spTree>
+      <p:nvGrpSpPr>
+        <p:cNvPr id="1" name=""/>
+        <p:cNvGrpSpPr/>
+        <p:nvPr/>
+      </p:nvGrpSpPr>
+      <p:grpSpPr>
+        <a:xfrm>
+          <a:off x="0" y="0"/>
+          <a:ext cx="0" cy="0"/>
+          <a:chOff x="0" y="0"/>
+          <a:chExt cx="0" cy="0"/>
+        </a:xfrm>
+      </p:grpSpPr>
+      <p:sp>
+        <p:nvSpPr>
+          <p:cNvPr id="8193" name="Rectangle 2"/>
+          <p:cNvSpPr>
+            <a:spLocks noGrp="1" noChangeArrowheads="1"/>
+          </p:cNvSpPr>
+          <p:nvPr>
+            <p:ph type="title"/>
+          </p:nvPr>
+        </p:nvSpPr>
+        <p:spPr>
+          <a:xfrm>
+            <a:off x="457200" y="526822"/>
+            <a:ext cx="8229600" cy="739014"/>
+          </a:xfrm>
+        </p:spPr>
+        <p:txBody>
+          <a:bodyPr/>
+          <a:lstStyle/>
+          <a:p>
+            <a:r>
+              <a:rPr lang="en-US" dirty="0" smtClean="0">
+                <a:latin typeface="Avenir Medium"/>
+              </a:rPr>
+              <a:t>VI. SQL Performance, Security</a:t>
+            </a:r>
+            <a:endParaRPr lang="en-US" dirty="0">
+              <a:latin typeface="Avenir Medium"/>
+            </a:endParaRPr>
+          </a:p>
+        </p:txBody>
+      </p:sp>
+      <p:sp>
+        <p:nvSpPr>
+          <p:cNvPr id="4" name="Rectangle 3"/>
+          <p:cNvSpPr>
+            <a:spLocks noGrp="1" noChangeArrowheads="1"/>
+          </p:cNvSpPr>
+          <p:nvPr>
+            <p:ph idx="1"/>
+          </p:nvPr>
+        </p:nvSpPr>
+        <p:spPr>
+          <a:xfrm>
+            <a:off x="457200" y="1381465"/>
+            <a:ext cx="8229600" cy="4940266"/>
+          </a:xfrm>
+        </p:spPr>
+        <p:txBody>
+          <a:bodyPr/>
+          <a:lstStyle/>
+          <a:p>
+            <a:r>
+              <a:rPr lang="en-US" sz="3000" dirty="0" smtClean="0">
+                <a:latin typeface="Avenir Medium"/>
+              </a:rPr>
+              <a:t>SQL performance tuning</a:t>
+            </a:r>
+          </a:p>
+          <a:p>
+            <a:r>
+              <a:rPr lang="en-US" sz="3000" dirty="0">
+                <a:latin typeface="Avenir Medium"/>
+              </a:rPr>
+              <a:t>SQL </a:t>
+            </a:r>
+            <a:r>
+              <a:rPr lang="en-US" sz="3000" dirty="0" smtClean="0">
+                <a:latin typeface="Avenir Medium"/>
+              </a:rPr>
+              <a:t>security</a:t>
+            </a:r>
           </a:p>
           <a:p>
             <a:endParaRPr lang="en-US" sz="3000" dirty="0" smtClean="0">
@@ -5356,7 +6154,7 @@
 </p:sld>
 </file>
 
-<file path=ppt/slides/slide12.xml><?xml version="1.0" encoding="utf-8"?>
+<file path=ppt/slides/slide13.xml><?xml version="1.0" encoding="utf-8"?>
 <p:sld xmlns:a="http://schemas.openxmlformats.org/drawingml/2006/main" xmlns:r="http://schemas.openxmlformats.org/officeDocument/2006/relationships" xmlns:p="http://schemas.openxmlformats.org/presentationml/2006/main">
   <p:cSld>
     <p:spTree>
@@ -5429,7 +6227,7 @@
 </p:sld>
 </file>
 
-<file path=ppt/slides/slide13.xml><?xml version="1.0" encoding="utf-8"?>
+<file path=ppt/slides/slide14.xml><?xml version="1.0" encoding="utf-8"?>
 <p:sld xmlns:a="http://schemas.openxmlformats.org/drawingml/2006/main" xmlns:r="http://schemas.openxmlformats.org/officeDocument/2006/relationships" xmlns:p="http://schemas.openxmlformats.org/presentationml/2006/main">
   <p:cSld>
     <p:spTree>
@@ -5556,6 +6354,723 @@
           <a:chExt cx="0" cy="0"/>
         </a:xfrm>
       </p:grpSpPr>
+      <p:pic>
+        <p:nvPicPr>
+          <p:cNvPr id="6" name="Picture 80" descr="E:\PFiles\MSOffice\Clipart\standard\stddir3\pe01589_.wmf"/>
+          <p:cNvPicPr>
+            <a:picLocks noChangeAspect="1" noChangeArrowheads="1"/>
+          </p:cNvPicPr>
+          <p:nvPr/>
+        </p:nvPicPr>
+        <p:blipFill>
+          <a:blip r:embed="rId3" cstate="email">
+            <a:extLst>
+              <a:ext uri="{28A0092B-C50C-407E-A947-70E740481C1C}">
+                <a14:useLocalDpi xmlns:a14="http://schemas.microsoft.com/office/drawing/2010/main" val="0"/>
+              </a:ext>
+            </a:extLst>
+          </a:blip>
+          <a:srcRect/>
+          <a:stretch>
+            <a:fillRect/>
+          </a:stretch>
+        </p:blipFill>
+        <p:spPr bwMode="auto">
+          <a:xfrm>
+            <a:off x="5678206" y="367917"/>
+            <a:ext cx="3465794" cy="1807591"/>
+          </a:xfrm>
+          <a:prstGeom prst="rect">
+            <a:avLst/>
+          </a:prstGeom>
+          <a:noFill/>
+          <a:extLst>
+            <a:ext uri="{909E8E84-426E-40DD-AFC4-6F175D3DCCD1}">
+              <a14:hiddenFill xmlns:a14="http://schemas.microsoft.com/office/drawing/2010/main">
+                <a:solidFill>
+                  <a:srgbClr val="FFFFFF"/>
+                </a:solidFill>
+              </a14:hiddenFill>
+            </a:ext>
+          </a:extLst>
+        </p:spPr>
+      </p:pic>
+      <p:sp>
+        <p:nvSpPr>
+          <p:cNvPr id="8193" name="Rectangle 2"/>
+          <p:cNvSpPr>
+            <a:spLocks noGrp="1" noChangeArrowheads="1"/>
+          </p:cNvSpPr>
+          <p:nvPr>
+            <p:ph type="title"/>
+          </p:nvPr>
+        </p:nvSpPr>
+        <p:spPr>
+          <a:xfrm>
+            <a:off x="-504825" y="821368"/>
+            <a:ext cx="8229600" cy="739014"/>
+          </a:xfrm>
+        </p:spPr>
+        <p:txBody>
+          <a:bodyPr/>
+          <a:lstStyle/>
+          <a:p>
+            <a:r>
+              <a:rPr lang="en-US" b="1" i="1" dirty="0" smtClean="0">
+                <a:latin typeface="Avenir Medium"/>
+              </a:rPr>
+              <a:t>History</a:t>
+            </a:r>
+            <a:r>
+              <a:rPr lang="en-US" dirty="0" smtClean="0">
+                <a:latin typeface="Avenir Medium"/>
+              </a:rPr>
+              <a:t> of </a:t>
+            </a:r>
+            <a:r>
+              <a:rPr lang="en-US" dirty="0" smtClean="0">
+                <a:latin typeface="Avenir Medium"/>
+              </a:rPr>
+              <a:t>SQL</a:t>
+            </a:r>
+            <a:endParaRPr lang="en-US" dirty="0">
+              <a:latin typeface="Avenir Medium"/>
+            </a:endParaRPr>
+          </a:p>
+        </p:txBody>
+      </p:sp>
+      <p:sp>
+        <p:nvSpPr>
+          <p:cNvPr id="5" name="Rectangle 3"/>
+          <p:cNvSpPr>
+            <a:spLocks noGrp="1" noChangeArrowheads="1"/>
+          </p:cNvSpPr>
+          <p:nvPr>
+            <p:ph idx="1"/>
+          </p:nvPr>
+        </p:nvSpPr>
+        <p:spPr>
+          <a:xfrm>
+            <a:off x="457200" y="2332037"/>
+            <a:ext cx="8606672" cy="4525963"/>
+          </a:xfrm>
+        </p:spPr>
+        <p:txBody>
+          <a:bodyPr/>
+          <a:lstStyle/>
+          <a:p>
+            <a:pPr>
+              <a:buFont typeface="Arial" pitchFamily="34" charset="0"/>
+              <a:buChar char="•"/>
+            </a:pPr>
+            <a:r>
+              <a:rPr lang="en-US" sz="3000" dirty="0" smtClean="0">
+                <a:latin typeface="Avenir Medium"/>
+              </a:rPr>
+              <a:t>IBM </a:t>
+            </a:r>
+            <a:r>
+              <a:rPr lang="en-US" sz="3000" dirty="0">
+                <a:latin typeface="Avenir Medium"/>
+              </a:rPr>
+              <a:t>by Donald D. Chamberlin and Raymond F. Boyce </a:t>
+            </a:r>
+            <a:r>
+              <a:rPr lang="en-US" sz="3000" dirty="0" smtClean="0">
+                <a:latin typeface="Avenir Medium"/>
+              </a:rPr>
+              <a:t>early 1970s called </a:t>
+            </a:r>
+            <a:r>
+              <a:rPr lang="en-US" sz="3000" dirty="0">
+                <a:latin typeface="Avenir Medium"/>
+              </a:rPr>
+              <a:t>SEQUEL (</a:t>
+            </a:r>
+            <a:r>
+              <a:rPr lang="en-US" sz="3000" b="1" dirty="0">
+                <a:solidFill>
+                  <a:srgbClr val="FF0000"/>
+                </a:solidFill>
+                <a:latin typeface="Avenir Medium"/>
+              </a:rPr>
+              <a:t>S</a:t>
+            </a:r>
+            <a:r>
+              <a:rPr lang="en-US" sz="3000" dirty="0">
+                <a:latin typeface="Avenir Medium"/>
+              </a:rPr>
+              <a:t>tructured </a:t>
+            </a:r>
+            <a:r>
+              <a:rPr lang="en-US" sz="3000" b="1" dirty="0">
+                <a:solidFill>
+                  <a:srgbClr val="FF0000"/>
+                </a:solidFill>
+                <a:latin typeface="Avenir Medium"/>
+              </a:rPr>
+              <a:t>E</a:t>
+            </a:r>
+            <a:r>
+              <a:rPr lang="en-US" sz="3000" dirty="0">
+                <a:latin typeface="Avenir Medium"/>
+              </a:rPr>
+              <a:t>nglish </a:t>
+            </a:r>
+            <a:r>
+              <a:rPr lang="en-US" sz="3000" b="1" dirty="0" err="1" smtClean="0">
+                <a:solidFill>
+                  <a:srgbClr val="FF0000"/>
+                </a:solidFill>
+                <a:latin typeface="Avenir Medium"/>
+              </a:rPr>
+              <a:t>QUE</a:t>
+            </a:r>
+            <a:r>
+              <a:rPr lang="en-US" sz="3000" dirty="0" err="1" smtClean="0">
+                <a:latin typeface="Avenir Medium"/>
+              </a:rPr>
+              <a:t>ry</a:t>
+            </a:r>
+            <a:r>
+              <a:rPr lang="en-US" sz="3000" dirty="0" smtClean="0">
+                <a:latin typeface="Avenir Medium"/>
+              </a:rPr>
+              <a:t> </a:t>
+            </a:r>
+            <a:r>
+              <a:rPr lang="en-US" sz="3000" b="1" dirty="0">
+                <a:solidFill>
+                  <a:srgbClr val="FF0000"/>
+                </a:solidFill>
+                <a:latin typeface="Avenir Medium"/>
+              </a:rPr>
+              <a:t>L</a:t>
+            </a:r>
+            <a:r>
+              <a:rPr lang="en-US" sz="3000" dirty="0">
+                <a:latin typeface="Avenir Medium"/>
+              </a:rPr>
+              <a:t>anguage</a:t>
+            </a:r>
+            <a:r>
+              <a:rPr lang="en-US" sz="3000" dirty="0" smtClean="0">
+                <a:latin typeface="Avenir Medium"/>
+              </a:rPr>
+              <a:t>).</a:t>
+            </a:r>
+          </a:p>
+          <a:p>
+            <a:pPr>
+              <a:buFont typeface="Arial" pitchFamily="34" charset="0"/>
+              <a:buChar char="•"/>
+            </a:pPr>
+            <a:endParaRPr lang="en-US" sz="3000" dirty="0" smtClean="0">
+              <a:latin typeface="Avenir Medium"/>
+            </a:endParaRPr>
+          </a:p>
+          <a:p>
+            <a:pPr>
+              <a:buFont typeface="Arial" pitchFamily="34" charset="0"/>
+              <a:buChar char="•"/>
+            </a:pPr>
+            <a:r>
+              <a:rPr lang="en-US" sz="3000" dirty="0" smtClean="0">
+                <a:latin typeface="Avenir Medium"/>
+              </a:rPr>
+              <a:t>RDBMS</a:t>
+            </a:r>
+            <a:r>
+              <a:rPr lang="en-US" sz="3000" dirty="0">
+                <a:latin typeface="Avenir Medium"/>
+              </a:rPr>
+              <a:t>: Standard </a:t>
+            </a:r>
+            <a:r>
+              <a:rPr lang="en-US" sz="3000" dirty="0" smtClean="0">
+                <a:latin typeface="Avenir Medium"/>
+              </a:rPr>
+              <a:t>(ANSI - 1986, ISO </a:t>
+            </a:r>
+            <a:r>
+              <a:rPr lang="en-US" sz="3000" dirty="0">
+                <a:latin typeface="Avenir Medium"/>
+              </a:rPr>
+              <a:t>-</a:t>
+            </a:r>
+            <a:r>
+              <a:rPr lang="en-US" sz="3000" dirty="0" smtClean="0">
+                <a:latin typeface="Avenir Medium"/>
+              </a:rPr>
+              <a:t> 1987) </a:t>
+            </a:r>
+            <a:r>
+              <a:rPr lang="en-US" sz="3000" dirty="0">
+                <a:latin typeface="Avenir Medium"/>
+              </a:rPr>
+              <a:t>for </a:t>
+            </a:r>
+            <a:r>
+              <a:rPr lang="en-US" sz="3000" b="1" dirty="0">
+                <a:solidFill>
+                  <a:srgbClr val="FF0000"/>
+                </a:solidFill>
+                <a:latin typeface="Avenir Medium"/>
+              </a:rPr>
+              <a:t>R</a:t>
+            </a:r>
+            <a:r>
+              <a:rPr lang="en-US" sz="3000" dirty="0">
+                <a:latin typeface="Avenir Medium"/>
+              </a:rPr>
+              <a:t>elational </a:t>
+            </a:r>
+            <a:r>
+              <a:rPr lang="en-US" sz="3000" b="1" dirty="0" err="1">
+                <a:solidFill>
+                  <a:srgbClr val="FF0000"/>
+                </a:solidFill>
+                <a:latin typeface="Avenir Medium"/>
+              </a:rPr>
+              <a:t>D</a:t>
+            </a:r>
+            <a:r>
+              <a:rPr lang="en-US" sz="3000" dirty="0" err="1">
+                <a:latin typeface="Avenir Medium"/>
+              </a:rPr>
+              <a:t>ata</a:t>
+            </a:r>
+            <a:r>
+              <a:rPr lang="en-US" sz="3000" b="1" dirty="0" err="1">
+                <a:solidFill>
+                  <a:srgbClr val="FF0000"/>
+                </a:solidFill>
+                <a:latin typeface="Avenir Medium"/>
+              </a:rPr>
+              <a:t>B</a:t>
+            </a:r>
+            <a:r>
+              <a:rPr lang="en-US" sz="3000" dirty="0" err="1">
+                <a:latin typeface="Avenir Medium"/>
+              </a:rPr>
+              <a:t>ase</a:t>
+            </a:r>
+            <a:r>
+              <a:rPr lang="en-US" sz="3000" dirty="0">
+                <a:latin typeface="Avenir Medium"/>
+              </a:rPr>
+              <a:t> </a:t>
+            </a:r>
+            <a:r>
+              <a:rPr lang="en-US" sz="3000" b="1" dirty="0">
+                <a:solidFill>
+                  <a:srgbClr val="FF0000"/>
+                </a:solidFill>
+                <a:latin typeface="Avenir Medium"/>
+              </a:rPr>
+              <a:t>M</a:t>
+            </a:r>
+            <a:r>
+              <a:rPr lang="en-US" sz="3000" dirty="0">
+                <a:latin typeface="Avenir Medium"/>
+              </a:rPr>
+              <a:t>anagement </a:t>
+            </a:r>
+            <a:r>
+              <a:rPr lang="en-US" sz="3000" b="1" dirty="0" smtClean="0">
+                <a:solidFill>
+                  <a:srgbClr val="FF0000"/>
+                </a:solidFill>
+                <a:latin typeface="Avenir Medium"/>
+              </a:rPr>
+              <a:t>S</a:t>
+            </a:r>
+            <a:r>
+              <a:rPr lang="en-US" sz="3000" dirty="0" smtClean="0">
+                <a:latin typeface="Avenir Medium"/>
+              </a:rPr>
+              <a:t>ystems</a:t>
+            </a:r>
+            <a:endParaRPr lang="en-US" sz="3000" dirty="0">
+              <a:latin typeface="Avenir Medium"/>
+            </a:endParaRPr>
+          </a:p>
+        </p:txBody>
+      </p:sp>
+      <p:sp>
+        <p:nvSpPr>
+          <p:cNvPr id="9" name="Text Box 5"/>
+          <p:cNvSpPr txBox="1">
+            <a:spLocks noChangeArrowheads="1"/>
+          </p:cNvSpPr>
+          <p:nvPr/>
+        </p:nvSpPr>
+        <p:spPr bwMode="auto">
+          <a:xfrm rot="20496999">
+            <a:off x="7984394" y="695979"/>
+            <a:ext cx="739229" cy="338554"/>
+          </a:xfrm>
+          <a:prstGeom prst="rect">
+            <a:avLst/>
+          </a:prstGeom>
+          <a:noFill/>
+          <a:ln>
+            <a:noFill/>
+          </a:ln>
+          <a:effectLst/>
+          <a:extLst>
+            <a:ext uri="{909E8E84-426E-40DD-AFC4-6F175D3DCCD1}">
+              <a14:hiddenFill xmlns:a14="http://schemas.microsoft.com/office/drawing/2010/main">
+                <a:solidFill>
+                  <a:schemeClr val="accent1"/>
+                </a:solidFill>
+              </a14:hiddenFill>
+            </a:ext>
+            <a:ext uri="{91240B29-F687-4F45-9708-019B960494DF}">
+              <a14:hiddenLine xmlns:a14="http://schemas.microsoft.com/office/drawing/2010/main" w="9525">
+                <a:solidFill>
+                  <a:schemeClr val="tx1"/>
+                </a:solidFill>
+                <a:miter lim="800000"/>
+                <a:headEnd/>
+                <a:tailEnd/>
+              </a14:hiddenLine>
+            </a:ext>
+            <a:ext uri="{AF507438-7753-43E0-B8FC-AC1667EBCBE1}">
+              <a14:hiddenEffects xmlns:a14="http://schemas.microsoft.com/office/drawing/2010/main">
+                <a:effectLst>
+                  <a:outerShdw dist="35921" dir="2700000" algn="ctr" rotWithShape="0">
+                    <a:srgbClr val="808080"/>
+                  </a:outerShdw>
+                </a:effectLst>
+              </a14:hiddenEffects>
+            </a:ext>
+          </a:extLst>
+        </p:spPr>
+        <p:txBody>
+          <a:bodyPr wrap="square">
+            <a:spAutoFit/>
+          </a:bodyPr>
+          <a:lstStyle/>
+          <a:p>
+            <a:pPr>
+              <a:spcBef>
+                <a:spcPct val="50000"/>
+              </a:spcBef>
+              <a:buFontTx/>
+              <a:buNone/>
+            </a:pPr>
+            <a:r>
+              <a:rPr lang="en-US" sz="1600" b="1" dirty="0">
+                <a:latin typeface="Comic Sans MS" panose="030F0702030302020204" pitchFamily="66" charset="0"/>
+              </a:rPr>
+              <a:t>SQL</a:t>
+            </a:r>
+          </a:p>
+        </p:txBody>
+      </p:sp>
+    </p:spTree>
+    <p:extLst>
+      <p:ext uri="{BB962C8B-B14F-4D97-AF65-F5344CB8AC3E}">
+        <p14:creationId xmlns:p14="http://schemas.microsoft.com/office/powerpoint/2010/main" val="2682096168"/>
+      </p:ext>
+    </p:extLst>
+  </p:cSld>
+  <p:clrMapOvr>
+    <a:masterClrMapping/>
+  </p:clrMapOvr>
+  <mc:AlternateContent xmlns:mc="http://schemas.openxmlformats.org/markup-compatibility/2006" xmlns:p14="http://schemas.microsoft.com/office/powerpoint/2010/main">
+    <mc:Choice Requires="p14">
+      <p:transition p14:dur="100">
+        <p:cut/>
+      </p:transition>
+    </mc:Choice>
+    <mc:Fallback xmlns="">
+      <p:transition>
+        <p:cut/>
+      </p:transition>
+    </mc:Fallback>
+  </mc:AlternateContent>
+  <p:timing>
+    <p:tnLst>
+      <p:par>
+        <p:cTn id="1" dur="indefinite" restart="never" nodeType="tmRoot">
+          <p:childTnLst>
+            <p:seq concurrent="1" nextAc="seek">
+              <p:cTn id="2" dur="indefinite" nodeType="mainSeq">
+                <p:childTnLst>
+                  <p:par>
+                    <p:cTn id="3" fill="hold">
+                      <p:stCondLst>
+                        <p:cond delay="indefinite"/>
+                      </p:stCondLst>
+                      <p:childTnLst>
+                        <p:par>
+                          <p:cTn id="4" fill="hold">
+                            <p:stCondLst>
+                              <p:cond delay="0"/>
+                            </p:stCondLst>
+                            <p:childTnLst>
+                              <p:par>
+                                <p:cTn id="5" presetID="42" presetClass="entr" presetSubtype="0" fill="hold" nodeType="clickEffect">
+                                  <p:stCondLst>
+                                    <p:cond delay="0"/>
+                                  </p:stCondLst>
+                                  <p:childTnLst>
+                                    <p:set>
+                                      <p:cBhvr>
+                                        <p:cTn id="6" dur="1" fill="hold">
+                                          <p:stCondLst>
+                                            <p:cond delay="0"/>
+                                          </p:stCondLst>
+                                        </p:cTn>
+                                        <p:tgtEl>
+                                          <p:spTgt spid="5">
+                                            <p:txEl>
+                                              <p:pRg st="0" end="0"/>
+                                            </p:txEl>
+                                          </p:spTgt>
+                                        </p:tgtEl>
+                                        <p:attrNameLst>
+                                          <p:attrName>style.visibility</p:attrName>
+                                        </p:attrNameLst>
+                                      </p:cBhvr>
+                                      <p:to>
+                                        <p:strVal val="visible"/>
+                                      </p:to>
+                                    </p:set>
+                                    <p:animEffect transition="in" filter="fade">
+                                      <p:cBhvr>
+                                        <p:cTn id="7" dur="1000"/>
+                                        <p:tgtEl>
+                                          <p:spTgt spid="5">
+                                            <p:txEl>
+                                              <p:pRg st="0" end="0"/>
+                                            </p:txEl>
+                                          </p:spTgt>
+                                        </p:tgtEl>
+                                      </p:cBhvr>
+                                    </p:animEffect>
+                                    <p:anim calcmode="lin" valueType="num">
+                                      <p:cBhvr>
+                                        <p:cTn id="8" dur="1000" fill="hold"/>
+                                        <p:tgtEl>
+                                          <p:spTgt spid="5">
+                                            <p:txEl>
+                                              <p:pRg st="0" end="0"/>
+                                            </p:txEl>
+                                          </p:spTgt>
+                                        </p:tgtEl>
+                                        <p:attrNameLst>
+                                          <p:attrName>ppt_x</p:attrName>
+                                        </p:attrNameLst>
+                                      </p:cBhvr>
+                                      <p:tavLst>
+                                        <p:tav tm="0">
+                                          <p:val>
+                                            <p:strVal val="#ppt_x"/>
+                                          </p:val>
+                                        </p:tav>
+                                        <p:tav tm="100000">
+                                          <p:val>
+                                            <p:strVal val="#ppt_x"/>
+                                          </p:val>
+                                        </p:tav>
+                                      </p:tavLst>
+                                    </p:anim>
+                                    <p:anim calcmode="lin" valueType="num">
+                                      <p:cBhvr>
+                                        <p:cTn id="9" dur="1000" fill="hold"/>
+                                        <p:tgtEl>
+                                          <p:spTgt spid="5">
+                                            <p:txEl>
+                                              <p:pRg st="0" end="0"/>
+                                            </p:txEl>
+                                          </p:spTgt>
+                                        </p:tgtEl>
+                                        <p:attrNameLst>
+                                          <p:attrName>ppt_y</p:attrName>
+                                        </p:attrNameLst>
+                                      </p:cBhvr>
+                                      <p:tavLst>
+                                        <p:tav tm="0">
+                                          <p:val>
+                                            <p:strVal val="#ppt_y+.1"/>
+                                          </p:val>
+                                        </p:tav>
+                                        <p:tav tm="100000">
+                                          <p:val>
+                                            <p:strVal val="#ppt_y"/>
+                                          </p:val>
+                                        </p:tav>
+                                      </p:tavLst>
+                                    </p:anim>
+                                  </p:childTnLst>
+                                </p:cTn>
+                              </p:par>
+                            </p:childTnLst>
+                          </p:cTn>
+                        </p:par>
+                      </p:childTnLst>
+                    </p:cTn>
+                  </p:par>
+                  <p:par>
+                    <p:cTn id="10" fill="hold">
+                      <p:stCondLst>
+                        <p:cond delay="indefinite"/>
+                      </p:stCondLst>
+                      <p:childTnLst>
+                        <p:par>
+                          <p:cTn id="11" fill="hold">
+                            <p:stCondLst>
+                              <p:cond delay="0"/>
+                            </p:stCondLst>
+                            <p:childTnLst>
+                              <p:par>
+                                <p:cTn id="12" presetID="42" presetClass="entr" presetSubtype="0" fill="hold" nodeType="clickEffect">
+                                  <p:stCondLst>
+                                    <p:cond delay="0"/>
+                                  </p:stCondLst>
+                                  <p:childTnLst>
+                                    <p:set>
+                                      <p:cBhvr>
+                                        <p:cTn id="13" dur="1" fill="hold">
+                                          <p:stCondLst>
+                                            <p:cond delay="0"/>
+                                          </p:stCondLst>
+                                        </p:cTn>
+                                        <p:tgtEl>
+                                          <p:spTgt spid="5">
+                                            <p:txEl>
+                                              <p:pRg st="2" end="2"/>
+                                            </p:txEl>
+                                          </p:spTgt>
+                                        </p:tgtEl>
+                                        <p:attrNameLst>
+                                          <p:attrName>style.visibility</p:attrName>
+                                        </p:attrNameLst>
+                                      </p:cBhvr>
+                                      <p:to>
+                                        <p:strVal val="visible"/>
+                                      </p:to>
+                                    </p:set>
+                                    <p:animEffect transition="in" filter="fade">
+                                      <p:cBhvr>
+                                        <p:cTn id="14" dur="1000"/>
+                                        <p:tgtEl>
+                                          <p:spTgt spid="5">
+                                            <p:txEl>
+                                              <p:pRg st="2" end="2"/>
+                                            </p:txEl>
+                                          </p:spTgt>
+                                        </p:tgtEl>
+                                      </p:cBhvr>
+                                    </p:animEffect>
+                                    <p:anim calcmode="lin" valueType="num">
+                                      <p:cBhvr>
+                                        <p:cTn id="15" dur="1000" fill="hold"/>
+                                        <p:tgtEl>
+                                          <p:spTgt spid="5">
+                                            <p:txEl>
+                                              <p:pRg st="2" end="2"/>
+                                            </p:txEl>
+                                          </p:spTgt>
+                                        </p:tgtEl>
+                                        <p:attrNameLst>
+                                          <p:attrName>ppt_x</p:attrName>
+                                        </p:attrNameLst>
+                                      </p:cBhvr>
+                                      <p:tavLst>
+                                        <p:tav tm="0">
+                                          <p:val>
+                                            <p:strVal val="#ppt_x"/>
+                                          </p:val>
+                                        </p:tav>
+                                        <p:tav tm="100000">
+                                          <p:val>
+                                            <p:strVal val="#ppt_x"/>
+                                          </p:val>
+                                        </p:tav>
+                                      </p:tavLst>
+                                    </p:anim>
+                                    <p:anim calcmode="lin" valueType="num">
+                                      <p:cBhvr>
+                                        <p:cTn id="16" dur="1000" fill="hold"/>
+                                        <p:tgtEl>
+                                          <p:spTgt spid="5">
+                                            <p:txEl>
+                                              <p:pRg st="2" end="2"/>
+                                            </p:txEl>
+                                          </p:spTgt>
+                                        </p:tgtEl>
+                                        <p:attrNameLst>
+                                          <p:attrName>ppt_y</p:attrName>
+                                        </p:attrNameLst>
+                                      </p:cBhvr>
+                                      <p:tavLst>
+                                        <p:tav tm="0">
+                                          <p:val>
+                                            <p:strVal val="#ppt_y+.1"/>
+                                          </p:val>
+                                        </p:tav>
+                                        <p:tav tm="100000">
+                                          <p:val>
+                                            <p:strVal val="#ppt_y"/>
+                                          </p:val>
+                                        </p:tav>
+                                      </p:tavLst>
+                                    </p:anim>
+                                  </p:childTnLst>
+                                </p:cTn>
+                              </p:par>
+                            </p:childTnLst>
+                          </p:cTn>
+                        </p:par>
+                      </p:childTnLst>
+                    </p:cTn>
+                  </p:par>
+                </p:childTnLst>
+              </p:cTn>
+              <p:prevCondLst>
+                <p:cond evt="onPrev" delay="0">
+                  <p:tgtEl>
+                    <p:sldTgt/>
+                  </p:tgtEl>
+                </p:cond>
+              </p:prevCondLst>
+              <p:nextCondLst>
+                <p:cond evt="onNext" delay="0">
+                  <p:tgtEl>
+                    <p:sldTgt/>
+                  </p:tgtEl>
+                </p:cond>
+              </p:nextCondLst>
+            </p:seq>
+          </p:childTnLst>
+        </p:cTn>
+      </p:par>
+    </p:tnLst>
+  </p:timing>
+</p:sld>
+</file>
+
+<file path=ppt/slides/slide3.xml><?xml version="1.0" encoding="utf-8"?>
+<p:sld xmlns:a="http://schemas.openxmlformats.org/drawingml/2006/main" xmlns:r="http://schemas.openxmlformats.org/officeDocument/2006/relationships" xmlns:p="http://schemas.openxmlformats.org/presentationml/2006/main">
+  <p:cSld>
+    <p:spTree>
+      <p:nvGrpSpPr>
+        <p:cNvPr id="1" name=""/>
+        <p:cNvGrpSpPr/>
+        <p:nvPr/>
+      </p:nvGrpSpPr>
+      <p:grpSpPr>
+        <a:xfrm>
+          <a:off x="0" y="0"/>
+          <a:ext cx="0" cy="0"/>
+          <a:chOff x="0" y="0"/>
+          <a:chExt cx="0" cy="0"/>
+        </a:xfrm>
+      </p:grpSpPr>
       <p:sp>
         <p:nvSpPr>
           <p:cNvPr id="8193" name="Rectangle 2"/>
@@ -5586,13 +7101,7 @@
               <a:rPr lang="en-US" dirty="0" smtClean="0">
                 <a:latin typeface="Avenir Medium"/>
               </a:rPr>
-              <a:t> is </a:t>
-            </a:r>
-            <a:r>
-              <a:rPr lang="en-US" dirty="0" smtClean="0">
-                <a:latin typeface="Avenir Medium"/>
-              </a:rPr>
-              <a:t>SQL</a:t>
+              <a:t> is SQL</a:t>
             </a:r>
             <a:endParaRPr lang="en-US" dirty="0">
               <a:latin typeface="Avenir Medium"/>
@@ -5613,7 +7122,7 @@
         <p:spPr>
           <a:xfrm>
             <a:off x="457200" y="1807591"/>
-            <a:ext cx="8451130" cy="4525963"/>
+            <a:ext cx="8606672" cy="4525963"/>
           </a:xfrm>
         </p:spPr>
         <p:txBody>
@@ -5675,9 +7184,6 @@
               </a:rPr>
               <a:t>anguage</a:t>
             </a:r>
-            <a:endParaRPr lang="en-US" sz="3000" dirty="0" smtClean="0">
-              <a:latin typeface="Avenir Medium"/>
-            </a:endParaRPr>
           </a:p>
           <a:p>
             <a:pPr>
@@ -5702,13 +7208,7 @@
               <a:rPr lang="en-US" sz="3000" dirty="0" smtClean="0">
                 <a:latin typeface="Avenir Medium"/>
               </a:rPr>
-              <a:t>a database interaction language a</a:t>
-            </a:r>
-            <a:r>
-              <a:rPr lang="en-US" sz="3000" dirty="0" smtClean="0">
-                <a:latin typeface="Avenir Medium"/>
-              </a:rPr>
-              <a:t>llows to </a:t>
+              <a:t>a database interaction language allows to </a:t>
             </a:r>
             <a:r>
               <a:rPr lang="en-US" sz="3000" dirty="0" smtClean="0">
@@ -5717,14 +7217,17 @@
                 </a:solidFill>
                 <a:latin typeface="Avenir Medium"/>
               </a:rPr>
-              <a:t>add, retrieve, edit, and delete information stored in databases</a:t>
-            </a:r>
-          </a:p>
-          <a:p>
-            <a:pPr>
-              <a:buFont typeface="Arial" pitchFamily="34" charset="0"/>
-              <a:buChar char="•"/>
-            </a:pPr>
+              <a:t>add, retrieve, edit, and delete information stored in </a:t>
+            </a:r>
+            <a:r>
+              <a:rPr lang="en-US" sz="3000" dirty="0" smtClean="0">
+                <a:solidFill>
+                  <a:srgbClr val="00B050"/>
+                </a:solidFill>
+                <a:latin typeface="Avenir Medium"/>
+              </a:rPr>
+              <a:t>databases</a:t>
+            </a:r>
             <a:endParaRPr lang="en-US" sz="3000" dirty="0" smtClean="0">
               <a:latin typeface="Avenir Medium"/>
             </a:endParaRPr>
@@ -5754,7 +7257,7 @@
           <p:nvPr/>
         </p:nvPicPr>
         <p:blipFill>
-          <a:blip r:embed="rId2" cstate="email">
+          <a:blip r:embed="rId3" cstate="email">
             <a:extLst>
               <a:ext uri="{28A0092B-C50C-407E-A947-70E740481C1C}">
                 <a14:useLocalDpi xmlns:a14="http://schemas.microsoft.com/office/drawing/2010/main" val="0"/>
@@ -5883,14 +7386,267 @@
   <p:timing>
     <p:tnLst>
       <p:par>
-        <p:cTn id="1" dur="indefinite" restart="never" nodeType="tmRoot"/>
+        <p:cTn id="1" dur="indefinite" restart="never" nodeType="tmRoot">
+          <p:childTnLst>
+            <p:seq concurrent="1" nextAc="seek">
+              <p:cTn id="2" dur="indefinite" nodeType="mainSeq">
+                <p:childTnLst>
+                  <p:par>
+                    <p:cTn id="3" fill="hold">
+                      <p:stCondLst>
+                        <p:cond delay="indefinite"/>
+                      </p:stCondLst>
+                      <p:childTnLst>
+                        <p:par>
+                          <p:cTn id="4" fill="hold">
+                            <p:stCondLst>
+                              <p:cond delay="0"/>
+                            </p:stCondLst>
+                            <p:childTnLst>
+                              <p:par>
+                                <p:cTn id="5" presetID="42" presetClass="entr" presetSubtype="0" fill="hold" nodeType="clickEffect">
+                                  <p:stCondLst>
+                                    <p:cond delay="0"/>
+                                  </p:stCondLst>
+                                  <p:childTnLst>
+                                    <p:set>
+                                      <p:cBhvr>
+                                        <p:cTn id="6" dur="1" fill="hold">
+                                          <p:stCondLst>
+                                            <p:cond delay="0"/>
+                                          </p:stCondLst>
+                                        </p:cTn>
+                                        <p:tgtEl>
+                                          <p:spTgt spid="5">
+                                            <p:txEl>
+                                              <p:pRg st="0" end="0"/>
+                                            </p:txEl>
+                                          </p:spTgt>
+                                        </p:tgtEl>
+                                        <p:attrNameLst>
+                                          <p:attrName>style.visibility</p:attrName>
+                                        </p:attrNameLst>
+                                      </p:cBhvr>
+                                      <p:to>
+                                        <p:strVal val="visible"/>
+                                      </p:to>
+                                    </p:set>
+                                    <p:animEffect transition="in" filter="fade">
+                                      <p:cBhvr>
+                                        <p:cTn id="7" dur="1000"/>
+                                        <p:tgtEl>
+                                          <p:spTgt spid="5">
+                                            <p:txEl>
+                                              <p:pRg st="0" end="0"/>
+                                            </p:txEl>
+                                          </p:spTgt>
+                                        </p:tgtEl>
+                                      </p:cBhvr>
+                                    </p:animEffect>
+                                    <p:anim calcmode="lin" valueType="num">
+                                      <p:cBhvr>
+                                        <p:cTn id="8" dur="1000" fill="hold"/>
+                                        <p:tgtEl>
+                                          <p:spTgt spid="5">
+                                            <p:txEl>
+                                              <p:pRg st="0" end="0"/>
+                                            </p:txEl>
+                                          </p:spTgt>
+                                        </p:tgtEl>
+                                        <p:attrNameLst>
+                                          <p:attrName>ppt_x</p:attrName>
+                                        </p:attrNameLst>
+                                      </p:cBhvr>
+                                      <p:tavLst>
+                                        <p:tav tm="0">
+                                          <p:val>
+                                            <p:strVal val="#ppt_x"/>
+                                          </p:val>
+                                        </p:tav>
+                                        <p:tav tm="100000">
+                                          <p:val>
+                                            <p:strVal val="#ppt_x"/>
+                                          </p:val>
+                                        </p:tav>
+                                      </p:tavLst>
+                                    </p:anim>
+                                    <p:anim calcmode="lin" valueType="num">
+                                      <p:cBhvr>
+                                        <p:cTn id="9" dur="1000" fill="hold"/>
+                                        <p:tgtEl>
+                                          <p:spTgt spid="5">
+                                            <p:txEl>
+                                              <p:pRg st="0" end="0"/>
+                                            </p:txEl>
+                                          </p:spTgt>
+                                        </p:tgtEl>
+                                        <p:attrNameLst>
+                                          <p:attrName>ppt_y</p:attrName>
+                                        </p:attrNameLst>
+                                      </p:cBhvr>
+                                      <p:tavLst>
+                                        <p:tav tm="0">
+                                          <p:val>
+                                            <p:strVal val="#ppt_y+.1"/>
+                                          </p:val>
+                                        </p:tav>
+                                        <p:tav tm="100000">
+                                          <p:val>
+                                            <p:strVal val="#ppt_y"/>
+                                          </p:val>
+                                        </p:tav>
+                                      </p:tavLst>
+                                    </p:anim>
+                                  </p:childTnLst>
+                                </p:cTn>
+                              </p:par>
+                            </p:childTnLst>
+                          </p:cTn>
+                        </p:par>
+                      </p:childTnLst>
+                    </p:cTn>
+                  </p:par>
+                  <p:par>
+                    <p:cTn id="10" fill="hold">
+                      <p:stCondLst>
+                        <p:cond delay="indefinite"/>
+                      </p:stCondLst>
+                      <p:childTnLst>
+                        <p:par>
+                          <p:cTn id="11" fill="hold">
+                            <p:stCondLst>
+                              <p:cond delay="0"/>
+                            </p:stCondLst>
+                            <p:childTnLst>
+                              <p:par>
+                                <p:cTn id="12" presetID="42" presetClass="entr" presetSubtype="0" fill="hold" nodeType="clickEffect">
+                                  <p:stCondLst>
+                                    <p:cond delay="0"/>
+                                  </p:stCondLst>
+                                  <p:childTnLst>
+                                    <p:set>
+                                      <p:cBhvr>
+                                        <p:cTn id="13" dur="1" fill="hold">
+                                          <p:stCondLst>
+                                            <p:cond delay="0"/>
+                                          </p:stCondLst>
+                                        </p:cTn>
+                                        <p:tgtEl>
+                                          <p:spTgt spid="5">
+                                            <p:txEl>
+                                              <p:pRg st="2" end="2"/>
+                                            </p:txEl>
+                                          </p:spTgt>
+                                        </p:tgtEl>
+                                        <p:attrNameLst>
+                                          <p:attrName>style.visibility</p:attrName>
+                                        </p:attrNameLst>
+                                      </p:cBhvr>
+                                      <p:to>
+                                        <p:strVal val="visible"/>
+                                      </p:to>
+                                    </p:set>
+                                    <p:animEffect transition="in" filter="fade">
+                                      <p:cBhvr>
+                                        <p:cTn id="14" dur="1000"/>
+                                        <p:tgtEl>
+                                          <p:spTgt spid="5">
+                                            <p:txEl>
+                                              <p:pRg st="2" end="2"/>
+                                            </p:txEl>
+                                          </p:spTgt>
+                                        </p:tgtEl>
+                                      </p:cBhvr>
+                                    </p:animEffect>
+                                    <p:anim calcmode="lin" valueType="num">
+                                      <p:cBhvr>
+                                        <p:cTn id="15" dur="1000" fill="hold"/>
+                                        <p:tgtEl>
+                                          <p:spTgt spid="5">
+                                            <p:txEl>
+                                              <p:pRg st="2" end="2"/>
+                                            </p:txEl>
+                                          </p:spTgt>
+                                        </p:tgtEl>
+                                        <p:attrNameLst>
+                                          <p:attrName>ppt_x</p:attrName>
+                                        </p:attrNameLst>
+                                      </p:cBhvr>
+                                      <p:tavLst>
+                                        <p:tav tm="0">
+                                          <p:val>
+                                            <p:strVal val="#ppt_x"/>
+                                          </p:val>
+                                        </p:tav>
+                                        <p:tav tm="100000">
+                                          <p:val>
+                                            <p:strVal val="#ppt_x"/>
+                                          </p:val>
+                                        </p:tav>
+                                      </p:tavLst>
+                                    </p:anim>
+                                    <p:anim calcmode="lin" valueType="num">
+                                      <p:cBhvr>
+                                        <p:cTn id="16" dur="1000" fill="hold"/>
+                                        <p:tgtEl>
+                                          <p:spTgt spid="5">
+                                            <p:txEl>
+                                              <p:pRg st="2" end="2"/>
+                                            </p:txEl>
+                                          </p:spTgt>
+                                        </p:tgtEl>
+                                        <p:attrNameLst>
+                                          <p:attrName>ppt_y</p:attrName>
+                                        </p:attrNameLst>
+                                      </p:cBhvr>
+                                      <p:tavLst>
+                                        <p:tav tm="0">
+                                          <p:val>
+                                            <p:strVal val="#ppt_y+.1"/>
+                                          </p:val>
+                                        </p:tav>
+                                        <p:tav tm="100000">
+                                          <p:val>
+                                            <p:strVal val="#ppt_y"/>
+                                          </p:val>
+                                        </p:tav>
+                                      </p:tavLst>
+                                    </p:anim>
+                                  </p:childTnLst>
+                                </p:cTn>
+                              </p:par>
+                            </p:childTnLst>
+                          </p:cTn>
+                        </p:par>
+                      </p:childTnLst>
+                    </p:cTn>
+                  </p:par>
+                </p:childTnLst>
+              </p:cTn>
+              <p:prevCondLst>
+                <p:cond evt="onPrev" delay="0">
+                  <p:tgtEl>
+                    <p:sldTgt/>
+                  </p:tgtEl>
+                </p:cond>
+              </p:prevCondLst>
+              <p:nextCondLst>
+                <p:cond evt="onNext" delay="0">
+                  <p:tgtEl>
+                    <p:sldTgt/>
+                  </p:tgtEl>
+                </p:cond>
+              </p:nextCondLst>
+            </p:seq>
+          </p:childTnLst>
+        </p:cTn>
       </p:par>
     </p:tnLst>
   </p:timing>
 </p:sld>
 </file>
 
-<file path=ppt/slides/slide3.xml><?xml version="1.0" encoding="utf-8"?>
+<file path=ppt/slides/slide4.xml><?xml version="1.0" encoding="utf-8"?>
 <p:sld xmlns:a="http://schemas.openxmlformats.org/drawingml/2006/main" xmlns:r="http://schemas.openxmlformats.org/officeDocument/2006/relationships" xmlns:p="http://schemas.openxmlformats.org/presentationml/2006/main">
   <p:cSld>
     <p:spTree>
@@ -5937,13 +7693,7 @@
               <a:rPr lang="en-US" dirty="0" smtClean="0">
                 <a:latin typeface="Avenir Medium"/>
               </a:rPr>
-              <a:t> </a:t>
-            </a:r>
-            <a:r>
-              <a:rPr lang="en-US" dirty="0" smtClean="0">
-                <a:latin typeface="Avenir Medium"/>
-              </a:rPr>
-              <a:t>can SQL do?</a:t>
+              <a:t> can SQL do?</a:t>
             </a:r>
             <a:endParaRPr lang="en-US" dirty="0">
               <a:latin typeface="Avenir Medium"/>
@@ -6243,14 +7993,497 @@
   <p:timing>
     <p:tnLst>
       <p:par>
-        <p:cTn id="1" dur="indefinite" restart="never" nodeType="tmRoot"/>
+        <p:cTn id="1" dur="indefinite" restart="never" nodeType="tmRoot">
+          <p:childTnLst>
+            <p:seq concurrent="1" nextAc="seek">
+              <p:cTn id="2" dur="indefinite" nodeType="mainSeq">
+                <p:childTnLst>
+                  <p:par>
+                    <p:cTn id="3" fill="hold">
+                      <p:stCondLst>
+                        <p:cond delay="indefinite"/>
+                      </p:stCondLst>
+                      <p:childTnLst>
+                        <p:par>
+                          <p:cTn id="4" fill="hold">
+                            <p:stCondLst>
+                              <p:cond delay="0"/>
+                            </p:stCondLst>
+                            <p:childTnLst>
+                              <p:par>
+                                <p:cTn id="5" presetID="42" presetClass="entr" presetSubtype="0" fill="hold" nodeType="clickEffect">
+                                  <p:stCondLst>
+                                    <p:cond delay="0"/>
+                                  </p:stCondLst>
+                                  <p:childTnLst>
+                                    <p:set>
+                                      <p:cBhvr>
+                                        <p:cTn id="6" dur="1" fill="hold">
+                                          <p:stCondLst>
+                                            <p:cond delay="0"/>
+                                          </p:stCondLst>
+                                        </p:cTn>
+                                        <p:tgtEl>
+                                          <p:spTgt spid="5">
+                                            <p:txEl>
+                                              <p:pRg st="0" end="0"/>
+                                            </p:txEl>
+                                          </p:spTgt>
+                                        </p:tgtEl>
+                                        <p:attrNameLst>
+                                          <p:attrName>style.visibility</p:attrName>
+                                        </p:attrNameLst>
+                                      </p:cBhvr>
+                                      <p:to>
+                                        <p:strVal val="visible"/>
+                                      </p:to>
+                                    </p:set>
+                                    <p:animEffect transition="in" filter="fade">
+                                      <p:cBhvr>
+                                        <p:cTn id="7" dur="1000"/>
+                                        <p:tgtEl>
+                                          <p:spTgt spid="5">
+                                            <p:txEl>
+                                              <p:pRg st="0" end="0"/>
+                                            </p:txEl>
+                                          </p:spTgt>
+                                        </p:tgtEl>
+                                      </p:cBhvr>
+                                    </p:animEffect>
+                                    <p:anim calcmode="lin" valueType="num">
+                                      <p:cBhvr>
+                                        <p:cTn id="8" dur="1000" fill="hold"/>
+                                        <p:tgtEl>
+                                          <p:spTgt spid="5">
+                                            <p:txEl>
+                                              <p:pRg st="0" end="0"/>
+                                            </p:txEl>
+                                          </p:spTgt>
+                                        </p:tgtEl>
+                                        <p:attrNameLst>
+                                          <p:attrName>ppt_x</p:attrName>
+                                        </p:attrNameLst>
+                                      </p:cBhvr>
+                                      <p:tavLst>
+                                        <p:tav tm="0">
+                                          <p:val>
+                                            <p:strVal val="#ppt_x"/>
+                                          </p:val>
+                                        </p:tav>
+                                        <p:tav tm="100000">
+                                          <p:val>
+                                            <p:strVal val="#ppt_x"/>
+                                          </p:val>
+                                        </p:tav>
+                                      </p:tavLst>
+                                    </p:anim>
+                                    <p:anim calcmode="lin" valueType="num">
+                                      <p:cBhvr>
+                                        <p:cTn id="9" dur="1000" fill="hold"/>
+                                        <p:tgtEl>
+                                          <p:spTgt spid="5">
+                                            <p:txEl>
+                                              <p:pRg st="0" end="0"/>
+                                            </p:txEl>
+                                          </p:spTgt>
+                                        </p:tgtEl>
+                                        <p:attrNameLst>
+                                          <p:attrName>ppt_y</p:attrName>
+                                        </p:attrNameLst>
+                                      </p:cBhvr>
+                                      <p:tavLst>
+                                        <p:tav tm="0">
+                                          <p:val>
+                                            <p:strVal val="#ppt_y+.1"/>
+                                          </p:val>
+                                        </p:tav>
+                                        <p:tav tm="100000">
+                                          <p:val>
+                                            <p:strVal val="#ppt_y"/>
+                                          </p:val>
+                                        </p:tav>
+                                      </p:tavLst>
+                                    </p:anim>
+                                  </p:childTnLst>
+                                </p:cTn>
+                              </p:par>
+                            </p:childTnLst>
+                          </p:cTn>
+                        </p:par>
+                      </p:childTnLst>
+                    </p:cTn>
+                  </p:par>
+                  <p:par>
+                    <p:cTn id="10" fill="hold">
+                      <p:stCondLst>
+                        <p:cond delay="indefinite"/>
+                      </p:stCondLst>
+                      <p:childTnLst>
+                        <p:par>
+                          <p:cTn id="11" fill="hold">
+                            <p:stCondLst>
+                              <p:cond delay="0"/>
+                            </p:stCondLst>
+                            <p:childTnLst>
+                              <p:par>
+                                <p:cTn id="12" presetID="42" presetClass="entr" presetSubtype="0" fill="hold" nodeType="clickEffect">
+                                  <p:stCondLst>
+                                    <p:cond delay="0"/>
+                                  </p:stCondLst>
+                                  <p:childTnLst>
+                                    <p:set>
+                                      <p:cBhvr>
+                                        <p:cTn id="13" dur="1" fill="hold">
+                                          <p:stCondLst>
+                                            <p:cond delay="0"/>
+                                          </p:stCondLst>
+                                        </p:cTn>
+                                        <p:tgtEl>
+                                          <p:spTgt spid="5">
+                                            <p:txEl>
+                                              <p:pRg st="2" end="2"/>
+                                            </p:txEl>
+                                          </p:spTgt>
+                                        </p:tgtEl>
+                                        <p:attrNameLst>
+                                          <p:attrName>style.visibility</p:attrName>
+                                        </p:attrNameLst>
+                                      </p:cBhvr>
+                                      <p:to>
+                                        <p:strVal val="visible"/>
+                                      </p:to>
+                                    </p:set>
+                                    <p:animEffect transition="in" filter="fade">
+                                      <p:cBhvr>
+                                        <p:cTn id="14" dur="1000"/>
+                                        <p:tgtEl>
+                                          <p:spTgt spid="5">
+                                            <p:txEl>
+                                              <p:pRg st="2" end="2"/>
+                                            </p:txEl>
+                                          </p:spTgt>
+                                        </p:tgtEl>
+                                      </p:cBhvr>
+                                    </p:animEffect>
+                                    <p:anim calcmode="lin" valueType="num">
+                                      <p:cBhvr>
+                                        <p:cTn id="15" dur="1000" fill="hold"/>
+                                        <p:tgtEl>
+                                          <p:spTgt spid="5">
+                                            <p:txEl>
+                                              <p:pRg st="2" end="2"/>
+                                            </p:txEl>
+                                          </p:spTgt>
+                                        </p:tgtEl>
+                                        <p:attrNameLst>
+                                          <p:attrName>ppt_x</p:attrName>
+                                        </p:attrNameLst>
+                                      </p:cBhvr>
+                                      <p:tavLst>
+                                        <p:tav tm="0">
+                                          <p:val>
+                                            <p:strVal val="#ppt_x"/>
+                                          </p:val>
+                                        </p:tav>
+                                        <p:tav tm="100000">
+                                          <p:val>
+                                            <p:strVal val="#ppt_x"/>
+                                          </p:val>
+                                        </p:tav>
+                                      </p:tavLst>
+                                    </p:anim>
+                                    <p:anim calcmode="lin" valueType="num">
+                                      <p:cBhvr>
+                                        <p:cTn id="16" dur="1000" fill="hold"/>
+                                        <p:tgtEl>
+                                          <p:spTgt spid="5">
+                                            <p:txEl>
+                                              <p:pRg st="2" end="2"/>
+                                            </p:txEl>
+                                          </p:spTgt>
+                                        </p:tgtEl>
+                                        <p:attrNameLst>
+                                          <p:attrName>ppt_y</p:attrName>
+                                        </p:attrNameLst>
+                                      </p:cBhvr>
+                                      <p:tavLst>
+                                        <p:tav tm="0">
+                                          <p:val>
+                                            <p:strVal val="#ppt_y+.1"/>
+                                          </p:val>
+                                        </p:tav>
+                                        <p:tav tm="100000">
+                                          <p:val>
+                                            <p:strVal val="#ppt_y"/>
+                                          </p:val>
+                                        </p:tav>
+                                      </p:tavLst>
+                                    </p:anim>
+                                  </p:childTnLst>
+                                </p:cTn>
+                              </p:par>
+                            </p:childTnLst>
+                          </p:cTn>
+                        </p:par>
+                      </p:childTnLst>
+                    </p:cTn>
+                  </p:par>
+                  <p:par>
+                    <p:cTn id="17" fill="hold">
+                      <p:stCondLst>
+                        <p:cond delay="indefinite"/>
+                      </p:stCondLst>
+                      <p:childTnLst>
+                        <p:par>
+                          <p:cTn id="18" fill="hold">
+                            <p:stCondLst>
+                              <p:cond delay="0"/>
+                            </p:stCondLst>
+                            <p:childTnLst>
+                              <p:par>
+                                <p:cTn id="19" presetID="42" presetClass="entr" presetSubtype="0" fill="hold" nodeType="clickEffect">
+                                  <p:stCondLst>
+                                    <p:cond delay="0"/>
+                                  </p:stCondLst>
+                                  <p:childTnLst>
+                                    <p:set>
+                                      <p:cBhvr>
+                                        <p:cTn id="20" dur="1" fill="hold">
+                                          <p:stCondLst>
+                                            <p:cond delay="0"/>
+                                          </p:stCondLst>
+                                        </p:cTn>
+                                        <p:tgtEl>
+                                          <p:spTgt spid="5">
+                                            <p:txEl>
+                                              <p:pRg st="4" end="4"/>
+                                            </p:txEl>
+                                          </p:spTgt>
+                                        </p:tgtEl>
+                                        <p:attrNameLst>
+                                          <p:attrName>style.visibility</p:attrName>
+                                        </p:attrNameLst>
+                                      </p:cBhvr>
+                                      <p:to>
+                                        <p:strVal val="visible"/>
+                                      </p:to>
+                                    </p:set>
+                                    <p:animEffect transition="in" filter="fade">
+                                      <p:cBhvr>
+                                        <p:cTn id="21" dur="1000"/>
+                                        <p:tgtEl>
+                                          <p:spTgt spid="5">
+                                            <p:txEl>
+                                              <p:pRg st="4" end="4"/>
+                                            </p:txEl>
+                                          </p:spTgt>
+                                        </p:tgtEl>
+                                      </p:cBhvr>
+                                    </p:animEffect>
+                                    <p:anim calcmode="lin" valueType="num">
+                                      <p:cBhvr>
+                                        <p:cTn id="22" dur="1000" fill="hold"/>
+                                        <p:tgtEl>
+                                          <p:spTgt spid="5">
+                                            <p:txEl>
+                                              <p:pRg st="4" end="4"/>
+                                            </p:txEl>
+                                          </p:spTgt>
+                                        </p:tgtEl>
+                                        <p:attrNameLst>
+                                          <p:attrName>ppt_x</p:attrName>
+                                        </p:attrNameLst>
+                                      </p:cBhvr>
+                                      <p:tavLst>
+                                        <p:tav tm="0">
+                                          <p:val>
+                                            <p:strVal val="#ppt_x"/>
+                                          </p:val>
+                                        </p:tav>
+                                        <p:tav tm="100000">
+                                          <p:val>
+                                            <p:strVal val="#ppt_x"/>
+                                          </p:val>
+                                        </p:tav>
+                                      </p:tavLst>
+                                    </p:anim>
+                                    <p:anim calcmode="lin" valueType="num">
+                                      <p:cBhvr>
+                                        <p:cTn id="23" dur="1000" fill="hold"/>
+                                        <p:tgtEl>
+                                          <p:spTgt spid="5">
+                                            <p:txEl>
+                                              <p:pRg st="4" end="4"/>
+                                            </p:txEl>
+                                          </p:spTgt>
+                                        </p:tgtEl>
+                                        <p:attrNameLst>
+                                          <p:attrName>ppt_y</p:attrName>
+                                        </p:attrNameLst>
+                                      </p:cBhvr>
+                                      <p:tavLst>
+                                        <p:tav tm="0">
+                                          <p:val>
+                                            <p:strVal val="#ppt_y+.1"/>
+                                          </p:val>
+                                        </p:tav>
+                                        <p:tav tm="100000">
+                                          <p:val>
+                                            <p:strVal val="#ppt_y"/>
+                                          </p:val>
+                                        </p:tav>
+                                      </p:tavLst>
+                                    </p:anim>
+                                  </p:childTnLst>
+                                </p:cTn>
+                              </p:par>
+                            </p:childTnLst>
+                          </p:cTn>
+                        </p:par>
+                      </p:childTnLst>
+                    </p:cTn>
+                  </p:par>
+                  <p:par>
+                    <p:cTn id="24" fill="hold">
+                      <p:stCondLst>
+                        <p:cond delay="indefinite"/>
+                      </p:stCondLst>
+                      <p:childTnLst>
+                        <p:par>
+                          <p:cTn id="25" fill="hold">
+                            <p:stCondLst>
+                              <p:cond delay="0"/>
+                            </p:stCondLst>
+                            <p:childTnLst>
+                              <p:par>
+                                <p:cTn id="26" presetID="42" presetClass="entr" presetSubtype="0" fill="hold" nodeType="clickEffect">
+                                  <p:stCondLst>
+                                    <p:cond delay="0"/>
+                                  </p:stCondLst>
+                                  <p:childTnLst>
+                                    <p:set>
+                                      <p:cBhvr>
+                                        <p:cTn id="27" dur="1" fill="hold">
+                                          <p:stCondLst>
+                                            <p:cond delay="0"/>
+                                          </p:stCondLst>
+                                        </p:cTn>
+                                        <p:tgtEl>
+                                          <p:spTgt spid="5">
+                                            <p:txEl>
+                                              <p:pRg st="6" end="6"/>
+                                            </p:txEl>
+                                          </p:spTgt>
+                                        </p:tgtEl>
+                                        <p:attrNameLst>
+                                          <p:attrName>style.visibility</p:attrName>
+                                        </p:attrNameLst>
+                                      </p:cBhvr>
+                                      <p:to>
+                                        <p:strVal val="visible"/>
+                                      </p:to>
+                                    </p:set>
+                                    <p:animEffect transition="in" filter="fade">
+                                      <p:cBhvr>
+                                        <p:cTn id="28" dur="1000"/>
+                                        <p:tgtEl>
+                                          <p:spTgt spid="5">
+                                            <p:txEl>
+                                              <p:pRg st="6" end="6"/>
+                                            </p:txEl>
+                                          </p:spTgt>
+                                        </p:tgtEl>
+                                      </p:cBhvr>
+                                    </p:animEffect>
+                                    <p:anim calcmode="lin" valueType="num">
+                                      <p:cBhvr>
+                                        <p:cTn id="29" dur="1000" fill="hold"/>
+                                        <p:tgtEl>
+                                          <p:spTgt spid="5">
+                                            <p:txEl>
+                                              <p:pRg st="6" end="6"/>
+                                            </p:txEl>
+                                          </p:spTgt>
+                                        </p:tgtEl>
+                                        <p:attrNameLst>
+                                          <p:attrName>ppt_x</p:attrName>
+                                        </p:attrNameLst>
+                                      </p:cBhvr>
+                                      <p:tavLst>
+                                        <p:tav tm="0">
+                                          <p:val>
+                                            <p:strVal val="#ppt_x"/>
+                                          </p:val>
+                                        </p:tav>
+                                        <p:tav tm="100000">
+                                          <p:val>
+                                            <p:strVal val="#ppt_x"/>
+                                          </p:val>
+                                        </p:tav>
+                                      </p:tavLst>
+                                    </p:anim>
+                                    <p:anim calcmode="lin" valueType="num">
+                                      <p:cBhvr>
+                                        <p:cTn id="30" dur="1000" fill="hold"/>
+                                        <p:tgtEl>
+                                          <p:spTgt spid="5">
+                                            <p:txEl>
+                                              <p:pRg st="6" end="6"/>
+                                            </p:txEl>
+                                          </p:spTgt>
+                                        </p:tgtEl>
+                                        <p:attrNameLst>
+                                          <p:attrName>ppt_y</p:attrName>
+                                        </p:attrNameLst>
+                                      </p:cBhvr>
+                                      <p:tavLst>
+                                        <p:tav tm="0">
+                                          <p:val>
+                                            <p:strVal val="#ppt_y+.1"/>
+                                          </p:val>
+                                        </p:tav>
+                                        <p:tav tm="100000">
+                                          <p:val>
+                                            <p:strVal val="#ppt_y"/>
+                                          </p:val>
+                                        </p:tav>
+                                      </p:tavLst>
+                                    </p:anim>
+                                  </p:childTnLst>
+                                </p:cTn>
+                              </p:par>
+                            </p:childTnLst>
+                          </p:cTn>
+                        </p:par>
+                      </p:childTnLst>
+                    </p:cTn>
+                  </p:par>
+                </p:childTnLst>
+              </p:cTn>
+              <p:prevCondLst>
+                <p:cond evt="onPrev" delay="0">
+                  <p:tgtEl>
+                    <p:sldTgt/>
+                  </p:tgtEl>
+                </p:cond>
+              </p:prevCondLst>
+              <p:nextCondLst>
+                <p:cond evt="onNext" delay="0">
+                  <p:tgtEl>
+                    <p:sldTgt/>
+                  </p:tgtEl>
+                </p:cond>
+              </p:nextCondLst>
+            </p:seq>
+          </p:childTnLst>
+        </p:cTn>
       </p:par>
     </p:tnLst>
   </p:timing>
 </p:sld>
 </file>
 
-<file path=ppt/slides/slide4.xml><?xml version="1.0" encoding="utf-8"?>
+<file path=ppt/slides/slide5.xml><?xml version="1.0" encoding="utf-8"?>
 <p:sld xmlns:a="http://schemas.openxmlformats.org/drawingml/2006/main" xmlns:r="http://schemas.openxmlformats.org/officeDocument/2006/relationships" xmlns:p="http://schemas.openxmlformats.org/presentationml/2006/main">
   <p:cSld>
     <p:spTree>
@@ -6297,13 +8530,7 @@
               <a:rPr lang="en-US" dirty="0" smtClean="0">
                 <a:latin typeface="Avenir Medium"/>
               </a:rPr>
-              <a:t> </a:t>
-            </a:r>
-            <a:r>
-              <a:rPr lang="en-US" dirty="0" smtClean="0">
-                <a:latin typeface="Avenir Medium"/>
-              </a:rPr>
-              <a:t>SQL</a:t>
+              <a:t> SQL</a:t>
             </a:r>
             <a:endParaRPr lang="en-US" dirty="0">
               <a:latin typeface="Avenir Medium"/>
@@ -6366,7 +8593,19 @@
               <a:rPr lang="en-US" sz="3000" dirty="0">
                 <a:latin typeface="Avenir Medium"/>
               </a:rPr>
-              <a:t>20 years</a:t>
+              <a:t>3</a:t>
+            </a:r>
+            <a:r>
+              <a:rPr lang="en-US" sz="3000" dirty="0" smtClean="0">
+                <a:latin typeface="Avenir Medium"/>
+              </a:rPr>
+              <a:t>0 </a:t>
+            </a:r>
+            <a:r>
+              <a:rPr lang="en-US" sz="3000" dirty="0">
+                <a:latin typeface="Avenir Medium"/>
+              </a:rPr>
+              <a:t>years</a:t>
             </a:r>
             <a:r>
               <a:rPr lang="en-US" sz="3000" dirty="0" smtClean="0">
@@ -6418,9 +8657,6 @@
               </a:rPr>
               <a:t>multiple applications</a:t>
             </a:r>
-            <a:endParaRPr lang="en-US" sz="3000" dirty="0">
-              <a:latin typeface="Avenir Medium"/>
-            </a:endParaRPr>
           </a:p>
           <a:p>
             <a:endParaRPr lang="en-US" sz="3000" dirty="0" smtClean="0">
@@ -6572,14 +8808,497 @@
   <p:timing>
     <p:tnLst>
       <p:par>
-        <p:cTn id="1" dur="indefinite" restart="never" nodeType="tmRoot"/>
+        <p:cTn id="1" dur="indefinite" restart="never" nodeType="tmRoot">
+          <p:childTnLst>
+            <p:seq concurrent="1" nextAc="seek">
+              <p:cTn id="2" dur="indefinite" nodeType="mainSeq">
+                <p:childTnLst>
+                  <p:par>
+                    <p:cTn id="3" fill="hold">
+                      <p:stCondLst>
+                        <p:cond delay="indefinite"/>
+                      </p:stCondLst>
+                      <p:childTnLst>
+                        <p:par>
+                          <p:cTn id="4" fill="hold">
+                            <p:stCondLst>
+                              <p:cond delay="0"/>
+                            </p:stCondLst>
+                            <p:childTnLst>
+                              <p:par>
+                                <p:cTn id="5" presetID="42" presetClass="entr" presetSubtype="0" fill="hold" nodeType="clickEffect">
+                                  <p:stCondLst>
+                                    <p:cond delay="0"/>
+                                  </p:stCondLst>
+                                  <p:childTnLst>
+                                    <p:set>
+                                      <p:cBhvr>
+                                        <p:cTn id="6" dur="1" fill="hold">
+                                          <p:stCondLst>
+                                            <p:cond delay="0"/>
+                                          </p:stCondLst>
+                                        </p:cTn>
+                                        <p:tgtEl>
+                                          <p:spTgt spid="4">
+                                            <p:txEl>
+                                              <p:pRg st="0" end="0"/>
+                                            </p:txEl>
+                                          </p:spTgt>
+                                        </p:tgtEl>
+                                        <p:attrNameLst>
+                                          <p:attrName>style.visibility</p:attrName>
+                                        </p:attrNameLst>
+                                      </p:cBhvr>
+                                      <p:to>
+                                        <p:strVal val="visible"/>
+                                      </p:to>
+                                    </p:set>
+                                    <p:animEffect transition="in" filter="fade">
+                                      <p:cBhvr>
+                                        <p:cTn id="7" dur="1000"/>
+                                        <p:tgtEl>
+                                          <p:spTgt spid="4">
+                                            <p:txEl>
+                                              <p:pRg st="0" end="0"/>
+                                            </p:txEl>
+                                          </p:spTgt>
+                                        </p:tgtEl>
+                                      </p:cBhvr>
+                                    </p:animEffect>
+                                    <p:anim calcmode="lin" valueType="num">
+                                      <p:cBhvr>
+                                        <p:cTn id="8" dur="1000" fill="hold"/>
+                                        <p:tgtEl>
+                                          <p:spTgt spid="4">
+                                            <p:txEl>
+                                              <p:pRg st="0" end="0"/>
+                                            </p:txEl>
+                                          </p:spTgt>
+                                        </p:tgtEl>
+                                        <p:attrNameLst>
+                                          <p:attrName>ppt_x</p:attrName>
+                                        </p:attrNameLst>
+                                      </p:cBhvr>
+                                      <p:tavLst>
+                                        <p:tav tm="0">
+                                          <p:val>
+                                            <p:strVal val="#ppt_x"/>
+                                          </p:val>
+                                        </p:tav>
+                                        <p:tav tm="100000">
+                                          <p:val>
+                                            <p:strVal val="#ppt_x"/>
+                                          </p:val>
+                                        </p:tav>
+                                      </p:tavLst>
+                                    </p:anim>
+                                    <p:anim calcmode="lin" valueType="num">
+                                      <p:cBhvr>
+                                        <p:cTn id="9" dur="1000" fill="hold"/>
+                                        <p:tgtEl>
+                                          <p:spTgt spid="4">
+                                            <p:txEl>
+                                              <p:pRg st="0" end="0"/>
+                                            </p:txEl>
+                                          </p:spTgt>
+                                        </p:tgtEl>
+                                        <p:attrNameLst>
+                                          <p:attrName>ppt_y</p:attrName>
+                                        </p:attrNameLst>
+                                      </p:cBhvr>
+                                      <p:tavLst>
+                                        <p:tav tm="0">
+                                          <p:val>
+                                            <p:strVal val="#ppt_y+.1"/>
+                                          </p:val>
+                                        </p:tav>
+                                        <p:tav tm="100000">
+                                          <p:val>
+                                            <p:strVal val="#ppt_y"/>
+                                          </p:val>
+                                        </p:tav>
+                                      </p:tavLst>
+                                    </p:anim>
+                                  </p:childTnLst>
+                                </p:cTn>
+                              </p:par>
+                            </p:childTnLst>
+                          </p:cTn>
+                        </p:par>
+                      </p:childTnLst>
+                    </p:cTn>
+                  </p:par>
+                  <p:par>
+                    <p:cTn id="10" fill="hold">
+                      <p:stCondLst>
+                        <p:cond delay="indefinite"/>
+                      </p:stCondLst>
+                      <p:childTnLst>
+                        <p:par>
+                          <p:cTn id="11" fill="hold">
+                            <p:stCondLst>
+                              <p:cond delay="0"/>
+                            </p:stCondLst>
+                            <p:childTnLst>
+                              <p:par>
+                                <p:cTn id="12" presetID="42" presetClass="entr" presetSubtype="0" fill="hold" nodeType="clickEffect">
+                                  <p:stCondLst>
+                                    <p:cond delay="0"/>
+                                  </p:stCondLst>
+                                  <p:childTnLst>
+                                    <p:set>
+                                      <p:cBhvr>
+                                        <p:cTn id="13" dur="1" fill="hold">
+                                          <p:stCondLst>
+                                            <p:cond delay="0"/>
+                                          </p:stCondLst>
+                                        </p:cTn>
+                                        <p:tgtEl>
+                                          <p:spTgt spid="4">
+                                            <p:txEl>
+                                              <p:pRg st="2" end="2"/>
+                                            </p:txEl>
+                                          </p:spTgt>
+                                        </p:tgtEl>
+                                        <p:attrNameLst>
+                                          <p:attrName>style.visibility</p:attrName>
+                                        </p:attrNameLst>
+                                      </p:cBhvr>
+                                      <p:to>
+                                        <p:strVal val="visible"/>
+                                      </p:to>
+                                    </p:set>
+                                    <p:animEffect transition="in" filter="fade">
+                                      <p:cBhvr>
+                                        <p:cTn id="14" dur="1000"/>
+                                        <p:tgtEl>
+                                          <p:spTgt spid="4">
+                                            <p:txEl>
+                                              <p:pRg st="2" end="2"/>
+                                            </p:txEl>
+                                          </p:spTgt>
+                                        </p:tgtEl>
+                                      </p:cBhvr>
+                                    </p:animEffect>
+                                    <p:anim calcmode="lin" valueType="num">
+                                      <p:cBhvr>
+                                        <p:cTn id="15" dur="1000" fill="hold"/>
+                                        <p:tgtEl>
+                                          <p:spTgt spid="4">
+                                            <p:txEl>
+                                              <p:pRg st="2" end="2"/>
+                                            </p:txEl>
+                                          </p:spTgt>
+                                        </p:tgtEl>
+                                        <p:attrNameLst>
+                                          <p:attrName>ppt_x</p:attrName>
+                                        </p:attrNameLst>
+                                      </p:cBhvr>
+                                      <p:tavLst>
+                                        <p:tav tm="0">
+                                          <p:val>
+                                            <p:strVal val="#ppt_x"/>
+                                          </p:val>
+                                        </p:tav>
+                                        <p:tav tm="100000">
+                                          <p:val>
+                                            <p:strVal val="#ppt_x"/>
+                                          </p:val>
+                                        </p:tav>
+                                      </p:tavLst>
+                                    </p:anim>
+                                    <p:anim calcmode="lin" valueType="num">
+                                      <p:cBhvr>
+                                        <p:cTn id="16" dur="1000" fill="hold"/>
+                                        <p:tgtEl>
+                                          <p:spTgt spid="4">
+                                            <p:txEl>
+                                              <p:pRg st="2" end="2"/>
+                                            </p:txEl>
+                                          </p:spTgt>
+                                        </p:tgtEl>
+                                        <p:attrNameLst>
+                                          <p:attrName>ppt_y</p:attrName>
+                                        </p:attrNameLst>
+                                      </p:cBhvr>
+                                      <p:tavLst>
+                                        <p:tav tm="0">
+                                          <p:val>
+                                            <p:strVal val="#ppt_y+.1"/>
+                                          </p:val>
+                                        </p:tav>
+                                        <p:tav tm="100000">
+                                          <p:val>
+                                            <p:strVal val="#ppt_y"/>
+                                          </p:val>
+                                        </p:tav>
+                                      </p:tavLst>
+                                    </p:anim>
+                                  </p:childTnLst>
+                                </p:cTn>
+                              </p:par>
+                            </p:childTnLst>
+                          </p:cTn>
+                        </p:par>
+                      </p:childTnLst>
+                    </p:cTn>
+                  </p:par>
+                  <p:par>
+                    <p:cTn id="17" fill="hold">
+                      <p:stCondLst>
+                        <p:cond delay="indefinite"/>
+                      </p:stCondLst>
+                      <p:childTnLst>
+                        <p:par>
+                          <p:cTn id="18" fill="hold">
+                            <p:stCondLst>
+                              <p:cond delay="0"/>
+                            </p:stCondLst>
+                            <p:childTnLst>
+                              <p:par>
+                                <p:cTn id="19" presetID="42" presetClass="entr" presetSubtype="0" fill="hold" nodeType="clickEffect">
+                                  <p:stCondLst>
+                                    <p:cond delay="0"/>
+                                  </p:stCondLst>
+                                  <p:childTnLst>
+                                    <p:set>
+                                      <p:cBhvr>
+                                        <p:cTn id="20" dur="1" fill="hold">
+                                          <p:stCondLst>
+                                            <p:cond delay="0"/>
+                                          </p:stCondLst>
+                                        </p:cTn>
+                                        <p:tgtEl>
+                                          <p:spTgt spid="4">
+                                            <p:txEl>
+                                              <p:pRg st="4" end="4"/>
+                                            </p:txEl>
+                                          </p:spTgt>
+                                        </p:tgtEl>
+                                        <p:attrNameLst>
+                                          <p:attrName>style.visibility</p:attrName>
+                                        </p:attrNameLst>
+                                      </p:cBhvr>
+                                      <p:to>
+                                        <p:strVal val="visible"/>
+                                      </p:to>
+                                    </p:set>
+                                    <p:animEffect transition="in" filter="fade">
+                                      <p:cBhvr>
+                                        <p:cTn id="21" dur="1000"/>
+                                        <p:tgtEl>
+                                          <p:spTgt spid="4">
+                                            <p:txEl>
+                                              <p:pRg st="4" end="4"/>
+                                            </p:txEl>
+                                          </p:spTgt>
+                                        </p:tgtEl>
+                                      </p:cBhvr>
+                                    </p:animEffect>
+                                    <p:anim calcmode="lin" valueType="num">
+                                      <p:cBhvr>
+                                        <p:cTn id="22" dur="1000" fill="hold"/>
+                                        <p:tgtEl>
+                                          <p:spTgt spid="4">
+                                            <p:txEl>
+                                              <p:pRg st="4" end="4"/>
+                                            </p:txEl>
+                                          </p:spTgt>
+                                        </p:tgtEl>
+                                        <p:attrNameLst>
+                                          <p:attrName>ppt_x</p:attrName>
+                                        </p:attrNameLst>
+                                      </p:cBhvr>
+                                      <p:tavLst>
+                                        <p:tav tm="0">
+                                          <p:val>
+                                            <p:strVal val="#ppt_x"/>
+                                          </p:val>
+                                        </p:tav>
+                                        <p:tav tm="100000">
+                                          <p:val>
+                                            <p:strVal val="#ppt_x"/>
+                                          </p:val>
+                                        </p:tav>
+                                      </p:tavLst>
+                                    </p:anim>
+                                    <p:anim calcmode="lin" valueType="num">
+                                      <p:cBhvr>
+                                        <p:cTn id="23" dur="1000" fill="hold"/>
+                                        <p:tgtEl>
+                                          <p:spTgt spid="4">
+                                            <p:txEl>
+                                              <p:pRg st="4" end="4"/>
+                                            </p:txEl>
+                                          </p:spTgt>
+                                        </p:tgtEl>
+                                        <p:attrNameLst>
+                                          <p:attrName>ppt_y</p:attrName>
+                                        </p:attrNameLst>
+                                      </p:cBhvr>
+                                      <p:tavLst>
+                                        <p:tav tm="0">
+                                          <p:val>
+                                            <p:strVal val="#ppt_y+.1"/>
+                                          </p:val>
+                                        </p:tav>
+                                        <p:tav tm="100000">
+                                          <p:val>
+                                            <p:strVal val="#ppt_y"/>
+                                          </p:val>
+                                        </p:tav>
+                                      </p:tavLst>
+                                    </p:anim>
+                                  </p:childTnLst>
+                                </p:cTn>
+                              </p:par>
+                            </p:childTnLst>
+                          </p:cTn>
+                        </p:par>
+                      </p:childTnLst>
+                    </p:cTn>
+                  </p:par>
+                  <p:par>
+                    <p:cTn id="24" fill="hold">
+                      <p:stCondLst>
+                        <p:cond delay="indefinite"/>
+                      </p:stCondLst>
+                      <p:childTnLst>
+                        <p:par>
+                          <p:cTn id="25" fill="hold">
+                            <p:stCondLst>
+                              <p:cond delay="0"/>
+                            </p:stCondLst>
+                            <p:childTnLst>
+                              <p:par>
+                                <p:cTn id="26" presetID="42" presetClass="entr" presetSubtype="0" fill="hold" nodeType="clickEffect">
+                                  <p:stCondLst>
+                                    <p:cond delay="0"/>
+                                  </p:stCondLst>
+                                  <p:childTnLst>
+                                    <p:set>
+                                      <p:cBhvr>
+                                        <p:cTn id="27" dur="1" fill="hold">
+                                          <p:stCondLst>
+                                            <p:cond delay="0"/>
+                                          </p:stCondLst>
+                                        </p:cTn>
+                                        <p:tgtEl>
+                                          <p:spTgt spid="4">
+                                            <p:txEl>
+                                              <p:pRg st="6" end="6"/>
+                                            </p:txEl>
+                                          </p:spTgt>
+                                        </p:tgtEl>
+                                        <p:attrNameLst>
+                                          <p:attrName>style.visibility</p:attrName>
+                                        </p:attrNameLst>
+                                      </p:cBhvr>
+                                      <p:to>
+                                        <p:strVal val="visible"/>
+                                      </p:to>
+                                    </p:set>
+                                    <p:animEffect transition="in" filter="fade">
+                                      <p:cBhvr>
+                                        <p:cTn id="28" dur="1000"/>
+                                        <p:tgtEl>
+                                          <p:spTgt spid="4">
+                                            <p:txEl>
+                                              <p:pRg st="6" end="6"/>
+                                            </p:txEl>
+                                          </p:spTgt>
+                                        </p:tgtEl>
+                                      </p:cBhvr>
+                                    </p:animEffect>
+                                    <p:anim calcmode="lin" valueType="num">
+                                      <p:cBhvr>
+                                        <p:cTn id="29" dur="1000" fill="hold"/>
+                                        <p:tgtEl>
+                                          <p:spTgt spid="4">
+                                            <p:txEl>
+                                              <p:pRg st="6" end="6"/>
+                                            </p:txEl>
+                                          </p:spTgt>
+                                        </p:tgtEl>
+                                        <p:attrNameLst>
+                                          <p:attrName>ppt_x</p:attrName>
+                                        </p:attrNameLst>
+                                      </p:cBhvr>
+                                      <p:tavLst>
+                                        <p:tav tm="0">
+                                          <p:val>
+                                            <p:strVal val="#ppt_x"/>
+                                          </p:val>
+                                        </p:tav>
+                                        <p:tav tm="100000">
+                                          <p:val>
+                                            <p:strVal val="#ppt_x"/>
+                                          </p:val>
+                                        </p:tav>
+                                      </p:tavLst>
+                                    </p:anim>
+                                    <p:anim calcmode="lin" valueType="num">
+                                      <p:cBhvr>
+                                        <p:cTn id="30" dur="1000" fill="hold"/>
+                                        <p:tgtEl>
+                                          <p:spTgt spid="4">
+                                            <p:txEl>
+                                              <p:pRg st="6" end="6"/>
+                                            </p:txEl>
+                                          </p:spTgt>
+                                        </p:tgtEl>
+                                        <p:attrNameLst>
+                                          <p:attrName>ppt_y</p:attrName>
+                                        </p:attrNameLst>
+                                      </p:cBhvr>
+                                      <p:tavLst>
+                                        <p:tav tm="0">
+                                          <p:val>
+                                            <p:strVal val="#ppt_y+.1"/>
+                                          </p:val>
+                                        </p:tav>
+                                        <p:tav tm="100000">
+                                          <p:val>
+                                            <p:strVal val="#ppt_y"/>
+                                          </p:val>
+                                        </p:tav>
+                                      </p:tavLst>
+                                    </p:anim>
+                                  </p:childTnLst>
+                                </p:cTn>
+                              </p:par>
+                            </p:childTnLst>
+                          </p:cTn>
+                        </p:par>
+                      </p:childTnLst>
+                    </p:cTn>
+                  </p:par>
+                </p:childTnLst>
+              </p:cTn>
+              <p:prevCondLst>
+                <p:cond evt="onPrev" delay="0">
+                  <p:tgtEl>
+                    <p:sldTgt/>
+                  </p:tgtEl>
+                </p:cond>
+              </p:prevCondLst>
+              <p:nextCondLst>
+                <p:cond evt="onNext" delay="0">
+                  <p:tgtEl>
+                    <p:sldTgt/>
+                  </p:tgtEl>
+                </p:cond>
+              </p:nextCondLst>
+            </p:seq>
+          </p:childTnLst>
+        </p:cTn>
       </p:par>
     </p:tnLst>
   </p:timing>
 </p:sld>
 </file>
 
-<file path=ppt/slides/slide5.xml><?xml version="1.0" encoding="utf-8"?>
+<file path=ppt/slides/slide6.xml><?xml version="1.0" encoding="utf-8"?>
 <p:sld xmlns:a="http://schemas.openxmlformats.org/drawingml/2006/main" xmlns:r="http://schemas.openxmlformats.org/officeDocument/2006/relationships" xmlns:p="http://schemas.openxmlformats.org/presentationml/2006/main">
   <p:cSld>
     <p:spTree>
@@ -6676,9 +9395,6 @@
               </a:rPr>
               <a:t>Basic</a:t>
             </a:r>
-            <a:endParaRPr lang="en-US" sz="3000" b="1" dirty="0" smtClean="0">
-              <a:latin typeface="Avenir Medium"/>
-            </a:endParaRPr>
           </a:p>
           <a:p>
             <a:pPr marL="571500" indent="-571500">
@@ -6691,9 +9407,6 @@
               </a:rPr>
               <a:t>SQL Advanced</a:t>
             </a:r>
-            <a:endParaRPr lang="en-US" sz="3000" b="1" dirty="0" smtClean="0">
-              <a:latin typeface="Avenir Medium"/>
-            </a:endParaRPr>
           </a:p>
           <a:p>
             <a:pPr>
@@ -6704,17 +9417,8 @@
               <a:rPr lang="en-US" sz="3000" b="1" dirty="0" smtClean="0">
                 <a:latin typeface="Avenir Medium"/>
               </a:rPr>
-              <a:t>IV. </a:t>
-            </a:r>
-            <a:r>
-              <a:rPr lang="en-US" sz="3000" b="1" dirty="0" smtClean="0">
-                <a:latin typeface="Avenir Medium"/>
-              </a:rPr>
-              <a:t> SQL Extra  </a:t>
-            </a:r>
-            <a:endParaRPr lang="en-US" sz="3000" b="1" dirty="0" smtClean="0">
-              <a:latin typeface="Avenir Medium"/>
-            </a:endParaRPr>
+              <a:t>IV.  SQL Extra  </a:t>
+            </a:r>
           </a:p>
           <a:p>
             <a:pPr>
@@ -6725,19 +9429,7 @@
               <a:rPr lang="en-US" sz="3000" b="1" dirty="0" smtClean="0">
                 <a:latin typeface="Avenir Medium"/>
               </a:rPr>
-              <a:t>V. </a:t>
-            </a:r>
-            <a:r>
-              <a:rPr lang="en-US" sz="3000" b="1" dirty="0" smtClean="0">
-                <a:latin typeface="Avenir Medium"/>
-              </a:rPr>
-              <a:t>  </a:t>
-            </a:r>
-            <a:r>
-              <a:rPr lang="en-US" sz="3000" b="1" dirty="0" smtClean="0">
-                <a:latin typeface="Avenir Medium"/>
-              </a:rPr>
-              <a:t>MySQL </a:t>
+              <a:t>V.   MySQL </a:t>
             </a:r>
             <a:r>
               <a:rPr lang="en-US" sz="3000" b="1" dirty="0">
@@ -6755,19 +9447,7 @@
               <a:rPr lang="en-US" sz="3000" b="1" dirty="0" smtClean="0">
                 <a:latin typeface="Avenir Medium"/>
               </a:rPr>
-              <a:t>VI</a:t>
-            </a:r>
-            <a:r>
-              <a:rPr lang="en-US" sz="3000" b="1" dirty="0" smtClean="0">
-                <a:latin typeface="Avenir Medium"/>
-              </a:rPr>
-              <a:t>. </a:t>
-            </a:r>
-            <a:r>
-              <a:rPr lang="en-US" sz="3000" b="1" dirty="0" smtClean="0">
-                <a:latin typeface="Avenir Medium"/>
-              </a:rPr>
-              <a:t> SQL Performance, Security</a:t>
+              <a:t>VI.  SQL Performance, Security</a:t>
             </a:r>
             <a:endParaRPr lang="en-US" sz="3000" b="1" dirty="0">
               <a:latin typeface="Avenir Medium"/>
@@ -6890,241 +9570,6 @@
               </a:rPr>
               <a:t>SQL</a:t>
             </a:r>
-          </a:p>
-        </p:txBody>
-      </p:sp>
-    </p:spTree>
-    <p:extLst>
-      <p:ext uri="{BB962C8B-B14F-4D97-AF65-F5344CB8AC3E}">
-        <p14:creationId xmlns:p14="http://schemas.microsoft.com/office/powerpoint/2010/main" val="1848930604"/>
-      </p:ext>
-    </p:extLst>
-  </p:cSld>
-  <p:clrMapOvr>
-    <a:masterClrMapping/>
-  </p:clrMapOvr>
-  <mc:AlternateContent xmlns:mc="http://schemas.openxmlformats.org/markup-compatibility/2006" xmlns:p14="http://schemas.microsoft.com/office/powerpoint/2010/main">
-    <mc:Choice Requires="p14">
-      <p:transition p14:dur="100">
-        <p:cut/>
-      </p:transition>
-    </mc:Choice>
-    <mc:Fallback xmlns="">
-      <p:transition>
-        <p:cut/>
-      </p:transition>
-    </mc:Fallback>
-  </mc:AlternateContent>
-  <p:timing>
-    <p:tnLst>
-      <p:par>
-        <p:cTn id="1" dur="indefinite" restart="never" nodeType="tmRoot"/>
-      </p:par>
-    </p:tnLst>
-  </p:timing>
-</p:sld>
-</file>
-
-<file path=ppt/slides/slide6.xml><?xml version="1.0" encoding="utf-8"?>
-<p:sld xmlns:a="http://schemas.openxmlformats.org/drawingml/2006/main" xmlns:r="http://schemas.openxmlformats.org/officeDocument/2006/relationships" xmlns:p="http://schemas.openxmlformats.org/presentationml/2006/main">
-  <p:cSld>
-    <p:spTree>
-      <p:nvGrpSpPr>
-        <p:cNvPr id="1" name=""/>
-        <p:cNvGrpSpPr/>
-        <p:nvPr/>
-      </p:nvGrpSpPr>
-      <p:grpSpPr>
-        <a:xfrm>
-          <a:off x="0" y="0"/>
-          <a:ext cx="0" cy="0"/>
-          <a:chOff x="0" y="0"/>
-          <a:chExt cx="0" cy="0"/>
-        </a:xfrm>
-      </p:grpSpPr>
-      <p:sp>
-        <p:nvSpPr>
-          <p:cNvPr id="8193" name="Rectangle 2"/>
-          <p:cNvSpPr>
-            <a:spLocks noGrp="1" noChangeArrowheads="1"/>
-          </p:cNvSpPr>
-          <p:nvPr>
-            <p:ph type="title"/>
-          </p:nvPr>
-        </p:nvSpPr>
-        <p:spPr>
-          <a:xfrm>
-            <a:off x="457200" y="526822"/>
-            <a:ext cx="8229600" cy="739014"/>
-          </a:xfrm>
-        </p:spPr>
-        <p:txBody>
-          <a:bodyPr/>
-          <a:lstStyle/>
-          <a:p>
-            <a:r>
-              <a:rPr lang="en-US" dirty="0" smtClean="0">
-                <a:latin typeface="Avenir Medium"/>
-              </a:rPr>
-              <a:t>I. </a:t>
-            </a:r>
-            <a:r>
-              <a:rPr lang="en-US" dirty="0" smtClean="0">
-                <a:latin typeface="Avenir Medium"/>
-              </a:rPr>
-              <a:t>SQL DESIGN</a:t>
-            </a:r>
-            <a:endParaRPr lang="en-US" dirty="0">
-              <a:latin typeface="Avenir Medium"/>
-            </a:endParaRPr>
-          </a:p>
-        </p:txBody>
-      </p:sp>
-      <p:sp>
-        <p:nvSpPr>
-          <p:cNvPr id="4" name="Rectangle 3"/>
-          <p:cNvSpPr>
-            <a:spLocks noGrp="1" noChangeArrowheads="1"/>
-          </p:cNvSpPr>
-          <p:nvPr>
-            <p:ph idx="1"/>
-          </p:nvPr>
-        </p:nvSpPr>
-        <p:spPr>
-          <a:xfrm>
-            <a:off x="457200" y="1381465"/>
-            <a:ext cx="8229600" cy="4940266"/>
-          </a:xfrm>
-        </p:spPr>
-        <p:txBody>
-          <a:bodyPr/>
-          <a:lstStyle/>
-          <a:p>
-            <a:r>
-              <a:rPr lang="en-US" sz="3000" dirty="0" smtClean="0">
-                <a:latin typeface="Avenir Medium"/>
-              </a:rPr>
-              <a:t>SQL</a:t>
-            </a:r>
-            <a:endParaRPr lang="en-US" sz="3000" dirty="0">
-              <a:latin typeface="Avenir Medium"/>
-            </a:endParaRPr>
-          </a:p>
-        </p:txBody>
-      </p:sp>
-      <p:pic>
-        <p:nvPicPr>
-          <p:cNvPr id="5" name="Picture 60" descr="E:\PFiles\MSOffice\Clipart\standard\stddir4\pe01935_.wmf"/>
-          <p:cNvPicPr>
-            <a:picLocks noChangeAspect="1" noChangeArrowheads="1"/>
-          </p:cNvPicPr>
-          <p:nvPr/>
-        </p:nvPicPr>
-        <p:blipFill>
-          <a:blip r:embed="rId2" cstate="email">
-            <a:extLst>
-              <a:ext uri="{28A0092B-C50C-407E-A947-70E740481C1C}">
-                <a14:useLocalDpi xmlns:a14="http://schemas.microsoft.com/office/drawing/2010/main" val="0"/>
-              </a:ext>
-            </a:extLst>
-          </a:blip>
-          <a:srcRect/>
-          <a:stretch>
-            <a:fillRect/>
-          </a:stretch>
-        </p:blipFill>
-        <p:spPr bwMode="auto">
-          <a:xfrm>
-            <a:off x="6721287" y="526822"/>
-            <a:ext cx="2422713" cy="2619149"/>
-          </a:xfrm>
-          <a:prstGeom prst="rect">
-            <a:avLst/>
-          </a:prstGeom>
-          <a:noFill/>
-          <a:extLst>
-            <a:ext uri="{909E8E84-426E-40DD-AFC4-6F175D3DCCD1}">
-              <a14:hiddenFill xmlns:a14="http://schemas.microsoft.com/office/drawing/2010/main">
-                <a:solidFill>
-                  <a:srgbClr val="FFFFFF"/>
-                </a:solidFill>
-              </a14:hiddenFill>
-            </a:ext>
-          </a:extLst>
-        </p:spPr>
-      </p:pic>
-      <p:sp>
-        <p:nvSpPr>
-          <p:cNvPr id="6" name="Text Box 5"/>
-          <p:cNvSpPr txBox="1">
-            <a:spLocks noChangeArrowheads="1"/>
-          </p:cNvSpPr>
-          <p:nvPr/>
-        </p:nvSpPr>
-        <p:spPr bwMode="auto">
-          <a:xfrm rot="21375478">
-            <a:off x="7691088" y="965264"/>
-            <a:ext cx="1506358" cy="492443"/>
-          </a:xfrm>
-          <a:prstGeom prst="rect">
-            <a:avLst/>
-          </a:prstGeom>
-          <a:noFill/>
-          <a:ln>
-            <a:noFill/>
-          </a:ln>
-          <a:effectLst/>
-          <a:extLst>
-            <a:ext uri="{909E8E84-426E-40DD-AFC4-6F175D3DCCD1}">
-              <a14:hiddenFill xmlns:a14="http://schemas.microsoft.com/office/drawing/2010/main">
-                <a:solidFill>
-                  <a:schemeClr val="accent1"/>
-                </a:solidFill>
-              </a14:hiddenFill>
-            </a:ext>
-            <a:ext uri="{91240B29-F687-4F45-9708-019B960494DF}">
-              <a14:hiddenLine xmlns:a14="http://schemas.microsoft.com/office/drawing/2010/main" w="9525">
-                <a:solidFill>
-                  <a:schemeClr val="tx1"/>
-                </a:solidFill>
-                <a:miter lim="800000"/>
-                <a:headEnd/>
-                <a:tailEnd/>
-              </a14:hiddenLine>
-            </a:ext>
-            <a:ext uri="{AF507438-7753-43E0-B8FC-AC1667EBCBE1}">
-              <a14:hiddenEffects xmlns:a14="http://schemas.microsoft.com/office/drawing/2010/main">
-                <a:effectLst>
-                  <a:outerShdw dist="35921" dir="2700000" algn="ctr" rotWithShape="0">
-                    <a:srgbClr val="808080"/>
-                  </a:outerShdw>
-                </a:effectLst>
-              </a14:hiddenEffects>
-            </a:ext>
-          </a:extLst>
-        </p:spPr>
-        <p:txBody>
-          <a:bodyPr wrap="square">
-            <a:spAutoFit/>
-          </a:bodyPr>
-          <a:lstStyle/>
-          <a:p>
-            <a:pPr>
-              <a:spcBef>
-                <a:spcPct val="50000"/>
-              </a:spcBef>
-              <a:buFontTx/>
-              <a:buNone/>
-            </a:pPr>
-            <a:r>
-              <a:rPr kumimoji="0" lang="en-US" sz="2600" b="1" dirty="0" smtClean="0">
-                <a:latin typeface="Comic Sans MS" panose="030F0702030302020204" pitchFamily="66" charset="0"/>
-              </a:rPr>
-              <a:t>S    L</a:t>
-            </a:r>
-            <a:endParaRPr kumimoji="0" lang="en-US" sz="2600" b="1" dirty="0">
-              <a:latin typeface="Comic Sans MS" panose="030F0702030302020204" pitchFamily="66" charset="0"/>
-            </a:endParaRPr>
           </a:p>
         </p:txBody>
       </p:sp>
@@ -7198,22 +9643,10 @@
           <a:lstStyle/>
           <a:p>
             <a:r>
-              <a:rPr lang="en-US" smtClean="0">
-                <a:latin typeface="Avenir Medium"/>
-              </a:rPr>
-              <a:t>II</a:t>
-            </a:r>
-            <a:r>
               <a:rPr lang="en-US" dirty="0" smtClean="0">
                 <a:latin typeface="Avenir Medium"/>
               </a:rPr>
-              <a:t>. SQL </a:t>
-            </a:r>
-            <a:r>
-              <a:rPr lang="en-US" dirty="0" smtClean="0">
-                <a:latin typeface="Avenir Medium"/>
-              </a:rPr>
-              <a:t>Basic</a:t>
+              <a:t>I. SQL DESIGN</a:t>
             </a:r>
             <a:endParaRPr lang="en-US" dirty="0">
               <a:latin typeface="Avenir Medium"/>
@@ -7242,59 +9675,45 @@
           <a:lstStyle/>
           <a:p>
             <a:r>
+              <a:rPr lang="en-US" sz="3200" dirty="0"/>
+              <a:t>SQL </a:t>
+            </a:r>
+            <a:r>
+              <a:rPr lang="en-US" sz="3200" dirty="0" smtClean="0"/>
+              <a:t>Environment</a:t>
+            </a:r>
+          </a:p>
+          <a:p>
+            <a:pPr lvl="1"/>
+            <a:r>
+              <a:rPr lang="en-US" sz="2600" dirty="0" err="1" smtClean="0">
+                <a:latin typeface="Avenir Medium"/>
+              </a:rPr>
+              <a:t>Catelog</a:t>
+            </a:r>
+            <a:r>
+              <a:rPr lang="en-US" sz="2600" dirty="0" smtClean="0">
+                <a:latin typeface="Avenir Medium"/>
+              </a:rPr>
+              <a:t>, Schema, DDL, DML, DCL</a:t>
+            </a:r>
+          </a:p>
+          <a:p>
+            <a:r>
               <a:rPr lang="en-US" sz="3000" dirty="0" smtClean="0">
                 <a:latin typeface="Avenir Medium"/>
               </a:rPr>
-              <a:t>SQL Select</a:t>
-            </a:r>
-            <a:endParaRPr lang="en-US" sz="3000" dirty="0" smtClean="0">
+              <a:t>SQL</a:t>
+            </a:r>
+            <a:endParaRPr lang="en-US" sz="3000" dirty="0">
               <a:latin typeface="Avenir Medium"/>
             </a:endParaRPr>
           </a:p>
-          <a:p>
-            <a:r>
-              <a:rPr lang="en-US" sz="3000" dirty="0">
-                <a:latin typeface="Avenir Medium"/>
-              </a:rPr>
-              <a:t>SQL Delete</a:t>
-            </a:r>
-            <a:endParaRPr lang="en-US" sz="3000" dirty="0" smtClean="0">
-              <a:latin typeface="Avenir Medium"/>
-            </a:endParaRPr>
-          </a:p>
-          <a:p>
-            <a:r>
-              <a:rPr lang="en-US" sz="3000" dirty="0">
-                <a:latin typeface="Avenir Medium"/>
-              </a:rPr>
-              <a:t>SQL Update</a:t>
-            </a:r>
-            <a:endParaRPr lang="en-US" sz="3000" dirty="0" smtClean="0">
-              <a:latin typeface="Avenir Medium"/>
-            </a:endParaRPr>
-          </a:p>
-          <a:p>
-            <a:r>
-              <a:rPr lang="en-US" sz="3000" dirty="0">
-                <a:latin typeface="Avenir Medium"/>
-              </a:rPr>
-              <a:t>SQL </a:t>
-            </a:r>
-            <a:r>
-              <a:rPr lang="en-US" sz="3000" dirty="0" smtClean="0">
-                <a:latin typeface="Avenir Medium"/>
-              </a:rPr>
-              <a:t>Alter</a:t>
-            </a:r>
-            <a:endParaRPr lang="en-US" sz="3000" dirty="0" smtClean="0">
-              <a:latin typeface="Avenir Medium"/>
-            </a:endParaRPr>
-          </a:p>
         </p:txBody>
       </p:sp>
       <p:pic>
         <p:nvPicPr>
-          <p:cNvPr id="5" name="Picture 12" descr="C:\Program Files\Microsoft Office\Clipart\standard\stddir4\pe01946_.wmf"/>
+          <p:cNvPr id="5" name="Picture 60" descr="E:\PFiles\MSOffice\Clipart\standard\stddir4\pe01935_.wmf"/>
           <p:cNvPicPr>
             <a:picLocks noChangeAspect="1" noChangeArrowheads="1"/>
           </p:cNvPicPr>
@@ -7315,8 +9734,8 @@
         </p:blipFill>
         <p:spPr bwMode="auto">
           <a:xfrm>
-            <a:off x="6102771" y="3546619"/>
-            <a:ext cx="3018745" cy="3108960"/>
+            <a:off x="6721287" y="526822"/>
+            <a:ext cx="2422713" cy="2619149"/>
           </a:xfrm>
           <a:prstGeom prst="rect">
             <a:avLst/>
@@ -7335,16 +9754,16 @@
       </p:pic>
       <p:sp>
         <p:nvSpPr>
-          <p:cNvPr id="7" name="Text Box 5"/>
+          <p:cNvPr id="6" name="Text Box 5"/>
           <p:cNvSpPr txBox="1">
             <a:spLocks noChangeArrowheads="1"/>
           </p:cNvSpPr>
           <p:nvPr/>
         </p:nvSpPr>
         <p:spPr bwMode="auto">
-          <a:xfrm rot="18848352">
-            <a:off x="7542218" y="5316525"/>
-            <a:ext cx="1506358" cy="400110"/>
+          <a:xfrm rot="21375478">
+            <a:off x="7691088" y="965264"/>
+            <a:ext cx="1506358" cy="492443"/>
           </a:xfrm>
           <a:prstGeom prst="rect">
             <a:avLst/>
@@ -7397,18 +9816,21 @@
               <a:buNone/>
             </a:pPr>
             <a:r>
-              <a:rPr kumimoji="0" lang="en-US" sz="2000" b="1" dirty="0">
+              <a:rPr kumimoji="0" lang="en-US" sz="2600" b="1" dirty="0" smtClean="0">
                 <a:latin typeface="Comic Sans MS" panose="030F0702030302020204" pitchFamily="66" charset="0"/>
               </a:rPr>
-              <a:t>SQL</a:t>
-            </a:r>
+              <a:t>S    L</a:t>
+            </a:r>
+            <a:endParaRPr kumimoji="0" lang="en-US" sz="2600" b="1" dirty="0">
+              <a:latin typeface="Comic Sans MS" panose="030F0702030302020204" pitchFamily="66" charset="0"/>
+            </a:endParaRPr>
           </a:p>
         </p:txBody>
       </p:sp>
     </p:spTree>
     <p:extLst>
       <p:ext uri="{BB962C8B-B14F-4D97-AF65-F5344CB8AC3E}">
-        <p14:creationId xmlns:p14="http://schemas.microsoft.com/office/powerpoint/2010/main" val="316832876"/>
+        <p14:creationId xmlns:p14="http://schemas.microsoft.com/office/powerpoint/2010/main" val="1848930604"/>
       </p:ext>
     </p:extLst>
   </p:cSld>
@@ -7475,10 +9897,16 @@
           <a:lstStyle/>
           <a:p>
             <a:r>
+              <a:rPr lang="en-US" smtClean="0">
+                <a:latin typeface="Avenir Medium"/>
+              </a:rPr>
+              <a:t>II</a:t>
+            </a:r>
+            <a:r>
               <a:rPr lang="en-US" dirty="0" smtClean="0">
                 <a:latin typeface="Avenir Medium"/>
               </a:rPr>
-              <a:t>III. SQL Advanced</a:t>
+              <a:t>. SQL Basic</a:t>
             </a:r>
             <a:endParaRPr lang="en-US" dirty="0">
               <a:latin typeface="Avenir Medium"/>
@@ -7510,13 +9938,15 @@
               <a:rPr lang="en-US" sz="3000" dirty="0" smtClean="0">
                 <a:latin typeface="Avenir Medium"/>
               </a:rPr>
-              <a:t>SQL </a:t>
-            </a:r>
-            <a:r>
-              <a:rPr lang="en-US" sz="3000" dirty="0" err="1" smtClean="0">
-                <a:latin typeface="Avenir Medium"/>
-              </a:rPr>
-              <a:t>Subqueries</a:t>
+              <a:t>SQL Select</a:t>
+            </a:r>
+          </a:p>
+          <a:p>
+            <a:r>
+              <a:rPr lang="en-US" sz="3000" dirty="0">
+                <a:latin typeface="Avenir Medium"/>
+              </a:rPr>
+              <a:t>SQL Delete</a:t>
             </a:r>
             <a:endParaRPr lang="en-US" sz="3000" dirty="0" smtClean="0">
               <a:latin typeface="Avenir Medium"/>
@@ -7527,13 +9957,7 @@
               <a:rPr lang="en-US" sz="3000" dirty="0">
                 <a:latin typeface="Avenir Medium"/>
               </a:rPr>
-              <a:t>SQL </a:t>
-            </a:r>
-            <a:r>
-              <a:rPr lang="en-US" sz="3000" dirty="0" smtClean="0">
-                <a:latin typeface="Avenir Medium"/>
-              </a:rPr>
-              <a:t>Join</a:t>
+              <a:t>SQL Update</a:t>
             </a:r>
             <a:endParaRPr lang="en-US" sz="3000" dirty="0" smtClean="0">
               <a:latin typeface="Avenir Medium"/>
@@ -7550,61 +9974,14 @@
               <a:rPr lang="en-US" sz="3000" dirty="0" smtClean="0">
                 <a:latin typeface="Avenir Medium"/>
               </a:rPr>
-              <a:t>Union</a:t>
-            </a:r>
-            <a:endParaRPr lang="en-US" sz="3000" dirty="0" smtClean="0">
-              <a:latin typeface="Avenir Medium"/>
-            </a:endParaRPr>
-          </a:p>
-          <a:p>
-            <a:r>
-              <a:rPr lang="en-US" sz="3000" dirty="0">
-                <a:latin typeface="Avenir Medium"/>
-              </a:rPr>
-              <a:t>SQL </a:t>
-            </a:r>
-            <a:r>
-              <a:rPr lang="en-US" sz="3000" dirty="0" smtClean="0">
-                <a:latin typeface="Avenir Medium"/>
-              </a:rPr>
-              <a:t>Procedures</a:t>
-            </a:r>
-          </a:p>
-          <a:p>
-            <a:r>
-              <a:rPr lang="en-US" sz="3000" dirty="0">
-                <a:latin typeface="Avenir Medium"/>
-              </a:rPr>
-              <a:t>SQL </a:t>
-            </a:r>
-            <a:r>
-              <a:rPr lang="en-US" sz="3000" dirty="0" smtClean="0">
-                <a:latin typeface="Avenir Medium"/>
-              </a:rPr>
-              <a:t>View</a:t>
-            </a:r>
-          </a:p>
-          <a:p>
-            <a:r>
-              <a:rPr lang="en-US" sz="3000" dirty="0" smtClean="0">
-                <a:latin typeface="Avenir Medium"/>
-              </a:rPr>
-              <a:t>SQL Transactions</a:t>
-            </a:r>
-            <a:endParaRPr lang="en-US" sz="3000" dirty="0">
-              <a:latin typeface="Avenir Medium"/>
-            </a:endParaRPr>
-          </a:p>
-          <a:p>
-            <a:endParaRPr lang="en-US" sz="3000" dirty="0" smtClean="0">
-              <a:latin typeface="Avenir Medium"/>
-            </a:endParaRPr>
+              <a:t>Alter</a:t>
+            </a:r>
           </a:p>
         </p:txBody>
       </p:sp>
       <p:pic>
         <p:nvPicPr>
-          <p:cNvPr id="5" name="Picture 69" descr="E:\PFiles\MSOffice\Clipart\standard\stddir4\pe03533_.wmf"/>
+          <p:cNvPr id="5" name="Picture 12" descr="C:\Program Files\Microsoft Office\Clipart\standard\stddir4\pe01946_.wmf"/>
           <p:cNvPicPr>
             <a:picLocks noChangeAspect="1" noChangeArrowheads="1"/>
           </p:cNvPicPr>
@@ -7625,8 +10002,8 @@
         </p:blipFill>
         <p:spPr bwMode="auto">
           <a:xfrm>
-            <a:off x="5305413" y="3799114"/>
-            <a:ext cx="3414045" cy="2536825"/>
+            <a:off x="6102771" y="3546619"/>
+            <a:ext cx="3018745" cy="3108960"/>
           </a:xfrm>
           <a:prstGeom prst="rect">
             <a:avLst/>
@@ -7645,16 +10022,16 @@
       </p:pic>
       <p:sp>
         <p:nvSpPr>
-          <p:cNvPr id="6" name="Text Box 5"/>
+          <p:cNvPr id="7" name="Text Box 5"/>
           <p:cNvSpPr txBox="1">
             <a:spLocks noChangeArrowheads="1"/>
           </p:cNvSpPr>
           <p:nvPr/>
         </p:nvSpPr>
         <p:spPr bwMode="auto">
-          <a:xfrm rot="21290841">
-            <a:off x="5550132" y="4252347"/>
-            <a:ext cx="1506358" cy="307777"/>
+          <a:xfrm rot="18848352">
+            <a:off x="7542218" y="5316525"/>
+            <a:ext cx="1506358" cy="400110"/>
           </a:xfrm>
           <a:prstGeom prst="rect">
             <a:avLst/>
@@ -7707,7 +10084,7 @@
               <a:buNone/>
             </a:pPr>
             <a:r>
-              <a:rPr kumimoji="0" lang="en-US" sz="1400" b="1" dirty="0">
+              <a:rPr kumimoji="0" lang="en-US" sz="2000" b="1" dirty="0">
                 <a:latin typeface="Comic Sans MS" panose="030F0702030302020204" pitchFamily="66" charset="0"/>
               </a:rPr>
               <a:t>SQL</a:t>
@@ -7718,7 +10095,7 @@
     </p:spTree>
     <p:extLst>
       <p:ext uri="{BB962C8B-B14F-4D97-AF65-F5344CB8AC3E}">
-        <p14:creationId xmlns:p14="http://schemas.microsoft.com/office/powerpoint/2010/main" val="2079503487"/>
+        <p14:creationId xmlns:p14="http://schemas.microsoft.com/office/powerpoint/2010/main" val="316832876"/>
       </p:ext>
     </p:extLst>
   </p:cSld>
@@ -7788,7 +10165,7 @@
               <a:rPr lang="en-US" dirty="0" smtClean="0">
                 <a:latin typeface="Avenir Medium"/>
               </a:rPr>
-              <a:t>IV. SQL Extra</a:t>
+              <a:t>III. SQL Advanced</a:t>
             </a:r>
             <a:endParaRPr lang="en-US" dirty="0">
               <a:latin typeface="Avenir Medium"/>
@@ -7845,76 +10222,70 @@
               </a:rPr>
               <a:t>Join</a:t>
             </a:r>
+          </a:p>
+          <a:p>
+            <a:r>
+              <a:rPr lang="en-US" sz="3000" dirty="0">
+                <a:latin typeface="Avenir Medium"/>
+              </a:rPr>
+              <a:t>SQL </a:t>
+            </a:r>
+            <a:r>
+              <a:rPr lang="en-US" sz="3000" dirty="0" smtClean="0">
+                <a:latin typeface="Avenir Medium"/>
+              </a:rPr>
+              <a:t>Union</a:t>
+            </a:r>
+          </a:p>
+          <a:p>
+            <a:r>
+              <a:rPr lang="en-US" sz="3000" dirty="0">
+                <a:latin typeface="Avenir Medium"/>
+              </a:rPr>
+              <a:t>SQL </a:t>
+            </a:r>
+            <a:r>
+              <a:rPr lang="en-US" sz="3000" dirty="0" smtClean="0">
+                <a:latin typeface="Avenir Medium"/>
+              </a:rPr>
+              <a:t>Procedures</a:t>
+            </a:r>
+          </a:p>
+          <a:p>
+            <a:r>
+              <a:rPr lang="en-US" sz="3000" dirty="0">
+                <a:latin typeface="Avenir Medium"/>
+              </a:rPr>
+              <a:t>SQL </a:t>
+            </a:r>
+            <a:r>
+              <a:rPr lang="en-US" sz="3000" dirty="0" smtClean="0">
+                <a:latin typeface="Avenir Medium"/>
+              </a:rPr>
+              <a:t>View</a:t>
+            </a:r>
+          </a:p>
+          <a:p>
+            <a:r>
+              <a:rPr lang="en-US" sz="3000" dirty="0" smtClean="0">
+                <a:latin typeface="Avenir Medium"/>
+              </a:rPr>
+              <a:t>SQL Transactions</a:t>
+            </a:r>
+            <a:endParaRPr lang="en-US" sz="3000" dirty="0">
+              <a:latin typeface="Avenir Medium"/>
+            </a:endParaRPr>
+          </a:p>
+          <a:p>
             <a:endParaRPr lang="en-US" sz="3000" dirty="0" smtClean="0">
               <a:latin typeface="Avenir Medium"/>
             </a:endParaRPr>
           </a:p>
-          <a:p>
-            <a:r>
-              <a:rPr lang="en-US" sz="3000" dirty="0">
-                <a:latin typeface="Avenir Medium"/>
-              </a:rPr>
-              <a:t>SQL </a:t>
-            </a:r>
-            <a:r>
-              <a:rPr lang="en-US" sz="3000" dirty="0" smtClean="0">
-                <a:latin typeface="Avenir Medium"/>
-              </a:rPr>
-              <a:t>Union</a:t>
-            </a:r>
-            <a:endParaRPr lang="en-US" sz="3000" dirty="0" smtClean="0">
-              <a:latin typeface="Avenir Medium"/>
-            </a:endParaRPr>
-          </a:p>
-          <a:p>
-            <a:r>
-              <a:rPr lang="en-US" sz="3000" dirty="0">
-                <a:latin typeface="Avenir Medium"/>
-              </a:rPr>
-              <a:t>SQL </a:t>
-            </a:r>
-            <a:r>
-              <a:rPr lang="en-US" sz="3000" dirty="0" smtClean="0">
-                <a:latin typeface="Avenir Medium"/>
-              </a:rPr>
-              <a:t>Procedures</a:t>
-            </a:r>
-          </a:p>
-          <a:p>
-            <a:r>
-              <a:rPr lang="en-US" sz="3000" dirty="0">
-                <a:latin typeface="Avenir Medium"/>
-              </a:rPr>
-              <a:t>SQL </a:t>
-            </a:r>
-            <a:r>
-              <a:rPr lang="en-US" sz="3000" dirty="0" smtClean="0">
-                <a:latin typeface="Avenir Medium"/>
-              </a:rPr>
-              <a:t>View</a:t>
-            </a:r>
-          </a:p>
-          <a:p>
-            <a:r>
-              <a:rPr lang="en-US" sz="3000" dirty="0" smtClean="0">
-                <a:latin typeface="Avenir Medium"/>
-              </a:rPr>
-              <a:t>SQL Transactions</a:t>
-            </a:r>
-            <a:endParaRPr lang="en-US" sz="3000" dirty="0">
-              <a:latin typeface="Avenir Medium"/>
-            </a:endParaRPr>
-          </a:p>
-          <a:p>
-            <a:endParaRPr lang="en-US" sz="3000" dirty="0" smtClean="0">
-              <a:latin typeface="Avenir Medium"/>
-            </a:endParaRPr>
-          </a:p>
         </p:txBody>
       </p:sp>
       <p:pic>
         <p:nvPicPr>
-          <p:cNvPr id="5" name="Picture 14" descr="C:\Program Files\Microsoft Office\Clipart\standard\stddir3\pe01628_.wmf"/>
+          <p:cNvPr id="5" name="Picture 69" descr="E:\PFiles\MSOffice\Clipart\standard\stddir4\pe03533_.wmf"/>
           <p:cNvPicPr>
             <a:picLocks noChangeAspect="1" noChangeArrowheads="1"/>
           </p:cNvPicPr>
@@ -7935,8 +10306,8 @@
         </p:blipFill>
         <p:spPr bwMode="auto">
           <a:xfrm>
-            <a:off x="6052458" y="3923042"/>
-            <a:ext cx="2804432" cy="2514318"/>
+            <a:off x="5305413" y="3799114"/>
+            <a:ext cx="3414045" cy="2536825"/>
           </a:xfrm>
           <a:prstGeom prst="rect">
             <a:avLst/>
@@ -7962,9 +10333,9 @@
           <p:nvPr/>
         </p:nvSpPr>
         <p:spPr bwMode="auto">
-          <a:xfrm>
-            <a:off x="6425961" y="4116188"/>
-            <a:ext cx="1506358" cy="338554"/>
+          <a:xfrm rot="21290841">
+            <a:off x="5550132" y="4252347"/>
+            <a:ext cx="1506358" cy="307777"/>
           </a:xfrm>
           <a:prstGeom prst="rect">
             <a:avLst/>
@@ -8017,7 +10388,7 @@
               <a:buNone/>
             </a:pPr>
             <a:r>
-              <a:rPr kumimoji="0" lang="en-US" sz="1600" b="1" dirty="0">
+              <a:rPr kumimoji="0" lang="en-US" sz="1400" b="1" dirty="0">
                 <a:latin typeface="Comic Sans MS" panose="030F0702030302020204" pitchFamily="66" charset="0"/>
               </a:rPr>
               <a:t>SQL</a:t>
@@ -8028,7 +10399,7 @@
     </p:spTree>
     <p:extLst>
       <p:ext uri="{BB962C8B-B14F-4D97-AF65-F5344CB8AC3E}">
-        <p14:creationId xmlns:p14="http://schemas.microsoft.com/office/powerpoint/2010/main" val="3407408495"/>
+        <p14:creationId xmlns:p14="http://schemas.microsoft.com/office/powerpoint/2010/main" val="2079503487"/>
       </p:ext>
     </p:extLst>
   </p:cSld>

--- a/QS_Training_SQL_Overview.pptx
+++ b/QS_Training_SQL_Overview.pptx
@@ -5402,7 +5402,7 @@
         </p:nvSpPr>
         <p:spPr>
           <a:xfrm>
-            <a:off x="457200" y="526822"/>
+            <a:off x="-676275" y="526822"/>
             <a:ext cx="8229600" cy="739014"/>
           </a:xfrm>
         </p:spPr>
@@ -5414,7 +5414,19 @@
               <a:rPr lang="en-US" dirty="0" smtClean="0">
                 <a:latin typeface="Avenir Medium"/>
               </a:rPr>
-              <a:t>IV. SQL Extra</a:t>
+              <a:t>IV. </a:t>
+            </a:r>
+            <a:r>
+              <a:rPr lang="en-US" dirty="0">
+                <a:latin typeface="Avenir Medium"/>
+              </a:rPr>
+              <a:t>MySQL </a:t>
+            </a:r>
+            <a:r>
+              <a:rPr lang="en-US" dirty="0" smtClean="0">
+                <a:latin typeface="Avenir Medium"/>
+              </a:rPr>
+              <a:t>Database</a:t>
             </a:r>
             <a:endParaRPr lang="en-US" dirty="0">
               <a:latin typeface="Avenir Medium"/>
@@ -5443,85 +5455,52 @@
           <a:lstStyle/>
           <a:p>
             <a:r>
-              <a:rPr lang="en-US" sz="3000" dirty="0" smtClean="0">
-                <a:latin typeface="Avenir Medium"/>
-              </a:rPr>
-              <a:t>SQL </a:t>
-            </a:r>
-            <a:r>
-              <a:rPr lang="en-US" sz="3000" dirty="0" err="1" smtClean="0">
-                <a:latin typeface="Avenir Medium"/>
-              </a:rPr>
-              <a:t>Subqueries</a:t>
-            </a:r>
-            <a:endParaRPr lang="en-US" sz="3000" dirty="0" smtClean="0">
+              <a:rPr lang="en-US" sz="2800" dirty="0" smtClean="0">
+                <a:latin typeface="Avenir Medium"/>
+              </a:rPr>
+              <a:t>MySQL</a:t>
+            </a:r>
+            <a:r>
+              <a:rPr lang="vi-VN" sz="2800" dirty="0" smtClean="0">
+                <a:latin typeface="Avenir Medium"/>
+              </a:rPr>
+              <a:t> Definition</a:t>
+            </a:r>
+            <a:endParaRPr lang="vi-VN" sz="2800" dirty="0" smtClean="0">
               <a:latin typeface="Avenir Medium"/>
             </a:endParaRPr>
           </a:p>
           <a:p>
             <a:r>
-              <a:rPr lang="en-US" sz="3000" dirty="0">
-                <a:latin typeface="Avenir Medium"/>
-              </a:rPr>
-              <a:t>SQL </a:t>
-            </a:r>
-            <a:r>
-              <a:rPr lang="en-US" sz="3000" dirty="0" smtClean="0">
-                <a:latin typeface="Avenir Medium"/>
-              </a:rPr>
-              <a:t>Join</a:t>
-            </a:r>
-          </a:p>
-          <a:p>
-            <a:r>
-              <a:rPr lang="en-US" sz="3000" dirty="0">
-                <a:latin typeface="Avenir Medium"/>
-              </a:rPr>
-              <a:t>SQL </a:t>
-            </a:r>
-            <a:r>
-              <a:rPr lang="en-US" sz="3000" dirty="0" smtClean="0">
-                <a:latin typeface="Avenir Medium"/>
-              </a:rPr>
-              <a:t>Union</a:t>
-            </a:r>
-          </a:p>
-          <a:p>
-            <a:r>
-              <a:rPr lang="en-US" sz="3000" dirty="0">
-                <a:latin typeface="Avenir Medium"/>
-              </a:rPr>
-              <a:t>SQL </a:t>
-            </a:r>
-            <a:r>
-              <a:rPr lang="en-US" sz="3000" dirty="0" smtClean="0">
-                <a:latin typeface="Avenir Medium"/>
-              </a:rPr>
-              <a:t>Procedures</a:t>
-            </a:r>
-          </a:p>
-          <a:p>
-            <a:r>
-              <a:rPr lang="en-US" sz="3000" dirty="0">
-                <a:latin typeface="Avenir Medium"/>
-              </a:rPr>
-              <a:t>SQL </a:t>
-            </a:r>
-            <a:r>
-              <a:rPr lang="en-US" sz="3000" dirty="0" smtClean="0">
-                <a:latin typeface="Avenir Medium"/>
-              </a:rPr>
-              <a:t>View</a:t>
-            </a:r>
-          </a:p>
-          <a:p>
-            <a:r>
-              <a:rPr lang="en-US" sz="3000" dirty="0" smtClean="0">
-                <a:latin typeface="Avenir Medium"/>
-              </a:rPr>
-              <a:t>SQL Transactions</a:t>
-            </a:r>
-            <a:endParaRPr lang="en-US" sz="3000" dirty="0">
+              <a:rPr lang="en-US" sz="2800" dirty="0">
+                <a:latin typeface="Avenir Medium"/>
+              </a:rPr>
+              <a:t>MySQL</a:t>
+            </a:r>
+            <a:r>
+              <a:rPr lang="vi-VN" sz="2800" dirty="0">
+                <a:latin typeface="Avenir Medium"/>
+              </a:rPr>
+              <a:t> </a:t>
+            </a:r>
+            <a:r>
+              <a:rPr lang="vi-VN" sz="2800" dirty="0" smtClean="0">
+                <a:latin typeface="Avenir Medium"/>
+              </a:rPr>
+              <a:t>Usages</a:t>
+            </a:r>
+            <a:endParaRPr lang="en-US" sz="2800" dirty="0" smtClean="0">
+              <a:latin typeface="Avenir Medium"/>
+            </a:endParaRPr>
+          </a:p>
+          <a:p>
+            <a:r>
+              <a:rPr lang="vi-VN" sz="2800" dirty="0" smtClean="0">
+                <a:latin typeface="Avenir Medium"/>
+              </a:rPr>
+              <a:t>MySQL compares with PostgreSQL, Sqlite, MSSQL</a:t>
+            </a:r>
+            <a:endParaRPr lang="en-US" sz="2800" dirty="0" smtClean="0">
               <a:latin typeface="Avenir Medium"/>
             </a:endParaRPr>
           </a:p>
@@ -5706,7 +5685,7 @@
         </p:nvSpPr>
         <p:spPr>
           <a:xfrm>
-            <a:off x="457200" y="526822"/>
+            <a:off x="-685800" y="526822"/>
             <a:ext cx="8229600" cy="739014"/>
           </a:xfrm>
         </p:spPr>
@@ -5718,7 +5697,19 @@
               <a:rPr lang="en-US" dirty="0" smtClean="0">
                 <a:latin typeface="Avenir Medium"/>
               </a:rPr>
-              <a:t>V. MySQL Database</a:t>
+              <a:t>V. </a:t>
+            </a:r>
+            <a:r>
+              <a:rPr lang="en-US" dirty="0">
+                <a:latin typeface="Avenir Medium"/>
+              </a:rPr>
+              <a:t>SQL </a:t>
+            </a:r>
+            <a:r>
+              <a:rPr lang="vi-VN" dirty="0">
+                <a:latin typeface="Avenir Medium"/>
+              </a:rPr>
+              <a:t>Performance</a:t>
             </a:r>
             <a:endParaRPr lang="en-US" dirty="0">
               <a:latin typeface="Avenir Medium"/>
@@ -5859,7 +5850,7 @@
         </p:blipFill>
         <p:spPr bwMode="auto">
           <a:xfrm>
-            <a:off x="6226629" y="3905006"/>
+            <a:off x="6226629" y="3981206"/>
             <a:ext cx="2634343" cy="2725834"/>
           </a:xfrm>
           <a:prstGeom prst="rect">
@@ -5887,7 +5878,7 @@
         </p:nvSpPr>
         <p:spPr bwMode="auto">
           <a:xfrm rot="19430330">
-            <a:off x="6800690" y="4188599"/>
+            <a:off x="6934041" y="4179073"/>
             <a:ext cx="1506358" cy="400110"/>
           </a:xfrm>
           <a:prstGeom prst="rect">
@@ -5944,7 +5935,7 @@
               <a:rPr kumimoji="0" lang="en-US" sz="2000" b="1" dirty="0" smtClean="0">
                 <a:latin typeface="Comic Sans MS" panose="030F0702030302020204" pitchFamily="66" charset="0"/>
               </a:rPr>
-              <a:t>MySQL</a:t>
+              <a:t>SQL</a:t>
             </a:r>
             <a:endParaRPr kumimoji="0" lang="en-US" sz="2000" b="1" dirty="0">
               <a:latin typeface="Comic Sans MS" panose="030F0702030302020204" pitchFamily="66" charset="0"/>
@@ -6013,7 +6004,7 @@
         </p:nvSpPr>
         <p:spPr>
           <a:xfrm>
-            <a:off x="457200" y="526822"/>
+            <a:off x="-1209675" y="434042"/>
             <a:ext cx="8229600" cy="739014"/>
           </a:xfrm>
         </p:spPr>
@@ -6025,7 +6016,13 @@
               <a:rPr lang="en-US" dirty="0" smtClean="0">
                 <a:latin typeface="Avenir Medium"/>
               </a:rPr>
-              <a:t>VI. SQL Performance, Security</a:t>
+              <a:t>VI. </a:t>
+            </a:r>
+            <a:r>
+              <a:rPr lang="en-US" dirty="0" smtClean="0">
+                <a:latin typeface="Avenir Medium"/>
+              </a:rPr>
+              <a:t>SQL Security</a:t>
             </a:r>
             <a:endParaRPr lang="en-US" dirty="0">
               <a:latin typeface="Avenir Medium"/>
@@ -6045,8 +6042,8 @@
         </p:nvSpPr>
         <p:spPr>
           <a:xfrm>
-            <a:off x="457200" y="1381465"/>
-            <a:ext cx="8229600" cy="4940266"/>
+            <a:off x="457200" y="1314789"/>
+            <a:ext cx="8229600" cy="5324135"/>
           </a:xfrm>
         </p:spPr>
         <p:txBody>
@@ -6054,25 +6051,120 @@
           <a:lstStyle/>
           <a:p>
             <a:r>
-              <a:rPr lang="en-US" sz="3000" dirty="0" smtClean="0">
-                <a:latin typeface="Avenir Medium"/>
-              </a:rPr>
-              <a:t>SQL performance tuning</a:t>
-            </a:r>
-          </a:p>
-          <a:p>
-            <a:r>
-              <a:rPr lang="en-US" sz="3000" dirty="0">
+              <a:rPr lang="en-US" sz="2800" dirty="0" smtClean="0">
                 <a:latin typeface="Avenir Medium"/>
               </a:rPr>
               <a:t>SQL </a:t>
             </a:r>
             <a:r>
-              <a:rPr lang="en-US" sz="3000" dirty="0" smtClean="0">
-                <a:latin typeface="Avenir Medium"/>
-              </a:rPr>
-              <a:t>security</a:t>
-            </a:r>
+              <a:rPr lang="en-US" sz="2800" dirty="0" smtClean="0">
+                <a:latin typeface="Avenir Medium"/>
+              </a:rPr>
+              <a:t>Security Concepts</a:t>
+            </a:r>
+          </a:p>
+          <a:p>
+            <a:pPr lvl="1"/>
+            <a:r>
+              <a:rPr lang="en-US" sz="2400" dirty="0" smtClean="0">
+                <a:latin typeface="Avenir Medium"/>
+              </a:rPr>
+              <a:t>User-Ids</a:t>
+            </a:r>
+          </a:p>
+          <a:p>
+            <a:pPr lvl="1"/>
+            <a:r>
+              <a:rPr lang="en-US" sz="2400" dirty="0" smtClean="0">
+                <a:latin typeface="Avenir Medium"/>
+              </a:rPr>
+              <a:t>Security Objects</a:t>
+            </a:r>
+          </a:p>
+          <a:p>
+            <a:pPr lvl="1"/>
+            <a:r>
+              <a:rPr lang="en-US" sz="2400" dirty="0" smtClean="0">
+                <a:latin typeface="Avenir Medium"/>
+              </a:rPr>
+              <a:t>Privileges</a:t>
+            </a:r>
+            <a:endParaRPr lang="en-US" sz="2400" dirty="0" smtClean="0">
+              <a:latin typeface="Avenir Medium"/>
+            </a:endParaRPr>
+          </a:p>
+          <a:p>
+            <a:r>
+              <a:rPr lang="en-US" sz="2800" dirty="0" smtClean="0">
+                <a:latin typeface="Avenir Medium"/>
+              </a:rPr>
+              <a:t>Views and SQL Security</a:t>
+            </a:r>
+          </a:p>
+          <a:p>
+            <a:r>
+              <a:rPr lang="en-US" sz="2800" dirty="0" smtClean="0">
+                <a:latin typeface="Avenir Medium"/>
+              </a:rPr>
+              <a:t>Granting Privileges (GRANT)</a:t>
+            </a:r>
+          </a:p>
+          <a:p>
+            <a:pPr lvl="1"/>
+            <a:r>
+              <a:rPr lang="en-US" sz="2400" dirty="0" smtClean="0">
+                <a:latin typeface="Avenir Medium"/>
+              </a:rPr>
+              <a:t>Column Privileges</a:t>
+            </a:r>
+          </a:p>
+          <a:p>
+            <a:pPr lvl="1"/>
+            <a:r>
+              <a:rPr lang="en-US" sz="2400" dirty="0" smtClean="0">
+                <a:latin typeface="Avenir Medium"/>
+              </a:rPr>
+              <a:t>Passing Privileges (GRANT OPTION)</a:t>
+            </a:r>
+          </a:p>
+          <a:p>
+            <a:r>
+              <a:rPr lang="en-US" sz="2800" dirty="0" smtClean="0">
+                <a:latin typeface="Avenir Medium"/>
+              </a:rPr>
+              <a:t>Revoking Privileges (REVOKE)</a:t>
+            </a:r>
+          </a:p>
+          <a:p>
+            <a:pPr lvl="1"/>
+            <a:r>
+              <a:rPr lang="en-US" sz="2400" dirty="0" smtClean="0">
+                <a:latin typeface="Avenir Medium"/>
+              </a:rPr>
+              <a:t>REVOKE and the GRANT OPTION</a:t>
+            </a:r>
+          </a:p>
+          <a:p>
+            <a:pPr lvl="1"/>
+            <a:r>
+              <a:rPr lang="en-US" sz="2400" dirty="0" smtClean="0">
+                <a:latin typeface="Avenir Medium"/>
+              </a:rPr>
+              <a:t>REVOKE and the ANSI/ISO Standard</a:t>
+            </a:r>
+            <a:endParaRPr lang="en-US" sz="2400" dirty="0">
+              <a:latin typeface="Avenir Medium"/>
+            </a:endParaRPr>
+          </a:p>
+          <a:p>
+            <a:endParaRPr lang="en-US" sz="3000" dirty="0" smtClean="0">
+              <a:latin typeface="Avenir Medium"/>
+            </a:endParaRPr>
+          </a:p>
+          <a:p>
+            <a:endParaRPr lang="en-US" sz="3000" dirty="0" smtClean="0">
+              <a:latin typeface="Avenir Medium"/>
+            </a:endParaRPr>
           </a:p>
           <a:p>
             <a:endParaRPr lang="en-US" sz="3000" dirty="0" smtClean="0">
@@ -6104,7 +6196,7 @@
         </p:blipFill>
         <p:spPr bwMode="auto">
           <a:xfrm>
-            <a:off x="6170645" y="4299857"/>
+            <a:off x="5932520" y="1598255"/>
             <a:ext cx="2897155" cy="2253343"/>
           </a:xfrm>
           <a:prstGeom prst="rect">
@@ -6425,13 +6517,7 @@
               <a:rPr lang="en-US" dirty="0" smtClean="0">
                 <a:latin typeface="Avenir Medium"/>
               </a:rPr>
-              <a:t> of </a:t>
-            </a:r>
-            <a:r>
-              <a:rPr lang="en-US" dirty="0" smtClean="0">
-                <a:latin typeface="Avenir Medium"/>
-              </a:rPr>
-              <a:t>SQL</a:t>
+              <a:t> of SQL</a:t>
             </a:r>
             <a:endParaRPr lang="en-US" dirty="0">
               <a:latin typeface="Avenir Medium"/>
@@ -7217,16 +7303,7 @@
                 </a:solidFill>
                 <a:latin typeface="Avenir Medium"/>
               </a:rPr>
-              <a:t>add, retrieve, edit, and delete information stored in </a:t>
-            </a:r>
-            <a:r>
-              <a:rPr lang="en-US" sz="3000" dirty="0" smtClean="0">
-                <a:solidFill>
-                  <a:srgbClr val="00B050"/>
-                </a:solidFill>
-                <a:latin typeface="Avenir Medium"/>
-              </a:rPr>
-              <a:t>databases</a:t>
+              <a:t>add, retrieve, edit, and delete information stored in databases</a:t>
             </a:r>
             <a:endParaRPr lang="en-US" sz="3000" dirty="0" smtClean="0">
               <a:latin typeface="Avenir Medium"/>
@@ -9375,8 +9452,11 @@
               <a:rPr lang="en-US" sz="3000" b="1" dirty="0" smtClean="0">
                 <a:latin typeface="Avenir Medium"/>
               </a:rPr>
-              <a:t>SQL Design</a:t>
-            </a:r>
+              <a:t>Database Structure</a:t>
+            </a:r>
+            <a:endParaRPr lang="en-US" sz="3000" b="1" dirty="0" smtClean="0">
+              <a:latin typeface="Avenir Medium"/>
+            </a:endParaRPr>
           </a:p>
           <a:p>
             <a:pPr marL="571500" indent="-571500">
@@ -9417,8 +9497,17 @@
               <a:rPr lang="en-US" sz="3000" b="1" dirty="0" smtClean="0">
                 <a:latin typeface="Avenir Medium"/>
               </a:rPr>
-              <a:t>IV.  SQL Extra  </a:t>
-            </a:r>
+              <a:t>IV. </a:t>
+            </a:r>
+            <a:r>
+              <a:rPr lang="en-US" sz="3000" b="1" dirty="0">
+                <a:latin typeface="Avenir Medium"/>
+              </a:rPr>
+              <a:t>MySQL Database </a:t>
+            </a:r>
+            <a:endParaRPr lang="en-US" sz="3000" b="1" dirty="0" smtClean="0">
+              <a:latin typeface="Avenir Medium"/>
+            </a:endParaRPr>
           </a:p>
           <a:p>
             <a:pPr>
@@ -9429,14 +9518,35 @@
               <a:rPr lang="en-US" sz="3000" b="1" dirty="0" smtClean="0">
                 <a:latin typeface="Avenir Medium"/>
               </a:rPr>
-              <a:t>V.   MySQL </a:t>
+              <a:t>V</a:t>
+            </a:r>
+            <a:r>
+              <a:rPr lang="en-US" sz="3000" b="1" dirty="0" smtClean="0">
+                <a:latin typeface="Avenir Medium"/>
+              </a:rPr>
+              <a:t>. </a:t>
+            </a:r>
+            <a:r>
+              <a:rPr lang="en-US" sz="3000" b="1" dirty="0" smtClean="0">
+                <a:latin typeface="Avenir Medium"/>
+              </a:rPr>
+              <a:t> </a:t>
+            </a:r>
+            <a:r>
+              <a:rPr lang="en-US" sz="3000" b="1" dirty="0" smtClean="0">
+                <a:latin typeface="Avenir Medium"/>
+              </a:rPr>
+              <a:t>SQL </a:t>
             </a:r>
             <a:r>
               <a:rPr lang="en-US" sz="3000" b="1" dirty="0">
                 <a:latin typeface="Avenir Medium"/>
               </a:rPr>
-              <a:t>Database</a:t>
-            </a:r>
+              <a:t>Performance</a:t>
+            </a:r>
+            <a:endParaRPr lang="en-US" sz="3000" b="1" dirty="0">
+              <a:latin typeface="Avenir Medium"/>
+            </a:endParaRPr>
           </a:p>
           <a:p>
             <a:pPr>
@@ -9447,7 +9557,19 @@
               <a:rPr lang="en-US" sz="3000" b="1" dirty="0" smtClean="0">
                 <a:latin typeface="Avenir Medium"/>
               </a:rPr>
-              <a:t>VI.  SQL Performance, Security</a:t>
+              <a:t>VI</a:t>
+            </a:r>
+            <a:r>
+              <a:rPr lang="en-US" sz="3000" b="1" dirty="0">
+                <a:latin typeface="Avenir Medium"/>
+              </a:rPr>
+              <a:t>. SQL </a:t>
+            </a:r>
+            <a:r>
+              <a:rPr lang="en-US" sz="3000" b="1" dirty="0" smtClean="0">
+                <a:latin typeface="Avenir Medium"/>
+              </a:rPr>
+              <a:t>Security</a:t>
             </a:r>
             <a:endParaRPr lang="en-US" sz="3000" b="1" dirty="0">
               <a:latin typeface="Avenir Medium"/>
@@ -9634,7 +9756,7 @@
         </p:nvSpPr>
         <p:spPr>
           <a:xfrm>
-            <a:off x="457200" y="526822"/>
+            <a:off x="-762000" y="544728"/>
             <a:ext cx="8229600" cy="739014"/>
           </a:xfrm>
         </p:spPr>
@@ -9646,7 +9768,13 @@
               <a:rPr lang="en-US" dirty="0" smtClean="0">
                 <a:latin typeface="Avenir Medium"/>
               </a:rPr>
-              <a:t>I. SQL DESIGN</a:t>
+              <a:t>I. </a:t>
+            </a:r>
+            <a:r>
+              <a:rPr lang="en-US" dirty="0" smtClean="0">
+                <a:latin typeface="Avenir Medium"/>
+              </a:rPr>
+              <a:t>Database Structure</a:t>
             </a:r>
             <a:endParaRPr lang="en-US" dirty="0">
               <a:latin typeface="Avenir Medium"/>
@@ -9666,8 +9794,8 @@
         </p:nvSpPr>
         <p:spPr>
           <a:xfrm>
-            <a:off x="457200" y="1381465"/>
-            <a:ext cx="8229600" cy="4940266"/>
+            <a:off x="285750" y="1287603"/>
+            <a:ext cx="8229600" cy="5570397"/>
           </a:xfrm>
         </p:spPr>
         <p:txBody>
@@ -9675,37 +9803,117 @@
           <a:lstStyle/>
           <a:p>
             <a:r>
-              <a:rPr lang="en-US" sz="3200" dirty="0"/>
-              <a:t>SQL </a:t>
-            </a:r>
-            <a:r>
-              <a:rPr lang="en-US" sz="3200" dirty="0" smtClean="0"/>
-              <a:t>Environment</a:t>
-            </a:r>
-          </a:p>
-          <a:p>
-            <a:pPr lvl="1"/>
-            <a:r>
-              <a:rPr lang="en-US" sz="2600" dirty="0" err="1" smtClean="0">
-                <a:latin typeface="Avenir Medium"/>
-              </a:rPr>
-              <a:t>Catelog</a:t>
-            </a:r>
-            <a:r>
-              <a:rPr lang="en-US" sz="2600" dirty="0" smtClean="0">
-                <a:latin typeface="Avenir Medium"/>
-              </a:rPr>
-              <a:t>, Schema, DDL, DML, DCL</a:t>
-            </a:r>
-          </a:p>
-          <a:p>
-            <a:r>
-              <a:rPr lang="en-US" sz="3000" dirty="0" smtClean="0">
-                <a:latin typeface="Avenir Medium"/>
-              </a:rPr>
-              <a:t>SQL</a:t>
-            </a:r>
-            <a:endParaRPr lang="en-US" sz="3000" dirty="0">
+              <a:rPr lang="en-US" sz="2800" dirty="0" smtClean="0">
+                <a:latin typeface="Avenir Medium"/>
+              </a:rPr>
+              <a:t>The Data Definition Language</a:t>
+            </a:r>
+            <a:endParaRPr lang="en-US" sz="2800" dirty="0" smtClean="0">
+              <a:latin typeface="Avenir Medium"/>
+            </a:endParaRPr>
+          </a:p>
+          <a:p>
+            <a:r>
+              <a:rPr lang="en-US" sz="2800" dirty="0" smtClean="0">
+                <a:latin typeface="Avenir Medium"/>
+              </a:rPr>
+              <a:t>Creating a Database</a:t>
+            </a:r>
+          </a:p>
+          <a:p>
+            <a:r>
+              <a:rPr lang="en-US" sz="2800" dirty="0" smtClean="0">
+                <a:latin typeface="Avenir Medium"/>
+              </a:rPr>
+              <a:t>Table Definitions (create, drop, alter)</a:t>
+            </a:r>
+          </a:p>
+          <a:p>
+            <a:r>
+              <a:rPr lang="en-US" sz="2800" dirty="0" smtClean="0">
+                <a:latin typeface="Avenir Medium"/>
+              </a:rPr>
+              <a:t>Constraint Definitions (assertions, domains)</a:t>
+            </a:r>
+          </a:p>
+          <a:p>
+            <a:r>
+              <a:rPr lang="en-US" sz="2800" dirty="0" smtClean="0">
+                <a:latin typeface="Avenir Medium"/>
+              </a:rPr>
+              <a:t>Aliases and Synonyms (create, drop alias)</a:t>
+            </a:r>
+          </a:p>
+          <a:p>
+            <a:r>
+              <a:rPr lang="en-US" sz="2800" dirty="0" smtClean="0">
+                <a:latin typeface="Avenir Medium"/>
+              </a:rPr>
+              <a:t>Indexes (create, drop index)</a:t>
+            </a:r>
+          </a:p>
+          <a:p>
+            <a:r>
+              <a:rPr lang="en-US" sz="2800" dirty="0" smtClean="0">
+                <a:latin typeface="Avenir Medium"/>
+              </a:rPr>
+              <a:t>Database </a:t>
+            </a:r>
+            <a:r>
+              <a:rPr lang="vi-VN" sz="2800" dirty="0" smtClean="0">
+                <a:latin typeface="Avenir Medium"/>
+              </a:rPr>
+              <a:t>Structure</a:t>
+            </a:r>
+          </a:p>
+          <a:p>
+            <a:pPr lvl="1">
+              <a:buFont typeface="Courier New" panose="02070309020205020404" pitchFamily="49" charset="0"/>
+              <a:buChar char="o"/>
+            </a:pPr>
+            <a:r>
+              <a:rPr lang="vi-VN" sz="2400" dirty="0" smtClean="0">
+                <a:latin typeface="Avenir Medium"/>
+              </a:rPr>
+              <a:t>Single-database Architecture</a:t>
+            </a:r>
+          </a:p>
+          <a:p>
+            <a:pPr lvl="1">
+              <a:buFont typeface="Courier New" panose="02070309020205020404" pitchFamily="49" charset="0"/>
+              <a:buChar char="o"/>
+            </a:pPr>
+            <a:r>
+              <a:rPr lang="vi-VN" sz="2400" dirty="0" smtClean="0">
+                <a:latin typeface="Avenir Medium"/>
+              </a:rPr>
+              <a:t>Multi-database Architecture</a:t>
+            </a:r>
+          </a:p>
+          <a:p>
+            <a:pPr lvl="1">
+              <a:buFont typeface="Courier New" panose="02070309020205020404" pitchFamily="49" charset="0"/>
+              <a:buChar char="o"/>
+            </a:pPr>
+            <a:r>
+              <a:rPr lang="vi-VN" sz="2400" dirty="0" smtClean="0">
+                <a:latin typeface="Avenir Medium"/>
+              </a:rPr>
+              <a:t>Multi-location Architecture</a:t>
+            </a:r>
+          </a:p>
+          <a:p>
+            <a:pPr lvl="1">
+              <a:buFont typeface="Courier New" panose="02070309020205020404" pitchFamily="49" charset="0"/>
+              <a:buChar char="o"/>
+            </a:pPr>
+            <a:r>
+              <a:rPr lang="vi-VN" sz="2400" dirty="0" smtClean="0">
+                <a:latin typeface="Avenir Medium"/>
+              </a:rPr>
+              <a:t>Databases on Multiple Servers</a:t>
+            </a:r>
+            <a:endParaRPr lang="en-US" sz="2400" dirty="0">
               <a:latin typeface="Avenir Medium"/>
             </a:endParaRPr>
           </a:p>
@@ -9734,7 +9942,7 @@
         </p:blipFill>
         <p:spPr bwMode="auto">
           <a:xfrm>
-            <a:off x="6721287" y="526822"/>
+            <a:off x="6721287" y="12472"/>
             <a:ext cx="2422713" cy="2619149"/>
           </a:xfrm>
           <a:prstGeom prst="rect">
@@ -9762,7 +9970,7 @@
         </p:nvSpPr>
         <p:spPr bwMode="auto">
           <a:xfrm rot="21375478">
-            <a:off x="7691088" y="965264"/>
+            <a:off x="7691088" y="450914"/>
             <a:ext cx="1506358" cy="492443"/>
           </a:xfrm>
           <a:prstGeom prst="rect">
@@ -9888,7 +10096,7 @@
         </p:nvSpPr>
         <p:spPr>
           <a:xfrm>
-            <a:off x="457200" y="526822"/>
+            <a:off x="-1638300" y="529769"/>
             <a:ext cx="8229600" cy="739014"/>
           </a:xfrm>
         </p:spPr>
@@ -9897,16 +10105,10 @@
           <a:lstStyle/>
           <a:p>
             <a:r>
-              <a:rPr lang="en-US" smtClean="0">
-                <a:latin typeface="Avenir Medium"/>
-              </a:rPr>
-              <a:t>II</a:t>
-            </a:r>
-            <a:r>
               <a:rPr lang="en-US" dirty="0" smtClean="0">
                 <a:latin typeface="Avenir Medium"/>
               </a:rPr>
-              <a:t>. SQL Basic</a:t>
+              <a:t>II. SQL Basic</a:t>
             </a:r>
             <a:endParaRPr lang="en-US" dirty="0">
               <a:latin typeface="Avenir Medium"/>
@@ -9927,7 +10129,7 @@
         <p:spPr>
           <a:xfrm>
             <a:off x="457200" y="1381465"/>
-            <a:ext cx="8229600" cy="4940266"/>
+            <a:ext cx="8229600" cy="5295560"/>
           </a:xfrm>
         </p:spPr>
         <p:txBody>
@@ -9935,47 +10137,135 @@
           <a:lstStyle/>
           <a:p>
             <a:r>
-              <a:rPr lang="en-US" sz="3000" dirty="0" smtClean="0">
-                <a:latin typeface="Avenir Medium"/>
-              </a:rPr>
-              <a:t>SQL Select</a:t>
-            </a:r>
-          </a:p>
-          <a:p>
-            <a:r>
-              <a:rPr lang="en-US" sz="3000" dirty="0">
-                <a:latin typeface="Avenir Medium"/>
-              </a:rPr>
-              <a:t>SQL Delete</a:t>
-            </a:r>
-            <a:endParaRPr lang="en-US" sz="3000" dirty="0" smtClean="0">
+              <a:rPr lang="vi-VN" sz="2800" dirty="0" smtClean="0">
+                <a:latin typeface="Avenir Medium"/>
+              </a:rPr>
+              <a:t>Statements</a:t>
+            </a:r>
+          </a:p>
+          <a:p>
+            <a:r>
+              <a:rPr lang="vi-VN" sz="2800" dirty="0" smtClean="0">
+                <a:latin typeface="Avenir Medium"/>
+              </a:rPr>
+              <a:t>Data Types, Constants</a:t>
+            </a:r>
+            <a:endParaRPr lang="vi-VN" sz="2800" dirty="0" smtClean="0">
               <a:latin typeface="Avenir Medium"/>
             </a:endParaRPr>
           </a:p>
           <a:p>
             <a:r>
-              <a:rPr lang="en-US" sz="3000" dirty="0">
-                <a:latin typeface="Avenir Medium"/>
-              </a:rPr>
-              <a:t>SQL Update</a:t>
-            </a:r>
-            <a:endParaRPr lang="en-US" sz="3000" dirty="0" smtClean="0">
+              <a:rPr lang="vi-VN" sz="2800" dirty="0" smtClean="0">
+                <a:latin typeface="Avenir Medium"/>
+              </a:rPr>
+              <a:t>Expressions, Built-in functions</a:t>
+            </a:r>
+          </a:p>
+          <a:p>
+            <a:r>
+              <a:rPr lang="vi-VN" sz="2800" dirty="0" smtClean="0">
+                <a:latin typeface="Avenir Medium"/>
+              </a:rPr>
+              <a:t>Missing Data (Null Values)</a:t>
+            </a:r>
+          </a:p>
+          <a:p>
+            <a:r>
+              <a:rPr lang="vi-VN" sz="2800" dirty="0" smtClean="0">
+                <a:latin typeface="Avenir Medium"/>
+              </a:rPr>
+              <a:t>Simple Queries</a:t>
+            </a:r>
+          </a:p>
+          <a:p>
+            <a:pPr lvl="1">
+              <a:buFont typeface="Courier New" panose="02070309020205020404" pitchFamily="49" charset="0"/>
+              <a:buChar char="o"/>
+            </a:pPr>
+            <a:r>
+              <a:rPr lang="vi-VN" sz="2400" dirty="0" smtClean="0">
+                <a:latin typeface="Avenir Medium"/>
+              </a:rPr>
+              <a:t>select, from, distinct, where</a:t>
+            </a:r>
+          </a:p>
+          <a:p>
+            <a:pPr lvl="1">
+              <a:buFont typeface="Courier New" panose="02070309020205020404" pitchFamily="49" charset="0"/>
+              <a:buChar char="o"/>
+            </a:pPr>
+            <a:r>
+              <a:rPr lang="vi-VN" sz="2400" dirty="0">
+                <a:latin typeface="Avenir Medium"/>
+              </a:rPr>
+              <a:t>Search conditions (=, &lt;&gt;, &lt;, &lt;=, &gt;, </a:t>
+            </a:r>
+            <a:r>
+              <a:rPr lang="vi-VN" sz="2400" dirty="0" smtClean="0">
+                <a:latin typeface="Avenir Medium"/>
+              </a:rPr>
+              <a:t>&gt;=, between</a:t>
+            </a:r>
+            <a:r>
+              <a:rPr lang="vi-VN" sz="2400" dirty="0">
+                <a:latin typeface="Avenir Medium"/>
+              </a:rPr>
+              <a:t>, in, like, is null, and, or, </a:t>
+            </a:r>
+            <a:r>
+              <a:rPr lang="vi-VN" sz="2400" dirty="0" smtClean="0">
+                <a:latin typeface="Avenir Medium"/>
+              </a:rPr>
+              <a:t>not)</a:t>
+            </a:r>
+          </a:p>
+          <a:p>
+            <a:pPr lvl="1">
+              <a:buFont typeface="Courier New" panose="02070309020205020404" pitchFamily="49" charset="0"/>
+              <a:buChar char="o"/>
+            </a:pPr>
+            <a:r>
+              <a:rPr lang="vi-VN" sz="2400" dirty="0" smtClean="0">
+                <a:latin typeface="Avenir Medium"/>
+              </a:rPr>
+              <a:t>Sorting (Order by)</a:t>
+            </a:r>
+          </a:p>
+          <a:p>
+            <a:r>
+              <a:rPr lang="vi-VN" sz="3000" dirty="0">
+                <a:latin typeface="Avenir Medium"/>
+              </a:rPr>
+              <a:t>Column Functions</a:t>
+            </a:r>
+          </a:p>
+          <a:p>
+            <a:pPr lvl="1">
+              <a:buFont typeface="Courier New" panose="02070309020205020404" pitchFamily="49" charset="0"/>
+              <a:buChar char="o"/>
+            </a:pPr>
+            <a:r>
+              <a:rPr lang="vi-VN" sz="2600" dirty="0">
+                <a:latin typeface="Avenir Medium"/>
+              </a:rPr>
+              <a:t>SUM, AVG, MIN, MAX, COUNT</a:t>
+            </a:r>
+          </a:p>
+          <a:p>
+            <a:pPr>
+              <a:buFont typeface="Courier New" panose="02070309020205020404" pitchFamily="49" charset="0"/>
+              <a:buChar char="o"/>
+            </a:pPr>
+            <a:endParaRPr lang="vi-VN" sz="2800" dirty="0" smtClean="0">
               <a:latin typeface="Avenir Medium"/>
             </a:endParaRPr>
           </a:p>
           <a:p>
-            <a:r>
-              <a:rPr lang="en-US" sz="3000" dirty="0">
-                <a:latin typeface="Avenir Medium"/>
-              </a:rPr>
-              <a:t>SQL </a:t>
-            </a:r>
-            <a:r>
-              <a:rPr lang="en-US" sz="3000" dirty="0" smtClean="0">
-                <a:latin typeface="Avenir Medium"/>
-              </a:rPr>
-              <a:t>Alter</a:t>
-            </a:r>
+            <a:pPr lvl="1"/>
+            <a:endParaRPr lang="en-US" sz="2600" dirty="0" smtClean="0">
+              <a:latin typeface="Avenir Medium"/>
+            </a:endParaRPr>
           </a:p>
         </p:txBody>
       </p:sp>
@@ -10002,7 +10292,7 @@
         </p:blipFill>
         <p:spPr bwMode="auto">
           <a:xfrm>
-            <a:off x="6102771" y="3546619"/>
+            <a:off x="6125255" y="203344"/>
             <a:ext cx="3018745" cy="3108960"/>
           </a:xfrm>
           <a:prstGeom prst="rect">
@@ -10030,7 +10320,7 @@
         </p:nvSpPr>
         <p:spPr bwMode="auto">
           <a:xfrm rot="18848352">
-            <a:off x="7542218" y="5316525"/>
+            <a:off x="7564702" y="1973250"/>
             <a:ext cx="1506358" cy="400110"/>
           </a:xfrm>
           <a:prstGeom prst="rect">
@@ -10153,7 +10443,7 @@
         </p:nvSpPr>
         <p:spPr>
           <a:xfrm>
-            <a:off x="457200" y="526822"/>
+            <a:off x="-1021222" y="510719"/>
             <a:ext cx="8229600" cy="739014"/>
           </a:xfrm>
         </p:spPr>
@@ -10165,7 +10455,13 @@
               <a:rPr lang="en-US" dirty="0" smtClean="0">
                 <a:latin typeface="Avenir Medium"/>
               </a:rPr>
-              <a:t>III. SQL Advanced</a:t>
+              <a:t>III. </a:t>
+            </a:r>
+            <a:r>
+              <a:rPr lang="vi-VN" dirty="0" smtClean="0">
+                <a:latin typeface="Avenir Medium"/>
+              </a:rPr>
+              <a:t>SQL Advanced</a:t>
             </a:r>
             <a:endParaRPr lang="en-US" dirty="0">
               <a:latin typeface="Avenir Medium"/>
@@ -10194,16 +10490,30 @@
           <a:lstStyle/>
           <a:p>
             <a:r>
-              <a:rPr lang="en-US" sz="3000" dirty="0" smtClean="0">
-                <a:latin typeface="Avenir Medium"/>
-              </a:rPr>
-              <a:t>SQL </a:t>
-            </a:r>
-            <a:r>
-              <a:rPr lang="en-US" sz="3000" dirty="0" err="1" smtClean="0">
-                <a:latin typeface="Avenir Medium"/>
-              </a:rPr>
-              <a:t>Subqueries</a:t>
+              <a:rPr lang="vi-VN" sz="3000" dirty="0" smtClean="0">
+                <a:latin typeface="Avenir Medium"/>
+              </a:rPr>
+              <a:t>Database Updates</a:t>
+            </a:r>
+          </a:p>
+          <a:p>
+            <a:pPr lvl="1"/>
+            <a:r>
+              <a:rPr lang="vi-VN" sz="2600" dirty="0" smtClean="0">
+                <a:latin typeface="Avenir Medium"/>
+              </a:rPr>
+              <a:t>Insert, delete, udpate</a:t>
+            </a:r>
+            <a:endParaRPr lang="vi-VN" sz="2600" dirty="0">
+              <a:latin typeface="Avenir Medium"/>
+            </a:endParaRPr>
+          </a:p>
+          <a:p>
+            <a:r>
+              <a:rPr lang="vi-VN" sz="3000" dirty="0" smtClean="0">
+                <a:latin typeface="Avenir Medium"/>
+              </a:rPr>
+              <a:t>Joins</a:t>
             </a:r>
             <a:endParaRPr lang="en-US" sz="3000" dirty="0" smtClean="0">
               <a:latin typeface="Avenir Medium"/>
@@ -10211,31 +10521,33 @@
           </a:p>
           <a:p>
             <a:r>
-              <a:rPr lang="en-US" sz="3000" dirty="0">
-                <a:latin typeface="Avenir Medium"/>
-              </a:rPr>
-              <a:t>SQL </a:t>
-            </a:r>
-            <a:r>
               <a:rPr lang="en-US" sz="3000" dirty="0" smtClean="0">
                 <a:latin typeface="Avenir Medium"/>
               </a:rPr>
-              <a:t>Join</a:t>
-            </a:r>
-          </a:p>
-          <a:p>
-            <a:r>
-              <a:rPr lang="en-US" sz="3000" dirty="0">
-                <a:latin typeface="Avenir Medium"/>
-              </a:rPr>
-              <a:t>SQL </a:t>
-            </a:r>
-            <a:r>
-              <a:rPr lang="en-US" sz="3000" dirty="0" smtClean="0">
-                <a:latin typeface="Avenir Medium"/>
-              </a:rPr>
               <a:t>Union</a:t>
             </a:r>
+            <a:endParaRPr lang="vi-VN" sz="3000" dirty="0" smtClean="0">
+              <a:latin typeface="Avenir Medium"/>
+            </a:endParaRPr>
+          </a:p>
+          <a:p>
+            <a:r>
+              <a:rPr lang="vi-VN" sz="3000" dirty="0" smtClean="0">
+                <a:latin typeface="Avenir Medium"/>
+              </a:rPr>
+              <a:t>Grouped Queries (Group by)</a:t>
+            </a:r>
+          </a:p>
+          <a:p>
+            <a:r>
+              <a:rPr lang="vi-VN" sz="3000" dirty="0" smtClean="0">
+                <a:latin typeface="Avenir Medium"/>
+              </a:rPr>
+              <a:t>Group search conditions (Having)</a:t>
+            </a:r>
+            <a:endParaRPr lang="en-US" sz="2600" dirty="0" smtClean="0">
+              <a:latin typeface="Avenir Medium"/>
+            </a:endParaRPr>
           </a:p>
           <a:p>
             <a:r>
@@ -10306,7 +10618,7 @@
         </p:blipFill>
         <p:spPr bwMode="auto">
           <a:xfrm>
-            <a:off x="5305413" y="3799114"/>
+            <a:off x="5729955" y="-6124"/>
             <a:ext cx="3414045" cy="2536825"/>
           </a:xfrm>
           <a:prstGeom prst="rect">
@@ -10334,7 +10646,7 @@
         </p:nvSpPr>
         <p:spPr bwMode="auto">
           <a:xfrm rot="21290841">
-            <a:off x="5550132" y="4252347"/>
+            <a:off x="5974674" y="447109"/>
             <a:ext cx="1506358" cy="307777"/>
           </a:xfrm>
           <a:prstGeom prst="rect">

--- a/QS_Training_SQL_Overview.pptx
+++ b/QS_Training_SQL_Overview.pptx
@@ -225,7 +225,7 @@
             <a:fld id="{AEC239D8-9946-CA43-8D24-8F75F9EC746F}" type="datetimeFigureOut">
               <a:rPr lang="en-US" smtClean="0"/>
               <a:pPr/>
-              <a:t>02/11/2015</a:t>
+              <a:t>03/11/2015</a:t>
             </a:fld>
             <a:endParaRPr lang="en-US"/>
           </a:p>
@@ -393,7 +393,7 @@
             <a:fld id="{30D3C4F2-547F-4EAC-A4FB-1991884D518B}" type="datetimeFigureOut">
               <a:rPr lang="en-US" smtClean="0"/>
               <a:pPr/>
-              <a:t>02/11/2015</a:t>
+              <a:t>03/11/2015</a:t>
             </a:fld>
             <a:endParaRPr lang="en-US"/>
           </a:p>
@@ -1671,7 +1671,7 @@
             <a:fld id="{8695E4D3-92F1-F74E-BDA8-3EA24612ADAC}" type="datetime2">
               <a:rPr lang="en-US" smtClean="0"/>
               <a:pPr/>
-              <a:t>Monday, November 02, 2015</a:t>
+              <a:t>Tuesday, November 03, 2015</a:t>
             </a:fld>
             <a:endParaRPr lang="en-US"/>
           </a:p>
@@ -1866,7 +1866,7 @@
             <a:fld id="{9358C7B7-FC72-9D41-BEE1-BB86D4F232B4}" type="datetime2">
               <a:rPr lang="en-US" smtClean="0"/>
               <a:pPr/>
-              <a:t>Monday, November 02, 2015</a:t>
+              <a:t>Tuesday, November 03, 2015</a:t>
             </a:fld>
             <a:endParaRPr lang="en-US"/>
           </a:p>
@@ -2071,7 +2071,7 @@
             <a:fld id="{556E821B-96E8-764D-BF74-9827494534E4}" type="datetime2">
               <a:rPr lang="en-US" smtClean="0"/>
               <a:pPr/>
-              <a:t>Monday, November 02, 2015</a:t>
+              <a:t>Tuesday, November 03, 2015</a:t>
             </a:fld>
             <a:endParaRPr lang="en-US"/>
           </a:p>
@@ -2276,7 +2276,7 @@
             <a:fld id="{D8D89BD2-8F64-7D49-B0EC-A10964D418B9}" type="datetime2">
               <a:rPr lang="en-US" smtClean="0"/>
               <a:pPr/>
-              <a:t>Monday, November 02, 2015</a:t>
+              <a:t>Tuesday, November 03, 2015</a:t>
             </a:fld>
             <a:endParaRPr lang="en-US"/>
           </a:p>
@@ -2547,7 +2547,7 @@
             <a:fld id="{5166F277-A6C8-D74E-AD9A-DEDC5E2BD837}" type="datetime2">
               <a:rPr lang="en-US" smtClean="0"/>
               <a:pPr/>
-              <a:t>Monday, November 02, 2015</a:t>
+              <a:t>Tuesday, November 03, 2015</a:t>
             </a:fld>
             <a:endParaRPr lang="en-US"/>
           </a:p>
@@ -2865,7 +2865,7 @@
             <a:fld id="{68B6B04E-5C92-7445-BA45-A4E3769C0C5A}" type="datetime2">
               <a:rPr lang="en-US" smtClean="0"/>
               <a:pPr/>
-              <a:t>Monday, November 02, 2015</a:t>
+              <a:t>Tuesday, November 03, 2015</a:t>
             </a:fld>
             <a:endParaRPr lang="en-US"/>
           </a:p>
@@ -3317,7 +3317,7 @@
             <a:fld id="{A48670BD-E6C9-264B-B690-760DD144ACC6}" type="datetime2">
               <a:rPr lang="en-US" smtClean="0"/>
               <a:pPr/>
-              <a:t>Monday, November 02, 2015</a:t>
+              <a:t>Tuesday, November 03, 2015</a:t>
             </a:fld>
             <a:endParaRPr lang="en-US"/>
           </a:p>
@@ -3465,7 +3465,7 @@
             <a:fld id="{30675A36-41C1-3640-8C6B-1BC6AFC60484}" type="datetime2">
               <a:rPr lang="en-US" smtClean="0"/>
               <a:pPr/>
-              <a:t>Monday, November 02, 2015</a:t>
+              <a:t>Tuesday, November 03, 2015</a:t>
             </a:fld>
             <a:endParaRPr lang="en-US"/>
           </a:p>
@@ -3585,7 +3585,7 @@
             <a:fld id="{937F365B-D897-1947-952A-6C45D93ACDC1}" type="datetime2">
               <a:rPr lang="en-US" smtClean="0"/>
               <a:pPr/>
-              <a:t>Monday, November 02, 2015</a:t>
+              <a:t>Tuesday, November 03, 2015</a:t>
             </a:fld>
             <a:endParaRPr lang="en-US"/>
           </a:p>
@@ -3887,7 +3887,7 @@
             <a:fld id="{2BEF7792-C4C4-FC44-A7F5-725EC2CD30B1}" type="datetime2">
               <a:rPr lang="en-US" smtClean="0"/>
               <a:pPr/>
-              <a:t>Monday, November 02, 2015</a:t>
+              <a:t>Tuesday, November 03, 2015</a:t>
             </a:fld>
             <a:endParaRPr lang="en-US"/>
           </a:p>
@@ -4172,7 +4172,7 @@
             <a:fld id="{EC13829E-7EE3-3944-BE84-808F00A9FAF3}" type="datetime2">
               <a:rPr lang="en-US" smtClean="0"/>
               <a:pPr/>
-              <a:t>Monday, November 02, 2015</a:t>
+              <a:t>Tuesday, November 03, 2015</a:t>
             </a:fld>
             <a:endParaRPr lang="en-US"/>
           </a:p>
@@ -4438,7 +4438,7 @@
             <a:fld id="{92714F1E-B45D-F141-BCEC-0A4A490D9DB7}" type="datetime2">
               <a:rPr lang="en-US" smtClean="0"/>
               <a:pPr/>
-              <a:t>Monday, November 02, 2015</a:t>
+              <a:t>Tuesday, November 03, 2015</a:t>
             </a:fld>
             <a:endParaRPr lang="en-US" dirty="0"/>
           </a:p>
@@ -5466,9 +5466,6 @@
               </a:rPr>
               <a:t> Definition</a:t>
             </a:r>
-            <a:endParaRPr lang="vi-VN" sz="2800" dirty="0" smtClean="0">
-              <a:latin typeface="Avenir Medium"/>
-            </a:endParaRPr>
           </a:p>
           <a:p>
             <a:r>
@@ -5498,7 +5495,19 @@
               <a:rPr lang="vi-VN" sz="2800" dirty="0" smtClean="0">
                 <a:latin typeface="Avenir Medium"/>
               </a:rPr>
-              <a:t>MySQL compares with PostgreSQL, Sqlite, MSSQL</a:t>
+              <a:t>MySQL compares with PostgreSQL, Sqlite, </a:t>
+            </a:r>
+            <a:r>
+              <a:rPr lang="vi-VN" sz="2800" dirty="0" smtClean="0">
+                <a:latin typeface="Avenir Medium"/>
+              </a:rPr>
+              <a:t>MSSQL</a:t>
+            </a:r>
+            <a:r>
+              <a:rPr lang="en-US" sz="2800" dirty="0" smtClean="0">
+                <a:latin typeface="Avenir Medium"/>
+              </a:rPr>
+              <a:t>, etc.</a:t>
             </a:r>
             <a:endParaRPr lang="en-US" sz="2800" dirty="0" smtClean="0">
               <a:latin typeface="Avenir Medium"/>
@@ -5738,23 +5747,31 @@
           <a:lstStyle/>
           <a:p>
             <a:r>
+              <a:rPr lang="en-US" sz="3000" dirty="0">
+                <a:latin typeface="Avenir Medium"/>
+              </a:rPr>
+              <a:t>SQL </a:t>
+            </a:r>
+            <a:r>
               <a:rPr lang="en-US" sz="3000" dirty="0" smtClean="0">
                 <a:latin typeface="Avenir Medium"/>
               </a:rPr>
-              <a:t>SQL </a:t>
-            </a:r>
-            <a:r>
-              <a:rPr lang="en-US" sz="3000" dirty="0" err="1" smtClean="0">
-                <a:latin typeface="Avenir Medium"/>
-              </a:rPr>
-              <a:t>Subqueries</a:t>
-            </a:r>
-            <a:endParaRPr lang="en-US" sz="3000" dirty="0" smtClean="0">
+              <a:t>Performance Overview</a:t>
+            </a:r>
+            <a:endParaRPr lang="en-US" sz="3000" dirty="0">
               <a:latin typeface="Avenir Medium"/>
             </a:endParaRPr>
           </a:p>
           <a:p>
             <a:r>
+              <a:rPr lang="en-US" sz="3000" dirty="0" smtClean="0">
+                <a:latin typeface="Avenir Medium"/>
+              </a:rPr>
+              <a:t>SQL Performance Tuning</a:t>
+            </a:r>
+          </a:p>
+          <a:p>
+            <a:r>
               <a:rPr lang="en-US" sz="3000" dirty="0">
                 <a:latin typeface="Avenir Medium"/>
               </a:rPr>
@@ -5764,57 +5781,7 @@
               <a:rPr lang="en-US" sz="3000" dirty="0" smtClean="0">
                 <a:latin typeface="Avenir Medium"/>
               </a:rPr>
-              <a:t>Join</a:t>
-            </a:r>
-          </a:p>
-          <a:p>
-            <a:r>
-              <a:rPr lang="en-US" sz="3000" dirty="0">
-                <a:latin typeface="Avenir Medium"/>
-              </a:rPr>
-              <a:t>SQL </a:t>
-            </a:r>
-            <a:r>
-              <a:rPr lang="en-US" sz="3000" dirty="0" smtClean="0">
-                <a:latin typeface="Avenir Medium"/>
-              </a:rPr>
-              <a:t>Union</a:t>
-            </a:r>
-          </a:p>
-          <a:p>
-            <a:r>
-              <a:rPr lang="en-US" sz="3000" dirty="0">
-                <a:latin typeface="Avenir Medium"/>
-              </a:rPr>
-              <a:t>SQL </a:t>
-            </a:r>
-            <a:r>
-              <a:rPr lang="en-US" sz="3000" dirty="0" smtClean="0">
-                <a:latin typeface="Avenir Medium"/>
-              </a:rPr>
-              <a:t>Procedures</a:t>
-            </a:r>
-          </a:p>
-          <a:p>
-            <a:r>
-              <a:rPr lang="en-US" sz="3000" dirty="0">
-                <a:latin typeface="Avenir Medium"/>
-              </a:rPr>
-              <a:t>SQL </a:t>
-            </a:r>
-            <a:r>
-              <a:rPr lang="en-US" sz="3000" dirty="0" smtClean="0">
-                <a:latin typeface="Avenir Medium"/>
-              </a:rPr>
-              <a:t>View</a:t>
-            </a:r>
-          </a:p>
-          <a:p>
-            <a:r>
-              <a:rPr lang="en-US" sz="3000" dirty="0" smtClean="0">
-                <a:latin typeface="Avenir Medium"/>
-              </a:rPr>
-              <a:t>SQL Transactions</a:t>
+              <a:t>Performance Best Practice</a:t>
             </a:r>
             <a:endParaRPr lang="en-US" sz="3000" dirty="0">
               <a:latin typeface="Avenir Medium"/>
@@ -6016,13 +5983,7 @@
               <a:rPr lang="en-US" dirty="0" smtClean="0">
                 <a:latin typeface="Avenir Medium"/>
               </a:rPr>
-              <a:t>VI. </a:t>
-            </a:r>
-            <a:r>
-              <a:rPr lang="en-US" dirty="0" smtClean="0">
-                <a:latin typeface="Avenir Medium"/>
-              </a:rPr>
-              <a:t>SQL Security</a:t>
+              <a:t>VI. SQL Security</a:t>
             </a:r>
             <a:endParaRPr lang="en-US" dirty="0">
               <a:latin typeface="Avenir Medium"/>
@@ -6054,13 +6015,7 @@
               <a:rPr lang="en-US" sz="2800" dirty="0" smtClean="0">
                 <a:latin typeface="Avenir Medium"/>
               </a:rPr>
-              <a:t>SQL </a:t>
-            </a:r>
-            <a:r>
-              <a:rPr lang="en-US" sz="2800" dirty="0" smtClean="0">
-                <a:latin typeface="Avenir Medium"/>
-              </a:rPr>
-              <a:t>Security Concepts</a:t>
+              <a:t>SQL Security Concepts</a:t>
             </a:r>
           </a:p>
           <a:p>
@@ -6089,9 +6044,6 @@
               </a:rPr>
               <a:t>Privileges</a:t>
             </a:r>
-            <a:endParaRPr lang="en-US" sz="2400" dirty="0" smtClean="0">
-              <a:latin typeface="Avenir Medium"/>
-            </a:endParaRPr>
           </a:p>
           <a:p>
             <a:r>
@@ -9454,9 +9406,6 @@
               </a:rPr>
               <a:t>Database Structure</a:t>
             </a:r>
-            <a:endParaRPr lang="en-US" sz="3000" b="1" dirty="0" smtClean="0">
-              <a:latin typeface="Avenir Medium"/>
-            </a:endParaRPr>
           </a:p>
           <a:p>
             <a:pPr marL="571500" indent="-571500">
@@ -9518,25 +9467,7 @@
               <a:rPr lang="en-US" sz="3000" b="1" dirty="0" smtClean="0">
                 <a:latin typeface="Avenir Medium"/>
               </a:rPr>
-              <a:t>V</a:t>
-            </a:r>
-            <a:r>
-              <a:rPr lang="en-US" sz="3000" b="1" dirty="0" smtClean="0">
-                <a:latin typeface="Avenir Medium"/>
-              </a:rPr>
-              <a:t>. </a:t>
-            </a:r>
-            <a:r>
-              <a:rPr lang="en-US" sz="3000" b="1" dirty="0" smtClean="0">
-                <a:latin typeface="Avenir Medium"/>
-              </a:rPr>
-              <a:t> </a:t>
-            </a:r>
-            <a:r>
-              <a:rPr lang="en-US" sz="3000" b="1" dirty="0" smtClean="0">
-                <a:latin typeface="Avenir Medium"/>
-              </a:rPr>
-              <a:t>SQL </a:t>
+              <a:t>V.  SQL </a:t>
             </a:r>
             <a:r>
               <a:rPr lang="en-US" sz="3000" b="1" dirty="0">
@@ -9544,9 +9475,6 @@
               </a:rPr>
               <a:t>Performance</a:t>
             </a:r>
-            <a:endParaRPr lang="en-US" sz="3000" b="1" dirty="0">
-              <a:latin typeface="Avenir Medium"/>
-            </a:endParaRPr>
           </a:p>
           <a:p>
             <a:pPr>
@@ -9768,13 +9696,7 @@
               <a:rPr lang="en-US" dirty="0" smtClean="0">
                 <a:latin typeface="Avenir Medium"/>
               </a:rPr>
-              <a:t>I. </a:t>
-            </a:r>
-            <a:r>
-              <a:rPr lang="en-US" dirty="0" smtClean="0">
-                <a:latin typeface="Avenir Medium"/>
-              </a:rPr>
-              <a:t>Database Structure</a:t>
+              <a:t>I. Database Structure</a:t>
             </a:r>
             <a:endParaRPr lang="en-US" dirty="0">
               <a:latin typeface="Avenir Medium"/>
@@ -9806,7 +9728,13 @@
               <a:rPr lang="en-US" sz="2800" dirty="0" smtClean="0">
                 <a:latin typeface="Avenir Medium"/>
               </a:rPr>
-              <a:t>The Data Definition Language</a:t>
+              <a:t>The Data Definition </a:t>
+            </a:r>
+            <a:r>
+              <a:rPr lang="en-US" sz="2800" dirty="0" smtClean="0">
+                <a:latin typeface="Avenir Medium"/>
+              </a:rPr>
+              <a:t>Language (DDL)</a:t>
             </a:r>
             <a:endParaRPr lang="en-US" sz="2800" dirty="0" smtClean="0">
               <a:latin typeface="Avenir Medium"/>
@@ -9817,23 +9745,56 @@
               <a:rPr lang="en-US" sz="2800" dirty="0" smtClean="0">
                 <a:latin typeface="Avenir Medium"/>
               </a:rPr>
-              <a:t>Creating a Database</a:t>
-            </a:r>
-          </a:p>
-          <a:p>
+              <a:t>Creating a </a:t>
+            </a:r>
             <a:r>
               <a:rPr lang="en-US" sz="2800" dirty="0" smtClean="0">
                 <a:latin typeface="Avenir Medium"/>
               </a:rPr>
-              <a:t>Table Definitions (create, drop, alter)</a:t>
-            </a:r>
+              <a:t>Database</a:t>
+            </a:r>
+            <a:endParaRPr lang="en-US" sz="2800" dirty="0" smtClean="0">
+              <a:latin typeface="Avenir Medium"/>
+            </a:endParaRPr>
           </a:p>
           <a:p>
             <a:r>
               <a:rPr lang="en-US" sz="2800" dirty="0" smtClean="0">
                 <a:latin typeface="Avenir Medium"/>
               </a:rPr>
-              <a:t>Constraint Definitions (assertions, domains)</a:t>
+              <a:t>Table </a:t>
+            </a:r>
+            <a:r>
+              <a:rPr lang="en-US" sz="2800" dirty="0" smtClean="0">
+                <a:latin typeface="Avenir Medium"/>
+              </a:rPr>
+              <a:t>Definitions </a:t>
+            </a:r>
+            <a:r>
+              <a:rPr lang="en-US" sz="2800" dirty="0" smtClean="0">
+                <a:latin typeface="Avenir Medium"/>
+              </a:rPr>
+              <a:t>(create, drop, alter)</a:t>
+            </a:r>
+          </a:p>
+          <a:p>
+            <a:r>
+              <a:rPr lang="en-US" sz="2800" dirty="0" smtClean="0">
+                <a:latin typeface="Avenir Medium"/>
+              </a:rPr>
+              <a:t>Constraint </a:t>
+            </a:r>
+            <a:r>
+              <a:rPr lang="en-US" sz="2800" dirty="0" smtClean="0">
+                <a:latin typeface="Avenir Medium"/>
+              </a:rPr>
+              <a:t>Definitions </a:t>
+            </a:r>
+            <a:r>
+              <a:rPr lang="en-US" sz="2800" dirty="0" smtClean="0">
+                <a:latin typeface="Avenir Medium"/>
+              </a:rPr>
+              <a:t>(assertions, domains)</a:t>
             </a:r>
           </a:p>
           <a:p>
@@ -10150,17 +10111,35 @@
               </a:rPr>
               <a:t>Data Types, Constants</a:t>
             </a:r>
+          </a:p>
+          <a:p>
+            <a:r>
+              <a:rPr lang="vi-VN" sz="2800" dirty="0" smtClean="0">
+                <a:latin typeface="Avenir Medium"/>
+              </a:rPr>
+              <a:t>Expressions</a:t>
+            </a:r>
+            <a:r>
+              <a:rPr lang="vi-VN" sz="2800" dirty="0" smtClean="0">
+                <a:latin typeface="Avenir Medium"/>
+              </a:rPr>
+              <a:t>, Built-in </a:t>
+            </a:r>
+            <a:r>
+              <a:rPr lang="en-US" sz="2800" dirty="0" smtClean="0">
+                <a:latin typeface="Avenir Medium"/>
+              </a:rPr>
+              <a:t>F</a:t>
+            </a:r>
+            <a:r>
+              <a:rPr lang="vi-VN" sz="2800" dirty="0" smtClean="0">
+                <a:latin typeface="Avenir Medium"/>
+              </a:rPr>
+              <a:t>unctions</a:t>
+            </a:r>
             <a:endParaRPr lang="vi-VN" sz="2800" dirty="0" smtClean="0">
               <a:latin typeface="Avenir Medium"/>
             </a:endParaRPr>
-          </a:p>
-          <a:p>
-            <a:r>
-              <a:rPr lang="vi-VN" sz="2800" dirty="0" smtClean="0">
-                <a:latin typeface="Avenir Medium"/>
-              </a:rPr>
-              <a:t>Expressions, Built-in functions</a:t>
-            </a:r>
           </a:p>
           <a:p>
             <a:r>
@@ -10199,12 +10178,30 @@
               <a:rPr lang="vi-VN" sz="2400" dirty="0">
                 <a:latin typeface="Avenir Medium"/>
               </a:rPr>
-              <a:t>Search conditions (=, &lt;&gt;, &lt;, &lt;=, &gt;, </a:t>
+              <a:t>Search </a:t>
+            </a:r>
+            <a:r>
+              <a:rPr lang="en-US" sz="2400" dirty="0" smtClean="0">
+                <a:latin typeface="Avenir Medium"/>
+              </a:rPr>
+              <a:t>C</a:t>
             </a:r>
             <a:r>
               <a:rPr lang="vi-VN" sz="2400" dirty="0" smtClean="0">
                 <a:latin typeface="Avenir Medium"/>
               </a:rPr>
+              <a:t>onditions </a:t>
+            </a:r>
+            <a:r>
+              <a:rPr lang="vi-VN" sz="2400" dirty="0">
+                <a:latin typeface="Avenir Medium"/>
+              </a:rPr>
+              <a:t>(=, &lt;&gt;, &lt;, &lt;=, &gt;, </a:t>
+            </a:r>
+            <a:r>
+              <a:rPr lang="vi-VN" sz="2400" dirty="0" smtClean="0">
+                <a:latin typeface="Avenir Medium"/>
+              </a:rPr>
               <a:t>&gt;=, between</a:t>
             </a:r>
             <a:r>
@@ -10219,6 +10216,9 @@
               </a:rPr>
               <a:t>not)</a:t>
             </a:r>
+            <a:endParaRPr lang="vi-VN" sz="2400" dirty="0" smtClean="0">
+              <a:latin typeface="Avenir Medium"/>
+            </a:endParaRPr>
           </a:p>
           <a:p>
             <a:pPr lvl="1">
@@ -10229,7 +10229,25 @@
               <a:rPr lang="vi-VN" sz="2400" dirty="0" smtClean="0">
                 <a:latin typeface="Avenir Medium"/>
               </a:rPr>
-              <a:t>Sorting (Order by)</a:t>
+              <a:t>Sorting (Order </a:t>
+            </a:r>
+            <a:r>
+              <a:rPr lang="en-US" sz="2400" dirty="0" smtClean="0">
+                <a:latin typeface="Avenir Medium"/>
+              </a:rPr>
+              <a:t>B</a:t>
+            </a:r>
+            <a:r>
+              <a:rPr lang="vi-VN" sz="2400" dirty="0" smtClean="0">
+                <a:latin typeface="Avenir Medium"/>
+              </a:rPr>
+              <a:t>y</a:t>
+            </a:r>
+            <a:r>
+              <a:rPr lang="vi-VN" sz="2400" dirty="0" smtClean="0">
+                <a:latin typeface="Avenir Medium"/>
+              </a:rPr>
+              <a:t>)</a:t>
             </a:r>
           </a:p>
           <a:p>
@@ -10292,7 +10310,7 @@
         </p:blipFill>
         <p:spPr bwMode="auto">
           <a:xfrm>
-            <a:off x="6125255" y="203344"/>
+            <a:off x="6134780" y="-6206"/>
             <a:ext cx="3018745" cy="3108960"/>
           </a:xfrm>
           <a:prstGeom prst="rect">
@@ -10320,7 +10338,7 @@
         </p:nvSpPr>
         <p:spPr bwMode="auto">
           <a:xfrm rot="18848352">
-            <a:off x="7564702" y="1973250"/>
+            <a:off x="7574227" y="1763700"/>
             <a:ext cx="1506358" cy="400110"/>
           </a:xfrm>
           <a:prstGeom prst="rect">
@@ -10443,7 +10461,7 @@
         </p:nvSpPr>
         <p:spPr>
           <a:xfrm>
-            <a:off x="-1021222" y="510719"/>
+            <a:off x="-1021222" y="453569"/>
             <a:ext cx="8229600" cy="739014"/>
           </a:xfrm>
         </p:spPr>
@@ -10481,8 +10499,8 @@
         </p:nvSpPr>
         <p:spPr>
           <a:xfrm>
-            <a:off x="457200" y="1381465"/>
-            <a:ext cx="8229600" cy="4940266"/>
+            <a:off x="457200" y="1295740"/>
+            <a:ext cx="8229600" cy="5409860"/>
           </a:xfrm>
         </p:spPr>
         <p:txBody>
@@ -10499,32 +10517,80 @@
           <a:p>
             <a:pPr lvl="1"/>
             <a:r>
+              <a:rPr lang="en-US" sz="2600" dirty="0" smtClean="0">
+                <a:latin typeface="Avenir Medium"/>
+              </a:rPr>
+              <a:t>Single/multi </a:t>
+            </a:r>
+            <a:r>
+              <a:rPr lang="en-US" sz="2600" dirty="0" err="1" smtClean="0">
+                <a:latin typeface="Avenir Medium"/>
+              </a:rPr>
+              <a:t>i</a:t>
+            </a:r>
+            <a:r>
               <a:rPr lang="vi-VN" sz="2600" dirty="0" smtClean="0">
                 <a:latin typeface="Avenir Medium"/>
               </a:rPr>
-              <a:t>Insert, delete, udpate</a:t>
-            </a:r>
-            <a:endParaRPr lang="vi-VN" sz="2600" dirty="0">
+              <a:t>nsert</a:t>
+            </a:r>
+            <a:r>
+              <a:rPr lang="vi-VN" sz="2600" dirty="0" smtClean="0">
+                <a:latin typeface="Avenir Medium"/>
+              </a:rPr>
+              <a:t>, delete, </a:t>
+            </a:r>
+            <a:r>
+              <a:rPr lang="vi-VN" sz="2600" dirty="0" smtClean="0">
+                <a:latin typeface="Avenir Medium"/>
+              </a:rPr>
+              <a:t>up</a:t>
+            </a:r>
+            <a:r>
+              <a:rPr lang="en-US" sz="2600" dirty="0" smtClean="0">
+                <a:latin typeface="Avenir Medium"/>
+              </a:rPr>
+              <a:t>d</a:t>
+            </a:r>
+            <a:r>
+              <a:rPr lang="vi-VN" sz="2600" dirty="0" smtClean="0">
+                <a:latin typeface="Avenir Medium"/>
+              </a:rPr>
+              <a:t>ate</a:t>
+            </a:r>
+            <a:endParaRPr lang="en-US" sz="2600" dirty="0" smtClean="0">
               <a:latin typeface="Avenir Medium"/>
             </a:endParaRPr>
           </a:p>
           <a:p>
             <a:r>
-              <a:rPr lang="vi-VN" sz="3000" dirty="0" smtClean="0">
-                <a:latin typeface="Avenir Medium"/>
-              </a:rPr>
-              <a:t>Joins</a:t>
-            </a:r>
-            <a:endParaRPr lang="en-US" sz="3000" dirty="0" smtClean="0">
+              <a:rPr lang="en-US" sz="3000" dirty="0" err="1" smtClean="0">
+                <a:latin typeface="Avenir Medium"/>
+              </a:rPr>
+              <a:t>Subqueries</a:t>
+            </a:r>
+            <a:endParaRPr lang="vi-VN" sz="3000" dirty="0">
               <a:latin typeface="Avenir Medium"/>
             </a:endParaRPr>
           </a:p>
           <a:p>
             <a:r>
+              <a:rPr lang="vi-VN" sz="3000" dirty="0" smtClean="0">
+                <a:latin typeface="Avenir Medium"/>
+              </a:rPr>
+              <a:t>Joins</a:t>
+            </a:r>
+            <a:r>
+              <a:rPr lang="en-US" sz="3000" dirty="0">
+                <a:latin typeface="Avenir Medium"/>
+              </a:rPr>
+              <a:t>, </a:t>
+            </a:r>
+            <a:r>
               <a:rPr lang="en-US" sz="3000" dirty="0" smtClean="0">
                 <a:latin typeface="Avenir Medium"/>
               </a:rPr>
-              <a:t>Union</a:t>
+              <a:t>Union, Wildcard</a:t>
             </a:r>
             <a:endParaRPr lang="vi-VN" sz="3000" dirty="0" smtClean="0">
               <a:latin typeface="Avenir Medium"/>
@@ -10535,15 +10601,63 @@
               <a:rPr lang="vi-VN" sz="3000" dirty="0" smtClean="0">
                 <a:latin typeface="Avenir Medium"/>
               </a:rPr>
-              <a:t>Grouped Queries (Group by)</a:t>
-            </a:r>
-          </a:p>
-          <a:p>
+              <a:t>Grouped Queries (Group </a:t>
+            </a:r>
+            <a:r>
+              <a:rPr lang="en-US" sz="3000" dirty="0" smtClean="0">
+                <a:latin typeface="Avenir Medium"/>
+              </a:rPr>
+              <a:t>B</a:t>
+            </a:r>
             <a:r>
               <a:rPr lang="vi-VN" sz="3000" dirty="0" smtClean="0">
                 <a:latin typeface="Avenir Medium"/>
               </a:rPr>
-              <a:t>Group search conditions (Having)</a:t>
+              <a:t>y</a:t>
+            </a:r>
+            <a:r>
+              <a:rPr lang="vi-VN" sz="3000" dirty="0" smtClean="0">
+                <a:latin typeface="Avenir Medium"/>
+              </a:rPr>
+              <a:t>)</a:t>
+            </a:r>
+          </a:p>
+          <a:p>
+            <a:r>
+              <a:rPr lang="vi-VN" sz="3000" dirty="0" smtClean="0">
+                <a:latin typeface="Avenir Medium"/>
+              </a:rPr>
+              <a:t>Group </a:t>
+            </a:r>
+            <a:r>
+              <a:rPr lang="en-US" sz="3000" dirty="0" smtClean="0">
+                <a:latin typeface="Avenir Medium"/>
+              </a:rPr>
+              <a:t>S</a:t>
+            </a:r>
+            <a:r>
+              <a:rPr lang="vi-VN" sz="3000" dirty="0" smtClean="0">
+                <a:latin typeface="Avenir Medium"/>
+              </a:rPr>
+              <a:t>earch </a:t>
+            </a:r>
+            <a:r>
+              <a:rPr lang="en-US" sz="3000" dirty="0" smtClean="0">
+                <a:latin typeface="Avenir Medium"/>
+              </a:rPr>
+              <a:t>C</a:t>
+            </a:r>
+            <a:r>
+              <a:rPr lang="vi-VN" sz="3000" dirty="0" smtClean="0">
+                <a:latin typeface="Avenir Medium"/>
+              </a:rPr>
+              <a:t>onditions </a:t>
+            </a:r>
+            <a:r>
+              <a:rPr lang="vi-VN" sz="3000" dirty="0" smtClean="0">
+                <a:latin typeface="Avenir Medium"/>
+              </a:rPr>
+              <a:t>(Having)</a:t>
             </a:r>
             <a:endParaRPr lang="en-US" sz="2600" dirty="0" smtClean="0">
               <a:latin typeface="Avenir Medium"/>
@@ -10583,6 +10697,14 @@
                 <a:latin typeface="Avenir Medium"/>
               </a:rPr>
               <a:t>SQL Transactions</a:t>
+            </a:r>
+          </a:p>
+          <a:p>
+            <a:r>
+              <a:rPr lang="en-US" sz="3000" dirty="0" smtClean="0">
+                <a:latin typeface="Avenir Medium"/>
+              </a:rPr>
+              <a:t>SQL Scripts</a:t>
             </a:r>
             <a:endParaRPr lang="en-US" sz="3000" dirty="0">
               <a:latin typeface="Avenir Medium"/>
@@ -10618,7 +10740,7 @@
         </p:blipFill>
         <p:spPr bwMode="auto">
           <a:xfrm>
-            <a:off x="5729955" y="-6124"/>
+            <a:off x="5963896" y="27327"/>
             <a:ext cx="3414045" cy="2536825"/>
           </a:xfrm>
           <a:prstGeom prst="rect">
@@ -10646,7 +10768,7 @@
         </p:nvSpPr>
         <p:spPr bwMode="auto">
           <a:xfrm rot="21290841">
-            <a:off x="5974674" y="447109"/>
+            <a:off x="6208615" y="480560"/>
             <a:ext cx="1506358" cy="307777"/>
           </a:xfrm>
           <a:prstGeom prst="rect">

--- a/QS_Training_SQL_Overview.pptx
+++ b/QS_Training_SQL_Overview.pptx
@@ -20,8 +20,8 @@
     <p:sldId id="389" r:id="rId8"/>
     <p:sldId id="391" r:id="rId9"/>
     <p:sldId id="392" r:id="rId10"/>
-    <p:sldId id="395" r:id="rId11"/>
-    <p:sldId id="396" r:id="rId12"/>
+    <p:sldId id="396" r:id="rId11"/>
+    <p:sldId id="395" r:id="rId12"/>
     <p:sldId id="393" r:id="rId13"/>
     <p:sldId id="367" r:id="rId14"/>
     <p:sldId id="333" r:id="rId15"/>
@@ -5402,7 +5402,7 @@
         </p:nvSpPr>
         <p:spPr>
           <a:xfrm>
-            <a:off x="-676275" y="526822"/>
+            <a:off x="-952500" y="545878"/>
             <a:ext cx="8229600" cy="739014"/>
           </a:xfrm>
         </p:spPr>
@@ -5414,19 +5414,13 @@
               <a:rPr lang="en-US" dirty="0" smtClean="0">
                 <a:latin typeface="Avenir Medium"/>
               </a:rPr>
-              <a:t>IV. </a:t>
-            </a:r>
-            <a:r>
-              <a:rPr lang="en-US" dirty="0">
-                <a:latin typeface="Avenir Medium"/>
-              </a:rPr>
-              <a:t>MySQL </a:t>
+              <a:t>IV. SQL </a:t>
             </a:r>
             <a:r>
               <a:rPr lang="en-US" dirty="0" smtClean="0">
                 <a:latin typeface="Avenir Medium"/>
               </a:rPr>
-              <a:t>Database</a:t>
+              <a:t>Advanced</a:t>
             </a:r>
             <a:endParaRPr lang="en-US" dirty="0">
               <a:latin typeface="Avenir Medium"/>
@@ -5455,61 +5449,88 @@
           <a:lstStyle/>
           <a:p>
             <a:r>
-              <a:rPr lang="en-US" sz="2800" dirty="0" smtClean="0">
-                <a:latin typeface="Avenir Medium"/>
-              </a:rPr>
-              <a:t>MySQL</a:t>
-            </a:r>
-            <a:r>
-              <a:rPr lang="vi-VN" sz="2800" dirty="0" smtClean="0">
-                <a:latin typeface="Avenir Medium"/>
-              </a:rPr>
-              <a:t> Definition</a:t>
-            </a:r>
-          </a:p>
-          <a:p>
-            <a:r>
-              <a:rPr lang="en-US" sz="2800" dirty="0">
-                <a:latin typeface="Avenir Medium"/>
-              </a:rPr>
-              <a:t>MySQL</a:t>
-            </a:r>
-            <a:r>
-              <a:rPr lang="vi-VN" sz="2800" dirty="0">
-                <a:latin typeface="Avenir Medium"/>
-              </a:rPr>
-              <a:t> </a:t>
-            </a:r>
-            <a:r>
-              <a:rPr lang="vi-VN" sz="2800" dirty="0" smtClean="0">
-                <a:latin typeface="Avenir Medium"/>
-              </a:rPr>
-              <a:t>Usages</a:t>
-            </a:r>
-            <a:endParaRPr lang="en-US" sz="2800" dirty="0" smtClean="0">
-              <a:latin typeface="Avenir Medium"/>
-            </a:endParaRPr>
-          </a:p>
-          <a:p>
-            <a:r>
-              <a:rPr lang="vi-VN" sz="2800" dirty="0" smtClean="0">
-                <a:latin typeface="Avenir Medium"/>
-              </a:rPr>
-              <a:t>MySQL compares with PostgreSQL, Sqlite, </a:t>
-            </a:r>
-            <a:r>
-              <a:rPr lang="vi-VN" sz="2800" dirty="0" smtClean="0">
-                <a:latin typeface="Avenir Medium"/>
-              </a:rPr>
-              <a:t>MSSQL</a:t>
-            </a:r>
-            <a:r>
-              <a:rPr lang="en-US" sz="2800" dirty="0" smtClean="0">
-                <a:latin typeface="Avenir Medium"/>
-              </a:rPr>
-              <a:t>, etc.</a:t>
-            </a:r>
-            <a:endParaRPr lang="en-US" sz="2800" dirty="0" smtClean="0">
+              <a:rPr lang="en-US" sz="3000" dirty="0">
+                <a:latin typeface="Avenir Medium"/>
+              </a:rPr>
+              <a:t>SQL Procedures</a:t>
+            </a:r>
+          </a:p>
+          <a:p>
+            <a:r>
+              <a:rPr lang="en-US" sz="3000" dirty="0">
+                <a:latin typeface="Avenir Medium"/>
+              </a:rPr>
+              <a:t>SQL View</a:t>
+            </a:r>
+          </a:p>
+          <a:p>
+            <a:r>
+              <a:rPr lang="en-US" sz="3000" dirty="0">
+                <a:latin typeface="Avenir Medium"/>
+              </a:rPr>
+              <a:t>SQL Transactions</a:t>
+            </a:r>
+          </a:p>
+          <a:p>
+            <a:r>
+              <a:rPr lang="en-US" sz="3000" dirty="0">
+                <a:latin typeface="Avenir Medium"/>
+              </a:rPr>
+              <a:t>SQL </a:t>
+            </a:r>
+            <a:r>
+              <a:rPr lang="en-US" sz="3000" dirty="0" smtClean="0">
+                <a:latin typeface="Avenir Medium"/>
+              </a:rPr>
+              <a:t>Scripts</a:t>
+            </a:r>
+          </a:p>
+          <a:p>
+            <a:pPr lvl="1"/>
+            <a:r>
+              <a:rPr lang="en-US" sz="2600" dirty="0" smtClean="0">
+                <a:latin typeface="Avenir Medium"/>
+              </a:rPr>
+              <a:t>Using comments</a:t>
+            </a:r>
+          </a:p>
+          <a:p>
+            <a:pPr lvl="1"/>
+            <a:r>
+              <a:rPr lang="en-US" sz="2600" dirty="0" smtClean="0">
+                <a:latin typeface="Avenir Medium"/>
+              </a:rPr>
+              <a:t>Variables</a:t>
+            </a:r>
+          </a:p>
+          <a:p>
+            <a:pPr lvl="1"/>
+            <a:r>
+              <a:rPr lang="en-US" sz="2600" dirty="0" smtClean="0">
+                <a:latin typeface="Avenir Medium"/>
+              </a:rPr>
+              <a:t>Built-in Global Variables</a:t>
+            </a:r>
+          </a:p>
+          <a:p>
+            <a:pPr lvl="1"/>
+            <a:r>
+              <a:rPr lang="en-US" sz="2600" dirty="0" smtClean="0">
+                <a:latin typeface="Avenir Medium"/>
+              </a:rPr>
+              <a:t>Flow Control</a:t>
+            </a:r>
+          </a:p>
+          <a:p>
+            <a:r>
+              <a:rPr lang="en-US" sz="3200" dirty="0">
+                <a:latin typeface="Avenir Medium"/>
+              </a:rPr>
+              <a:t>Indexes (create, drop index)</a:t>
+            </a:r>
+          </a:p>
+          <a:p>
+            <a:endParaRPr lang="en-US" sz="3000" dirty="0">
               <a:latin typeface="Avenir Medium"/>
             </a:endParaRPr>
           </a:p>
@@ -5522,7 +5543,7 @@
       </p:sp>
       <p:pic>
         <p:nvPicPr>
-          <p:cNvPr id="5" name="Picture 14" descr="C:\Program Files\Microsoft Office\Clipart\standard\stddir3\pe01628_.wmf"/>
+          <p:cNvPr id="7" name="Picture 14" descr="C:\Program Files\Microsoft Office\Clipart\standard\stddir3\pe01628_.wmf"/>
           <p:cNvPicPr>
             <a:picLocks noChangeAspect="1" noChangeArrowheads="1"/>
           </p:cNvPicPr>
@@ -5543,7 +5564,7 @@
         </p:blipFill>
         <p:spPr bwMode="auto">
           <a:xfrm>
-            <a:off x="6052458" y="3923042"/>
+            <a:off x="6339568" y="1408724"/>
             <a:ext cx="2804432" cy="2514318"/>
           </a:xfrm>
           <a:prstGeom prst="rect">
@@ -5563,7 +5584,7 @@
       </p:pic>
       <p:sp>
         <p:nvSpPr>
-          <p:cNvPr id="6" name="Text Box 5"/>
+          <p:cNvPr id="8" name="Text Box 5"/>
           <p:cNvSpPr txBox="1">
             <a:spLocks noChangeArrowheads="1"/>
           </p:cNvSpPr>
@@ -5571,7 +5592,7 @@
         </p:nvSpPr>
         <p:spPr bwMode="auto">
           <a:xfrm>
-            <a:off x="6425961" y="4116188"/>
+            <a:off x="6713071" y="1601870"/>
             <a:ext cx="1506358" cy="338554"/>
           </a:xfrm>
           <a:prstGeom prst="rect">
@@ -5636,7 +5657,7 @@
     </p:spTree>
     <p:extLst>
       <p:ext uri="{BB962C8B-B14F-4D97-AF65-F5344CB8AC3E}">
-        <p14:creationId xmlns:p14="http://schemas.microsoft.com/office/powerpoint/2010/main" val="3407408495"/>
+        <p14:creationId xmlns:p14="http://schemas.microsoft.com/office/powerpoint/2010/main" val="1016242517"/>
       </p:ext>
     </p:extLst>
   </p:cSld>
@@ -5694,7 +5715,7 @@
         </p:nvSpPr>
         <p:spPr>
           <a:xfrm>
-            <a:off x="-685800" y="526822"/>
+            <a:off x="-676275" y="526822"/>
             <a:ext cx="8229600" cy="739014"/>
           </a:xfrm>
         </p:spPr>
@@ -5712,13 +5733,13 @@
               <a:rPr lang="en-US" dirty="0">
                 <a:latin typeface="Avenir Medium"/>
               </a:rPr>
-              <a:t>SQL </a:t>
-            </a:r>
-            <a:r>
-              <a:rPr lang="vi-VN" dirty="0">
-                <a:latin typeface="Avenir Medium"/>
-              </a:rPr>
-              <a:t>Performance</a:t>
+              <a:t>MySQL </a:t>
+            </a:r>
+            <a:r>
+              <a:rPr lang="en-US" dirty="0" smtClean="0">
+                <a:latin typeface="Avenir Medium"/>
+              </a:rPr>
+              <a:t>&amp; Security</a:t>
             </a:r>
             <a:endParaRPr lang="en-US" dirty="0">
               <a:latin typeface="Avenir Medium"/>
@@ -5738,8 +5759,8 @@
         </p:nvSpPr>
         <p:spPr>
           <a:xfrm>
-            <a:off x="457200" y="1381465"/>
-            <a:ext cx="8229600" cy="4940266"/>
+            <a:off x="457200" y="1381464"/>
+            <a:ext cx="8229600" cy="5381285"/>
           </a:xfrm>
         </p:spPr>
         <p:txBody>
@@ -5747,43 +5768,127 @@
           <a:lstStyle/>
           <a:p>
             <a:r>
-              <a:rPr lang="en-US" sz="3000" dirty="0">
-                <a:latin typeface="Avenir Medium"/>
-              </a:rPr>
-              <a:t>SQL </a:t>
-            </a:r>
-            <a:r>
-              <a:rPr lang="en-US" sz="3000" dirty="0" smtClean="0">
-                <a:latin typeface="Avenir Medium"/>
-              </a:rPr>
-              <a:t>Performance Overview</a:t>
-            </a:r>
-            <a:endParaRPr lang="en-US" sz="3000" dirty="0">
-              <a:latin typeface="Avenir Medium"/>
-            </a:endParaRPr>
-          </a:p>
-          <a:p>
-            <a:r>
-              <a:rPr lang="en-US" sz="3000" dirty="0" smtClean="0">
-                <a:latin typeface="Avenir Medium"/>
-              </a:rPr>
-              <a:t>SQL Performance Tuning</a:t>
-            </a:r>
-          </a:p>
-          <a:p>
-            <a:r>
-              <a:rPr lang="en-US" sz="3000" dirty="0">
-                <a:latin typeface="Avenir Medium"/>
-              </a:rPr>
-              <a:t>SQL </a:t>
-            </a:r>
-            <a:r>
-              <a:rPr lang="en-US" sz="3000" dirty="0" smtClean="0">
-                <a:latin typeface="Avenir Medium"/>
-              </a:rPr>
-              <a:t>Performance Best Practice</a:t>
-            </a:r>
-            <a:endParaRPr lang="en-US" sz="3000" dirty="0">
+              <a:rPr lang="vi-VN" sz="2800" dirty="0" smtClean="0">
+                <a:latin typeface="Avenir Medium"/>
+              </a:rPr>
+              <a:t>Definition</a:t>
+            </a:r>
+            <a:r>
+              <a:rPr lang="en-US" sz="2800" dirty="0" smtClean="0">
+                <a:latin typeface="Avenir Medium"/>
+              </a:rPr>
+              <a:t>, </a:t>
+            </a:r>
+            <a:r>
+              <a:rPr lang="vi-VN" sz="2800" dirty="0" smtClean="0">
+                <a:latin typeface="Avenir Medium"/>
+              </a:rPr>
+              <a:t>Usages</a:t>
+            </a:r>
+            <a:r>
+              <a:rPr lang="en-US" sz="2800" dirty="0">
+                <a:latin typeface="Avenir Medium"/>
+              </a:rPr>
+              <a:t> </a:t>
+            </a:r>
+            <a:r>
+              <a:rPr lang="en-US" sz="2800" dirty="0" smtClean="0">
+                <a:latin typeface="Avenir Medium"/>
+              </a:rPr>
+              <a:t>and C</a:t>
+            </a:r>
+            <a:r>
+              <a:rPr lang="vi-VN" sz="2800" dirty="0" smtClean="0">
+                <a:latin typeface="Avenir Medium"/>
+              </a:rPr>
+              <a:t>ompares with PostgreSQL, Sqlite, MSSQL</a:t>
+            </a:r>
+            <a:r>
+              <a:rPr lang="en-US" sz="2800" dirty="0" smtClean="0">
+                <a:latin typeface="Avenir Medium"/>
+              </a:rPr>
+              <a:t>, etc.</a:t>
+            </a:r>
+          </a:p>
+          <a:p>
+            <a:r>
+              <a:rPr lang="en-US" sz="2800" dirty="0">
+                <a:latin typeface="Avenir Medium"/>
+              </a:rPr>
+              <a:t>SQL Security Concepts</a:t>
+            </a:r>
+          </a:p>
+          <a:p>
+            <a:pPr lvl="1"/>
+            <a:r>
+              <a:rPr lang="en-US" sz="2400" dirty="0">
+                <a:latin typeface="Avenir Medium"/>
+              </a:rPr>
+              <a:t>User-Ids, Security Objects, Privileges</a:t>
+            </a:r>
+          </a:p>
+          <a:p>
+            <a:r>
+              <a:rPr lang="en-US" sz="2800" dirty="0">
+                <a:latin typeface="Avenir Medium"/>
+              </a:rPr>
+              <a:t>Views and SQL Security</a:t>
+            </a:r>
+          </a:p>
+          <a:p>
+            <a:r>
+              <a:rPr lang="en-US" sz="2800" dirty="0">
+                <a:latin typeface="Avenir Medium"/>
+              </a:rPr>
+              <a:t>Granting Privileges (GRANT)</a:t>
+            </a:r>
+          </a:p>
+          <a:p>
+            <a:pPr lvl="1"/>
+            <a:r>
+              <a:rPr lang="en-US" sz="2400" dirty="0">
+                <a:latin typeface="Avenir Medium"/>
+              </a:rPr>
+              <a:t>Column Privileges</a:t>
+            </a:r>
+          </a:p>
+          <a:p>
+            <a:pPr lvl="1"/>
+            <a:r>
+              <a:rPr lang="en-US" sz="2400" dirty="0">
+                <a:latin typeface="Avenir Medium"/>
+              </a:rPr>
+              <a:t>Passing Privileges (GRANT OPTION)</a:t>
+            </a:r>
+          </a:p>
+          <a:p>
+            <a:r>
+              <a:rPr lang="en-US" sz="2800" dirty="0">
+                <a:latin typeface="Avenir Medium"/>
+              </a:rPr>
+              <a:t>Revoking Privileges (REVOKE)</a:t>
+            </a:r>
+          </a:p>
+          <a:p>
+            <a:pPr lvl="1"/>
+            <a:r>
+              <a:rPr lang="en-US" sz="2400" dirty="0">
+                <a:latin typeface="Avenir Medium"/>
+              </a:rPr>
+              <a:t>REVOKE and the GRANT OPTION</a:t>
+            </a:r>
+          </a:p>
+          <a:p>
+            <a:pPr lvl="1"/>
+            <a:r>
+              <a:rPr lang="en-US" sz="2400" dirty="0">
+                <a:latin typeface="Avenir Medium"/>
+              </a:rPr>
+              <a:t>REVOKE and the ANSI/ISO Standard</a:t>
+            </a:r>
+          </a:p>
+          <a:p>
+            <a:endParaRPr lang="en-US" sz="2800" dirty="0" smtClean="0">
               <a:latin typeface="Avenir Medium"/>
             </a:endParaRPr>
           </a:p>
@@ -5796,7 +5901,7 @@
       </p:sp>
       <p:pic>
         <p:nvPicPr>
-          <p:cNvPr id="5" name="Picture 52" descr="E:\PFiles\MSOffice\Clipart\standard\stddir4\pe01970_.wmf"/>
+          <p:cNvPr id="7" name="Picture 11" descr="E:\PFiles\MSOffice\Clipart\standard\stddir3\pe01590_.wmf"/>
           <p:cNvPicPr>
             <a:picLocks noChangeAspect="1" noChangeArrowheads="1"/>
           </p:cNvPicPr>
@@ -5817,8 +5922,8 @@
         </p:blipFill>
         <p:spPr bwMode="auto">
           <a:xfrm>
-            <a:off x="6226629" y="3981206"/>
-            <a:ext cx="2634343" cy="2725834"/>
+            <a:off x="6667500" y="0"/>
+            <a:ext cx="2476500" cy="1926167"/>
           </a:xfrm>
           <a:prstGeom prst="rect">
             <a:avLst/>
@@ -5835,85 +5940,10 @@
           </a:extLst>
         </p:spPr>
       </p:pic>
-      <p:sp>
-        <p:nvSpPr>
-          <p:cNvPr id="6" name="Text Box 5"/>
-          <p:cNvSpPr txBox="1">
-            <a:spLocks noChangeArrowheads="1"/>
-          </p:cNvSpPr>
-          <p:nvPr/>
-        </p:nvSpPr>
-        <p:spPr bwMode="auto">
-          <a:xfrm rot="19430330">
-            <a:off x="6934041" y="4179073"/>
-            <a:ext cx="1506358" cy="400110"/>
-          </a:xfrm>
-          <a:prstGeom prst="rect">
-            <a:avLst/>
-          </a:prstGeom>
-          <a:noFill/>
-          <a:ln>
-            <a:noFill/>
-          </a:ln>
-          <a:effectLst/>
-          <a:extLst>
-            <a:ext uri="{909E8E84-426E-40DD-AFC4-6F175D3DCCD1}">
-              <a14:hiddenFill xmlns:a14="http://schemas.microsoft.com/office/drawing/2010/main">
-                <a:solidFill>
-                  <a:schemeClr val="accent1"/>
-                </a:solidFill>
-              </a14:hiddenFill>
-            </a:ext>
-            <a:ext uri="{91240B29-F687-4F45-9708-019B960494DF}">
-              <a14:hiddenLine xmlns:a14="http://schemas.microsoft.com/office/drawing/2010/main" w="9525">
-                <a:solidFill>
-                  <a:schemeClr val="tx1"/>
-                </a:solidFill>
-                <a:miter lim="800000"/>
-                <a:headEnd/>
-                <a:tailEnd/>
-              </a14:hiddenLine>
-            </a:ext>
-            <a:ext uri="{AF507438-7753-43E0-B8FC-AC1667EBCBE1}">
-              <a14:hiddenEffects xmlns:a14="http://schemas.microsoft.com/office/drawing/2010/main">
-                <a:effectLst>
-                  <a:outerShdw dist="35921" dir="2700000" algn="ctr" rotWithShape="0">
-                    <a:srgbClr val="808080"/>
-                  </a:outerShdw>
-                </a:effectLst>
-              </a14:hiddenEffects>
-            </a:ext>
-          </a:extLst>
-        </p:spPr>
-        <p:txBody>
-          <a:bodyPr wrap="square">
-            <a:spAutoFit/>
-          </a:bodyPr>
-          <a:lstStyle/>
-          <a:p>
-            <a:pPr>
-              <a:spcBef>
-                <a:spcPct val="50000"/>
-              </a:spcBef>
-              <a:buFontTx/>
-              <a:buNone/>
-            </a:pPr>
-            <a:r>
-              <a:rPr kumimoji="0" lang="en-US" sz="2000" b="1" dirty="0" smtClean="0">
-                <a:latin typeface="Comic Sans MS" panose="030F0702030302020204" pitchFamily="66" charset="0"/>
-              </a:rPr>
-              <a:t>SQL</a:t>
-            </a:r>
-            <a:endParaRPr kumimoji="0" lang="en-US" sz="2000" b="1" dirty="0">
-              <a:latin typeface="Comic Sans MS" panose="030F0702030302020204" pitchFamily="66" charset="0"/>
-            </a:endParaRPr>
-          </a:p>
-        </p:txBody>
-      </p:sp>
     </p:spTree>
     <p:extLst>
       <p:ext uri="{BB962C8B-B14F-4D97-AF65-F5344CB8AC3E}">
-        <p14:creationId xmlns:p14="http://schemas.microsoft.com/office/powerpoint/2010/main" val="1016242517"/>
+        <p14:creationId xmlns:p14="http://schemas.microsoft.com/office/powerpoint/2010/main" val="3407408495"/>
       </p:ext>
     </p:extLst>
   </p:cSld>
@@ -5971,7 +6001,7 @@
         </p:nvSpPr>
         <p:spPr>
           <a:xfrm>
-            <a:off x="-1209675" y="434042"/>
+            <a:off x="-609600" y="434042"/>
             <a:ext cx="8229600" cy="739014"/>
           </a:xfrm>
         </p:spPr>
@@ -5983,7 +6013,19 @@
               <a:rPr lang="en-US" dirty="0" smtClean="0">
                 <a:latin typeface="Avenir Medium"/>
               </a:rPr>
-              <a:t>VI. SQL Security</a:t>
+              <a:t>VI. </a:t>
+            </a:r>
+            <a:r>
+              <a:rPr lang="en-US" dirty="0">
+                <a:latin typeface="Avenir Medium"/>
+              </a:rPr>
+              <a:t>SQL </a:t>
+            </a:r>
+            <a:r>
+              <a:rPr lang="vi-VN" dirty="0">
+                <a:latin typeface="Avenir Medium"/>
+              </a:rPr>
+              <a:t>Performance</a:t>
             </a:r>
             <a:endParaRPr lang="en-US" dirty="0">
               <a:latin typeface="Avenir Medium"/>
@@ -6015,34 +6057,7 @@
               <a:rPr lang="en-US" sz="2800" dirty="0" smtClean="0">
                 <a:latin typeface="Avenir Medium"/>
               </a:rPr>
-              <a:t>SQL Security Concepts</a:t>
-            </a:r>
-          </a:p>
-          <a:p>
-            <a:pPr lvl="1"/>
-            <a:r>
-              <a:rPr lang="en-US" sz="2400" dirty="0" smtClean="0">
-                <a:latin typeface="Avenir Medium"/>
-              </a:rPr>
-              <a:t>User-Ids</a:t>
-            </a:r>
-          </a:p>
-          <a:p>
-            <a:pPr lvl="1"/>
-            <a:r>
-              <a:rPr lang="en-US" sz="2400" dirty="0" smtClean="0">
-                <a:latin typeface="Avenir Medium"/>
-              </a:rPr>
-              <a:t>Security Objects</a:t>
-            </a:r>
-          </a:p>
-          <a:p>
-            <a:pPr lvl="1"/>
-            <a:r>
-              <a:rPr lang="en-US" sz="2400" dirty="0" smtClean="0">
-                <a:latin typeface="Avenir Medium"/>
-              </a:rPr>
-              <a:t>Privileges</a:t>
+              <a:t>Overview</a:t>
             </a:r>
           </a:p>
           <a:p>
@@ -6050,7 +6065,7 @@
               <a:rPr lang="en-US" sz="2800" dirty="0" smtClean="0">
                 <a:latin typeface="Avenir Medium"/>
               </a:rPr>
-              <a:t>Views and SQL Security</a:t>
+              <a:t>EXPLAIN SQL</a:t>
             </a:r>
           </a:p>
           <a:p>
@@ -6058,25 +6073,7 @@
               <a:rPr lang="en-US" sz="2800" dirty="0" smtClean="0">
                 <a:latin typeface="Avenir Medium"/>
               </a:rPr>
-              <a:t>Granting Privileges (GRANT)</a:t>
-            </a:r>
-          </a:p>
-          <a:p>
-            <a:pPr lvl="1"/>
-            <a:r>
-              <a:rPr lang="en-US" sz="2400" dirty="0" smtClean="0">
-                <a:latin typeface="Avenir Medium"/>
-              </a:rPr>
-              <a:t>Column Privileges</a:t>
-            </a:r>
-          </a:p>
-          <a:p>
-            <a:pPr lvl="1"/>
-            <a:r>
-              <a:rPr lang="en-US" sz="2400" dirty="0" smtClean="0">
-                <a:latin typeface="Avenir Medium"/>
-              </a:rPr>
-              <a:t>Passing Privileges (GRANT OPTION)</a:t>
+              <a:t>Optimize Schema and Data Types</a:t>
             </a:r>
           </a:p>
           <a:p>
@@ -6084,27 +6081,27 @@
               <a:rPr lang="en-US" sz="2800" dirty="0" smtClean="0">
                 <a:latin typeface="Avenir Medium"/>
               </a:rPr>
-              <a:t>Revoking Privileges (REVOKE)</a:t>
-            </a:r>
-          </a:p>
-          <a:p>
-            <a:pPr lvl="1"/>
-            <a:r>
-              <a:rPr lang="en-US" sz="2400" dirty="0" smtClean="0">
-                <a:latin typeface="Avenir Medium"/>
-              </a:rPr>
-              <a:t>REVOKE and the GRANT OPTION</a:t>
-            </a:r>
-          </a:p>
-          <a:p>
-            <a:pPr lvl="1"/>
-            <a:r>
-              <a:rPr lang="en-US" sz="2400" dirty="0" smtClean="0">
-                <a:latin typeface="Avenir Medium"/>
-              </a:rPr>
-              <a:t>REVOKE and the ANSI/ISO Standard</a:t>
-            </a:r>
-            <a:endParaRPr lang="en-US" sz="2400" dirty="0">
+              <a:t>Indexing for High Performance</a:t>
+            </a:r>
+          </a:p>
+          <a:p>
+            <a:r>
+              <a:rPr lang="en-US" sz="2800" dirty="0" smtClean="0">
+                <a:latin typeface="Avenir Medium"/>
+              </a:rPr>
+              <a:t>Query Performance Optimization</a:t>
+            </a:r>
+          </a:p>
+          <a:p>
+            <a:r>
+              <a:rPr lang="en-US" sz="2800" dirty="0" smtClean="0">
+                <a:latin typeface="Avenir Medium"/>
+              </a:rPr>
+              <a:t>Best practices</a:t>
+            </a:r>
+          </a:p>
+          <a:p>
+            <a:endParaRPr lang="en-US" sz="2800" dirty="0" smtClean="0">
               <a:latin typeface="Avenir Medium"/>
             </a:endParaRPr>
           </a:p>
@@ -6113,21 +6110,11 @@
               <a:latin typeface="Avenir Medium"/>
             </a:endParaRPr>
           </a:p>
-          <a:p>
-            <a:endParaRPr lang="en-US" sz="3000" dirty="0" smtClean="0">
-              <a:latin typeface="Avenir Medium"/>
-            </a:endParaRPr>
-          </a:p>
-          <a:p>
-            <a:endParaRPr lang="en-US" sz="3000" dirty="0" smtClean="0">
-              <a:latin typeface="Avenir Medium"/>
-            </a:endParaRPr>
-          </a:p>
         </p:txBody>
       </p:sp>
       <p:pic>
         <p:nvPicPr>
-          <p:cNvPr id="7" name="Picture 11" descr="E:\PFiles\MSOffice\Clipart\standard\stddir3\pe01590_.wmf"/>
+          <p:cNvPr id="8" name="Picture 52" descr="E:\PFiles\MSOffice\Clipart\standard\stddir4\pe01970_.wmf"/>
           <p:cNvPicPr>
             <a:picLocks noChangeAspect="1" noChangeArrowheads="1"/>
           </p:cNvPicPr>
@@ -6148,8 +6135,8 @@
         </p:blipFill>
         <p:spPr bwMode="auto">
           <a:xfrm>
-            <a:off x="5932520" y="1598255"/>
-            <a:ext cx="2897155" cy="2253343"/>
+            <a:off x="6490607" y="3823283"/>
+            <a:ext cx="2634343" cy="2725834"/>
           </a:xfrm>
           <a:prstGeom prst="rect">
             <a:avLst/>
@@ -6166,6 +6153,81 @@
           </a:extLst>
         </p:spPr>
       </p:pic>
+      <p:sp>
+        <p:nvSpPr>
+          <p:cNvPr id="9" name="Text Box 5"/>
+          <p:cNvSpPr txBox="1">
+            <a:spLocks noChangeArrowheads="1"/>
+          </p:cNvSpPr>
+          <p:nvPr/>
+        </p:nvSpPr>
+        <p:spPr bwMode="auto">
+          <a:xfrm rot="19430330">
+            <a:off x="7198019" y="4021150"/>
+            <a:ext cx="1506358" cy="400110"/>
+          </a:xfrm>
+          <a:prstGeom prst="rect">
+            <a:avLst/>
+          </a:prstGeom>
+          <a:noFill/>
+          <a:ln>
+            <a:noFill/>
+          </a:ln>
+          <a:effectLst/>
+          <a:extLst>
+            <a:ext uri="{909E8E84-426E-40DD-AFC4-6F175D3DCCD1}">
+              <a14:hiddenFill xmlns:a14="http://schemas.microsoft.com/office/drawing/2010/main">
+                <a:solidFill>
+                  <a:schemeClr val="accent1"/>
+                </a:solidFill>
+              </a14:hiddenFill>
+            </a:ext>
+            <a:ext uri="{91240B29-F687-4F45-9708-019B960494DF}">
+              <a14:hiddenLine xmlns:a14="http://schemas.microsoft.com/office/drawing/2010/main" w="9525">
+                <a:solidFill>
+                  <a:schemeClr val="tx1"/>
+                </a:solidFill>
+                <a:miter lim="800000"/>
+                <a:headEnd/>
+                <a:tailEnd/>
+              </a14:hiddenLine>
+            </a:ext>
+            <a:ext uri="{AF507438-7753-43E0-B8FC-AC1667EBCBE1}">
+              <a14:hiddenEffects xmlns:a14="http://schemas.microsoft.com/office/drawing/2010/main">
+                <a:effectLst>
+                  <a:outerShdw dist="35921" dir="2700000" algn="ctr" rotWithShape="0">
+                    <a:srgbClr val="808080"/>
+                  </a:outerShdw>
+                </a:effectLst>
+              </a14:hiddenEffects>
+            </a:ext>
+          </a:extLst>
+        </p:spPr>
+        <p:txBody>
+          <a:bodyPr wrap="square">
+            <a:spAutoFit/>
+          </a:bodyPr>
+          <a:lstStyle/>
+          <a:p>
+            <a:pPr>
+              <a:spcBef>
+                <a:spcPct val="50000"/>
+              </a:spcBef>
+              <a:buFontTx/>
+              <a:buNone/>
+            </a:pPr>
+            <a:r>
+              <a:rPr kumimoji="0" lang="en-US" sz="2000" b="1" dirty="0" smtClean="0">
+                <a:latin typeface="Comic Sans MS" panose="030F0702030302020204" pitchFamily="66" charset="0"/>
+              </a:rPr>
+              <a:t>SQL</a:t>
+            </a:r>
+            <a:endParaRPr kumimoji="0" lang="en-US" sz="2000" b="1" dirty="0">
+              <a:latin typeface="Comic Sans MS" panose="030F0702030302020204" pitchFamily="66" charset="0"/>
+            </a:endParaRPr>
+          </a:p>
+        </p:txBody>
+      </p:sp>
     </p:spTree>
     <p:extLst>
       <p:ext uri="{BB962C8B-B14F-4D97-AF65-F5344CB8AC3E}">
@@ -9434,8 +9496,17 @@
               <a:rPr lang="en-US" sz="3000" b="1" dirty="0" smtClean="0">
                 <a:latin typeface="Avenir Medium"/>
               </a:rPr>
-              <a:t>SQL Advanced</a:t>
-            </a:r>
+              <a:t>SQL </a:t>
+            </a:r>
+            <a:r>
+              <a:rPr lang="en-US" sz="3000" b="1" dirty="0" smtClean="0">
+                <a:latin typeface="Avenir Medium"/>
+              </a:rPr>
+              <a:t>Intermediate</a:t>
+            </a:r>
+            <a:endParaRPr lang="en-US" sz="3000" b="1" dirty="0" smtClean="0">
+              <a:latin typeface="Avenir Medium"/>
+            </a:endParaRPr>
           </a:p>
           <a:p>
             <a:pPr>
@@ -9449,10 +9520,10 @@
               <a:t>IV. </a:t>
             </a:r>
             <a:r>
-              <a:rPr lang="en-US" sz="3000" b="1" dirty="0">
-                <a:latin typeface="Avenir Medium"/>
-              </a:rPr>
-              <a:t>MySQL Database </a:t>
+              <a:rPr lang="en-US" sz="3000" b="1" dirty="0" smtClean="0">
+                <a:latin typeface="Avenir Medium"/>
+              </a:rPr>
+              <a:t>SQL Advanced</a:t>
             </a:r>
             <a:endParaRPr lang="en-US" sz="3000" b="1" dirty="0" smtClean="0">
               <a:latin typeface="Avenir Medium"/>
@@ -9467,14 +9538,29 @@
               <a:rPr lang="en-US" sz="3000" b="1" dirty="0" smtClean="0">
                 <a:latin typeface="Avenir Medium"/>
               </a:rPr>
-              <a:t>V.  SQL </a:t>
+              <a:t>V. </a:t>
+            </a:r>
+            <a:r>
+              <a:rPr lang="en-US" sz="3000" b="1" dirty="0" smtClean="0">
+                <a:latin typeface="Avenir Medium"/>
+              </a:rPr>
+              <a:t> </a:t>
+            </a:r>
+            <a:r>
+              <a:rPr lang="en-US" sz="3000" b="1" dirty="0" smtClean="0">
+                <a:latin typeface="Avenir Medium"/>
+              </a:rPr>
+              <a:t>MySQL </a:t>
             </a:r>
             <a:r>
               <a:rPr lang="en-US" sz="3000" b="1" dirty="0">
                 <a:latin typeface="Avenir Medium"/>
               </a:rPr>
-              <a:t>Performance</a:t>
-            </a:r>
+              <a:t>&amp; Security </a:t>
+            </a:r>
+            <a:endParaRPr lang="en-US" sz="3000" b="1" dirty="0" smtClean="0">
+              <a:latin typeface="Avenir Medium"/>
+            </a:endParaRPr>
           </a:p>
           <a:p>
             <a:pPr>
@@ -9497,7 +9583,7 @@
               <a:rPr lang="en-US" sz="3000" b="1" dirty="0" smtClean="0">
                 <a:latin typeface="Avenir Medium"/>
               </a:rPr>
-              <a:t>Security</a:t>
+              <a:t>Performance</a:t>
             </a:r>
             <a:endParaRPr lang="en-US" sz="3000" b="1" dirty="0">
               <a:latin typeface="Avenir Medium"/>
@@ -9728,89 +9814,39 @@
               <a:rPr lang="en-US" sz="2800" dirty="0" smtClean="0">
                 <a:latin typeface="Avenir Medium"/>
               </a:rPr>
-              <a:t>The Data Definition </a:t>
-            </a:r>
+              <a:t>The Data Definition Language (DDL)</a:t>
+            </a:r>
+          </a:p>
+          <a:p>
             <a:r>
               <a:rPr lang="en-US" sz="2800" dirty="0" smtClean="0">
                 <a:latin typeface="Avenir Medium"/>
               </a:rPr>
-              <a:t>Language (DDL)</a:t>
-            </a:r>
-            <a:endParaRPr lang="en-US" sz="2800" dirty="0" smtClean="0">
-              <a:latin typeface="Avenir Medium"/>
-            </a:endParaRPr>
+              <a:t>Creating a Database</a:t>
+            </a:r>
           </a:p>
           <a:p>
             <a:r>
               <a:rPr lang="en-US" sz="2800" dirty="0" smtClean="0">
                 <a:latin typeface="Avenir Medium"/>
               </a:rPr>
-              <a:t>Creating a </a:t>
-            </a:r>
+              <a:t>Table Definitions (create, drop, alter)</a:t>
+            </a:r>
+          </a:p>
+          <a:p>
             <a:r>
               <a:rPr lang="en-US" sz="2800" dirty="0" smtClean="0">
                 <a:latin typeface="Avenir Medium"/>
               </a:rPr>
-              <a:t>Database</a:t>
-            </a:r>
-            <a:endParaRPr lang="en-US" sz="2800" dirty="0" smtClean="0">
-              <a:latin typeface="Avenir Medium"/>
-            </a:endParaRPr>
+              <a:t>Constraint Definitions (assertions, domains)</a:t>
+            </a:r>
           </a:p>
           <a:p>
             <a:r>
               <a:rPr lang="en-US" sz="2800" dirty="0" smtClean="0">
                 <a:latin typeface="Avenir Medium"/>
               </a:rPr>
-              <a:t>Table </a:t>
-            </a:r>
-            <a:r>
-              <a:rPr lang="en-US" sz="2800" dirty="0" smtClean="0">
-                <a:latin typeface="Avenir Medium"/>
-              </a:rPr>
-              <a:t>Definitions </a:t>
-            </a:r>
-            <a:r>
-              <a:rPr lang="en-US" sz="2800" dirty="0" smtClean="0">
-                <a:latin typeface="Avenir Medium"/>
-              </a:rPr>
-              <a:t>(create, drop, alter)</a:t>
-            </a:r>
-          </a:p>
-          <a:p>
-            <a:r>
-              <a:rPr lang="en-US" sz="2800" dirty="0" smtClean="0">
-                <a:latin typeface="Avenir Medium"/>
-              </a:rPr>
-              <a:t>Constraint </a:t>
-            </a:r>
-            <a:r>
-              <a:rPr lang="en-US" sz="2800" dirty="0" smtClean="0">
-                <a:latin typeface="Avenir Medium"/>
-              </a:rPr>
-              <a:t>Definitions </a:t>
-            </a:r>
-            <a:r>
-              <a:rPr lang="en-US" sz="2800" dirty="0" smtClean="0">
-                <a:latin typeface="Avenir Medium"/>
-              </a:rPr>
-              <a:t>(assertions, domains)</a:t>
-            </a:r>
-          </a:p>
-          <a:p>
-            <a:r>
-              <a:rPr lang="en-US" sz="2800" dirty="0" smtClean="0">
-                <a:latin typeface="Avenir Medium"/>
-              </a:rPr>
               <a:t>Aliases and Synonyms (create, drop alias)</a:t>
-            </a:r>
-          </a:p>
-          <a:p>
-            <a:r>
-              <a:rPr lang="en-US" sz="2800" dirty="0" smtClean="0">
-                <a:latin typeface="Avenir Medium"/>
-              </a:rPr>
-              <a:t>Indexes (create, drop index)</a:t>
             </a:r>
           </a:p>
           <a:p>
@@ -10117,29 +10153,20 @@
               <a:rPr lang="vi-VN" sz="2800" dirty="0" smtClean="0">
                 <a:latin typeface="Avenir Medium"/>
               </a:rPr>
-              <a:t>Expressions</a:t>
+              <a:t>Expressions, Built-in </a:t>
+            </a:r>
+            <a:r>
+              <a:rPr lang="en-US" sz="2800" dirty="0" smtClean="0">
+                <a:latin typeface="Avenir Medium"/>
+              </a:rPr>
+              <a:t>F</a:t>
             </a:r>
             <a:r>
               <a:rPr lang="vi-VN" sz="2800" dirty="0" smtClean="0">
                 <a:latin typeface="Avenir Medium"/>
               </a:rPr>
-              <a:t>, Built-in </a:t>
-            </a:r>
-            <a:r>
-              <a:rPr lang="en-US" sz="2800" dirty="0" smtClean="0">
-                <a:latin typeface="Avenir Medium"/>
-              </a:rPr>
-              <a:t>F</a:t>
-            </a:r>
-            <a:r>
-              <a:rPr lang="vi-VN" sz="2800" dirty="0" smtClean="0">
-                <a:latin typeface="Avenir Medium"/>
-              </a:rPr>
               <a:t>unctions</a:t>
             </a:r>
-            <a:endParaRPr lang="vi-VN" sz="2800" dirty="0" smtClean="0">
-              <a:latin typeface="Avenir Medium"/>
-            </a:endParaRPr>
           </a:p>
           <a:p>
             <a:r>
@@ -10168,6 +10195,15 @@
               </a:rPr>
               <a:t>select, from, distinct, where</a:t>
             </a:r>
+            <a:r>
+              <a:rPr lang="en-US" sz="2400" dirty="0" smtClean="0">
+                <a:latin typeface="Avenir Medium"/>
+              </a:rPr>
+              <a:t>, limit</a:t>
+            </a:r>
+            <a:endParaRPr lang="vi-VN" sz="2400" dirty="0" smtClean="0">
+              <a:latin typeface="Avenir Medium"/>
+            </a:endParaRPr>
           </a:p>
           <a:p>
             <a:pPr lvl="1">
@@ -10216,9 +10252,6 @@
               </a:rPr>
               <a:t>not)</a:t>
             </a:r>
-            <a:endParaRPr lang="vi-VN" sz="2400" dirty="0" smtClean="0">
-              <a:latin typeface="Avenir Medium"/>
-            </a:endParaRPr>
           </a:p>
           <a:p>
             <a:pPr lvl="1">
@@ -10241,13 +10274,7 @@
               <a:rPr lang="vi-VN" sz="2400" dirty="0" smtClean="0">
                 <a:latin typeface="Avenir Medium"/>
               </a:rPr>
-              <a:t>y</a:t>
-            </a:r>
-            <a:r>
-              <a:rPr lang="vi-VN" sz="2400" dirty="0" smtClean="0">
-                <a:latin typeface="Avenir Medium"/>
-              </a:rPr>
-              <a:t>)</a:t>
+              <a:t>y)</a:t>
             </a:r>
           </a:p>
           <a:p>
@@ -10461,7 +10488,7 @@
         </p:nvSpPr>
         <p:spPr>
           <a:xfrm>
-            <a:off x="-1021222" y="453569"/>
+            <a:off x="-659272" y="482824"/>
             <a:ext cx="8229600" cy="739014"/>
           </a:xfrm>
         </p:spPr>
@@ -10479,7 +10506,13 @@
               <a:rPr lang="vi-VN" dirty="0" smtClean="0">
                 <a:latin typeface="Avenir Medium"/>
               </a:rPr>
-              <a:t>SQL Advanced</a:t>
+              <a:t>SQL </a:t>
+            </a:r>
+            <a:r>
+              <a:rPr lang="en-US" dirty="0" smtClean="0">
+                <a:latin typeface="Avenir Medium"/>
+              </a:rPr>
+              <a:t>Intermediate</a:t>
             </a:r>
             <a:endParaRPr lang="en-US" dirty="0">
               <a:latin typeface="Avenir Medium"/>
@@ -10532,19 +10565,7 @@
               <a:rPr lang="vi-VN" sz="2600" dirty="0" smtClean="0">
                 <a:latin typeface="Avenir Medium"/>
               </a:rPr>
-              <a:t>nsert</a:t>
-            </a:r>
-            <a:r>
-              <a:rPr lang="vi-VN" sz="2600" dirty="0" smtClean="0">
-                <a:latin typeface="Avenir Medium"/>
-              </a:rPr>
-              <a:t>, delete, </a:t>
-            </a:r>
-            <a:r>
-              <a:rPr lang="vi-VN" sz="2600" dirty="0" smtClean="0">
-                <a:latin typeface="Avenir Medium"/>
-              </a:rPr>
-              <a:t>up</a:t>
+              <a:t>nsert, delete, up</a:t>
             </a:r>
             <a:r>
               <a:rPr lang="en-US" sz="2600" dirty="0" smtClean="0">
@@ -10613,100 +10634,41 @@
               <a:rPr lang="vi-VN" sz="3000" dirty="0" smtClean="0">
                 <a:latin typeface="Avenir Medium"/>
               </a:rPr>
-              <a:t>y</a:t>
-            </a:r>
+              <a:t>y)</a:t>
+            </a:r>
+          </a:p>
+          <a:p>
             <a:r>
               <a:rPr lang="vi-VN" sz="3000" dirty="0" smtClean="0">
                 <a:latin typeface="Avenir Medium"/>
               </a:rPr>
-              <a:t>)</a:t>
-            </a:r>
-          </a:p>
-          <a:p>
+              <a:t>Group </a:t>
+            </a:r>
+            <a:r>
+              <a:rPr lang="en-US" sz="3000" dirty="0" smtClean="0">
+                <a:latin typeface="Avenir Medium"/>
+              </a:rPr>
+              <a:t>S</a:t>
+            </a:r>
             <a:r>
               <a:rPr lang="vi-VN" sz="3000" dirty="0" smtClean="0">
                 <a:latin typeface="Avenir Medium"/>
               </a:rPr>
-              <a:t>Group </a:t>
+              <a:t>earch </a:t>
             </a:r>
             <a:r>
               <a:rPr lang="en-US" sz="3000" dirty="0" smtClean="0">
                 <a:latin typeface="Avenir Medium"/>
               </a:rPr>
-              <a:t>S</a:t>
+              <a:t>C</a:t>
             </a:r>
             <a:r>
               <a:rPr lang="vi-VN" sz="3000" dirty="0" smtClean="0">
                 <a:latin typeface="Avenir Medium"/>
               </a:rPr>
-              <a:t>earch </a:t>
-            </a:r>
-            <a:r>
-              <a:rPr lang="en-US" sz="3000" dirty="0" smtClean="0">
-                <a:latin typeface="Avenir Medium"/>
-              </a:rPr>
-              <a:t>C</a:t>
-            </a:r>
-            <a:r>
-              <a:rPr lang="vi-VN" sz="3000" dirty="0" smtClean="0">
-                <a:latin typeface="Avenir Medium"/>
-              </a:rPr>
-              <a:t>onditions </a:t>
-            </a:r>
-            <a:r>
-              <a:rPr lang="vi-VN" sz="3000" dirty="0" smtClean="0">
-                <a:latin typeface="Avenir Medium"/>
-              </a:rPr>
-              <a:t>(Having)</a:t>
+              <a:t>onditions (Having)</a:t>
             </a:r>
             <a:endParaRPr lang="en-US" sz="2600" dirty="0" smtClean="0">
-              <a:latin typeface="Avenir Medium"/>
-            </a:endParaRPr>
-          </a:p>
-          <a:p>
-            <a:r>
-              <a:rPr lang="en-US" sz="3000" dirty="0">
-                <a:latin typeface="Avenir Medium"/>
-              </a:rPr>
-              <a:t>SQL </a:t>
-            </a:r>
-            <a:r>
-              <a:rPr lang="en-US" sz="3000" dirty="0" smtClean="0">
-                <a:latin typeface="Avenir Medium"/>
-              </a:rPr>
-              <a:t>Procedures</a:t>
-            </a:r>
-          </a:p>
-          <a:p>
-            <a:r>
-              <a:rPr lang="en-US" sz="3000" dirty="0">
-                <a:latin typeface="Avenir Medium"/>
-              </a:rPr>
-              <a:t>SQL </a:t>
-            </a:r>
-            <a:r>
-              <a:rPr lang="en-US" sz="3000" dirty="0" smtClean="0">
-                <a:latin typeface="Avenir Medium"/>
-              </a:rPr>
-              <a:t>View</a:t>
-            </a:r>
-          </a:p>
-          <a:p>
-            <a:r>
-              <a:rPr lang="en-US" sz="3000" dirty="0" smtClean="0">
-                <a:latin typeface="Avenir Medium"/>
-              </a:rPr>
-              <a:t>SQL Transactions</a:t>
-            </a:r>
-          </a:p>
-          <a:p>
-            <a:r>
-              <a:rPr lang="en-US" sz="3000" dirty="0" smtClean="0">
-                <a:latin typeface="Avenir Medium"/>
-              </a:rPr>
-              <a:t>SQL Scripts</a:t>
-            </a:r>
-            <a:endParaRPr lang="en-US" sz="3000" dirty="0">
               <a:latin typeface="Avenir Medium"/>
             </a:endParaRPr>
           </a:p>
@@ -10740,8 +10702,8 @@
         </p:blipFill>
         <p:spPr bwMode="auto">
           <a:xfrm>
-            <a:off x="5963896" y="27327"/>
-            <a:ext cx="3414045" cy="2536825"/>
+            <a:off x="6214484" y="4681207"/>
+            <a:ext cx="2929516" cy="2176793"/>
           </a:xfrm>
           <a:prstGeom prst="rect">
             <a:avLst/>
@@ -10768,8 +10730,8 @@
         </p:nvSpPr>
         <p:spPr bwMode="auto">
           <a:xfrm rot="21290841">
-            <a:off x="6208615" y="480560"/>
-            <a:ext cx="1506358" cy="307777"/>
+            <a:off x="6423087" y="5025532"/>
+            <a:ext cx="1292572" cy="276999"/>
           </a:xfrm>
           <a:prstGeom prst="rect">
             <a:avLst/>
@@ -10822,7 +10784,7 @@
               <a:buNone/>
             </a:pPr>
             <a:r>
-              <a:rPr kumimoji="0" lang="en-US" sz="1400" b="1" dirty="0">
+              <a:rPr kumimoji="0" lang="en-US" sz="1200" b="1" dirty="0">
                 <a:latin typeface="Comic Sans MS" panose="030F0702030302020204" pitchFamily="66" charset="0"/>
               </a:rPr>
               <a:t>SQL</a:t>
